--- a/.gitbook/assets/chapter-08-kor.pptx
+++ b/.gitbook/assets/chapter-08-kor.pptx
@@ -1098,7 +1098,7 @@
               <a:pPr>
                 <a:defRPr/>
               </a:pPr>
-              <a:t>2020-01-08</a:t>
+              <a:t>2020-01-12</a:t>
             </a:fld>
             <a:endParaRPr lang="ko-KR" altLang="en-US"/>
           </a:p>
@@ -1555,36 +1555,6 @@
           </a:p>
         </p:txBody>
       </p:sp>
-      <p:pic>
-        <p:nvPicPr>
-          <p:cNvPr id="8" name="그림 7"/>
-          <p:cNvPicPr>
-            <a:picLocks noChangeAspect="1"/>
-          </p:cNvPicPr>
-          <p:nvPr userDrawn="1"/>
-        </p:nvPicPr>
-        <p:blipFill>
-          <a:blip r:embed="rId2" cstate="print">
-            <a:extLst>
-              <a:ext uri="{28A0092B-C50C-407E-A947-70E740481C1C}">
-                <a14:useLocalDpi xmlns:a14="http://schemas.microsoft.com/office/drawing/2010/main" val="0"/>
-              </a:ext>
-            </a:extLst>
-          </a:blip>
-          <a:stretch>
-            <a:fillRect/>
-          </a:stretch>
-        </p:blipFill>
-        <p:spPr>
-          <a:xfrm>
-            <a:off x="-108520" y="143635"/>
-            <a:ext cx="2255525" cy="1146050"/>
-          </a:xfrm>
-          <a:prstGeom prst="rect">
-            <a:avLst/>
-          </a:prstGeom>
-        </p:spPr>
-      </p:pic>
       <p:sp>
         <p:nvSpPr>
           <p:cNvPr id="71" name="정오각형 70"/>
@@ -2354,7 +2324,7 @@
               <a:pPr>
                 <a:defRPr/>
               </a:pPr>
-              <a:t>Wednesday, January 8, 2020</a:t>
+              <a:t>Sunday, January 12, 2020</a:t>
             </a:fld>
             <a:endParaRPr lang="en-US" dirty="0"/>
           </a:p>
@@ -2547,7 +2517,7 @@
               <a:pPr>
                 <a:defRPr/>
               </a:pPr>
-              <a:t>Wednesday, January 8, 2020</a:t>
+              <a:t>Sunday, January 12, 2020</a:t>
             </a:fld>
             <a:endParaRPr lang="en-US"/>
           </a:p>
@@ -2725,7 +2695,7 @@
             <a:fld id="{50452A7F-A327-4EE8-B104-E975F89B161A}" type="datetime1">
               <a:rPr lang="ko-KR" altLang="en-US" smtClean="0"/>
               <a:pPr/>
-              <a:t>2020-01-08</a:t>
+              <a:t>2020-01-12</a:t>
             </a:fld>
             <a:endParaRPr lang="ko-KR" altLang="en-US"/>
           </a:p>
@@ -2827,7 +2797,7 @@
               <a:pPr>
                 <a:defRPr/>
               </a:pPr>
-              <a:t>Wednesday, January 8, 2020</a:t>
+              <a:t>Sunday, January 12, 2020</a:t>
             </a:fld>
             <a:endParaRPr lang="en-US" dirty="0"/>
           </a:p>
@@ -3187,7 +3157,7 @@
               <a:pPr>
                 <a:defRPr/>
               </a:pPr>
-              <a:t>Wednesday, January 8, 2020</a:t>
+              <a:t>Sunday, January 12, 2020</a:t>
             </a:fld>
             <a:endParaRPr lang="en-US"/>
           </a:p>
@@ -3487,7 +3457,7 @@
               <a:pPr>
                 <a:defRPr/>
               </a:pPr>
-              <a:t>Wednesday, January 8, 2020</a:t>
+              <a:t>Sunday, January 12, 2020</a:t>
             </a:fld>
             <a:endParaRPr lang="en-US"/>
           </a:p>
@@ -3921,7 +3891,7 @@
               <a:pPr>
                 <a:defRPr/>
               </a:pPr>
-              <a:t>Wednesday, January 8, 2020</a:t>
+              <a:t>Sunday, January 12, 2020</a:t>
             </a:fld>
             <a:endParaRPr lang="en-US"/>
           </a:p>
@@ -4053,7 +4023,7 @@
               <a:pPr>
                 <a:defRPr/>
               </a:pPr>
-              <a:t>Wednesday, January 8, 2020</a:t>
+              <a:t>Sunday, January 12, 2020</a:t>
             </a:fld>
             <a:endParaRPr lang="en-US" dirty="0"/>
           </a:p>
@@ -4163,7 +4133,7 @@
               <a:pPr>
                 <a:defRPr/>
               </a:pPr>
-              <a:t>Wednesday, January 8, 2020</a:t>
+              <a:t>Sunday, January 12, 2020</a:t>
             </a:fld>
             <a:endParaRPr lang="en-US"/>
           </a:p>
@@ -4453,7 +4423,7 @@
               <a:pPr>
                 <a:defRPr/>
               </a:pPr>
-              <a:t>Wednesday, January 8, 2020</a:t>
+              <a:t>Sunday, January 12, 2020</a:t>
             </a:fld>
             <a:endParaRPr lang="en-US" dirty="0"/>
           </a:p>
@@ -4720,7 +4690,7 @@
               <a:pPr>
                 <a:defRPr/>
               </a:pPr>
-              <a:t>Wednesday, January 8, 2020</a:t>
+              <a:t>Sunday, January 12, 2020</a:t>
             </a:fld>
             <a:endParaRPr lang="en-US"/>
           </a:p>
@@ -5013,7 +4983,7 @@
               <a:pPr>
                 <a:defRPr/>
               </a:pPr>
-              <a:t>Wednesday, January 8, 2020</a:t>
+              <a:t>Sunday, January 12, 2020</a:t>
             </a:fld>
             <a:endParaRPr lang="en-US" dirty="0"/>
           </a:p>
@@ -5162,8 +5132,8 @@
         </p:nvSpPr>
         <p:spPr bwMode="auto">
           <a:xfrm>
-            <a:off x="8397425" y="6489340"/>
-            <a:ext cx="569387" cy="261610"/>
+            <a:off x="8391012" y="6489340"/>
+            <a:ext cx="575800" cy="253916"/>
           </a:xfrm>
           <a:prstGeom prst="rect">
             <a:avLst/>
@@ -5308,7 +5278,7 @@
               <a:defRPr/>
             </a:pPr>
             <a:fld id="{F60B237E-1E27-414E-981E-8B20D038C067}" type="slidenum">
-              <a:rPr lang="en-US" altLang="ko-KR" sz="1050" smtClean="0">
+              <a:rPr lang="en-US" altLang="ko-KR" sz="1050" b="1" smtClean="0">
                 <a:latin typeface="+mn-ea"/>
                 <a:ea typeface="+mn-ea"/>
               </a:rPr>
@@ -5318,12 +5288,16 @@
               <a:t>‹#›</a:t>
             </a:fld>
             <a:r>
-              <a:rPr lang="en-US" altLang="ko-KR" sz="1050" dirty="0">
-                <a:latin typeface="+mn-ea"/>
-                <a:ea typeface="+mn-ea"/>
-              </a:rPr>
-              <a:t>/31</a:t>
-            </a:r>
+              <a:rPr lang="en-US" altLang="ko-KR" sz="1050" b="1" dirty="0" smtClean="0">
+                <a:latin typeface="+mn-ea"/>
+                <a:ea typeface="+mn-ea"/>
+              </a:rPr>
+              <a:t>/41</a:t>
+            </a:r>
+            <a:endParaRPr lang="en-US" altLang="ko-KR" sz="1050" b="1" dirty="0">
+              <a:latin typeface="+mn-ea"/>
+              <a:ea typeface="+mn-ea"/>
+            </a:endParaRPr>
           </a:p>
         </p:txBody>
       </p:sp>
@@ -9265,6 +9239,10 @@
               <a:rPr kumimoji="0" lang="ko-KR" altLang="en-US" dirty="0"/>
               <a:t>장</a:t>
             </a:r>
+            <a:r>
+              <a:rPr kumimoji="0" lang="en-US" altLang="ko-KR" dirty="0"/>
+              <a:t/>
+            </a:r>
             <a:br>
               <a:rPr kumimoji="0" lang="en-US" altLang="ko-KR" dirty="0"/>
             </a:br>
@@ -15581,7 +15559,7 @@
           <a:graphicData uri="http://schemas.openxmlformats.org/presentationml/2006/ole">
             <mc:AlternateContent xmlns:mc="http://schemas.openxmlformats.org/markup-compatibility/2006">
               <mc:Choice xmlns:v="urn:schemas-microsoft-com:vml" Requires="v">
-                <p:oleObj spid="_x0000_s1026" name="Equation" r:id="rId3" imgW="2958840" imgH="380880" progId="Equation.DSMT4">
+                <p:oleObj spid="_x0000_s1027" name="Equation" r:id="rId3" imgW="2958840" imgH="380880" progId="Equation.DSMT4">
                   <p:embed/>
                 </p:oleObj>
               </mc:Choice>
@@ -18334,7 +18312,7 @@
           <a:graphicData uri="http://schemas.openxmlformats.org/presentationml/2006/ole">
             <mc:AlternateContent xmlns:mc="http://schemas.openxmlformats.org/markup-compatibility/2006">
               <mc:Choice xmlns:v="urn:schemas-microsoft-com:vml" Requires="v">
-                <p:oleObj spid="_x0000_s2050" name="Equation" r:id="rId3" imgW="3416040" imgH="380880" progId="Equation.DSMT4">
+                <p:oleObj spid="_x0000_s2051" name="Equation" r:id="rId3" imgW="3416040" imgH="380880" progId="Equation.DSMT4">
                   <p:embed/>
                 </p:oleObj>
               </mc:Choice>

--- a/.gitbook/assets/chapter-08-kor.pptx
+++ b/.gitbook/assets/chapter-08-kor.pptx
@@ -1098,7 +1098,7 @@
               <a:pPr>
                 <a:defRPr/>
               </a:pPr>
-              <a:t>2020-01-12</a:t>
+              <a:t>2020-01-08</a:t>
             </a:fld>
             <a:endParaRPr lang="ko-KR" altLang="en-US"/>
           </a:p>
@@ -1555,6 +1555,36 @@
           </a:p>
         </p:txBody>
       </p:sp>
+      <p:pic>
+        <p:nvPicPr>
+          <p:cNvPr id="8" name="그림 7"/>
+          <p:cNvPicPr>
+            <a:picLocks noChangeAspect="1"/>
+          </p:cNvPicPr>
+          <p:nvPr userDrawn="1"/>
+        </p:nvPicPr>
+        <p:blipFill>
+          <a:blip r:embed="rId2" cstate="print">
+            <a:extLst>
+              <a:ext uri="{28A0092B-C50C-407E-A947-70E740481C1C}">
+                <a14:useLocalDpi xmlns:a14="http://schemas.microsoft.com/office/drawing/2010/main" val="0"/>
+              </a:ext>
+            </a:extLst>
+          </a:blip>
+          <a:stretch>
+            <a:fillRect/>
+          </a:stretch>
+        </p:blipFill>
+        <p:spPr>
+          <a:xfrm>
+            <a:off x="-108520" y="143635"/>
+            <a:ext cx="2255525" cy="1146050"/>
+          </a:xfrm>
+          <a:prstGeom prst="rect">
+            <a:avLst/>
+          </a:prstGeom>
+        </p:spPr>
+      </p:pic>
       <p:sp>
         <p:nvSpPr>
           <p:cNvPr id="71" name="정오각형 70"/>
@@ -2324,7 +2354,7 @@
               <a:pPr>
                 <a:defRPr/>
               </a:pPr>
-              <a:t>Sunday, January 12, 2020</a:t>
+              <a:t>Wednesday, January 8, 2020</a:t>
             </a:fld>
             <a:endParaRPr lang="en-US" dirty="0"/>
           </a:p>
@@ -2517,7 +2547,7 @@
               <a:pPr>
                 <a:defRPr/>
               </a:pPr>
-              <a:t>Sunday, January 12, 2020</a:t>
+              <a:t>Wednesday, January 8, 2020</a:t>
             </a:fld>
             <a:endParaRPr lang="en-US"/>
           </a:p>
@@ -2695,7 +2725,7 @@
             <a:fld id="{50452A7F-A327-4EE8-B104-E975F89B161A}" type="datetime1">
               <a:rPr lang="ko-KR" altLang="en-US" smtClean="0"/>
               <a:pPr/>
-              <a:t>2020-01-12</a:t>
+              <a:t>2020-01-08</a:t>
             </a:fld>
             <a:endParaRPr lang="ko-KR" altLang="en-US"/>
           </a:p>
@@ -2797,7 +2827,7 @@
               <a:pPr>
                 <a:defRPr/>
               </a:pPr>
-              <a:t>Sunday, January 12, 2020</a:t>
+              <a:t>Wednesday, January 8, 2020</a:t>
             </a:fld>
             <a:endParaRPr lang="en-US" dirty="0"/>
           </a:p>
@@ -3157,7 +3187,7 @@
               <a:pPr>
                 <a:defRPr/>
               </a:pPr>
-              <a:t>Sunday, January 12, 2020</a:t>
+              <a:t>Wednesday, January 8, 2020</a:t>
             </a:fld>
             <a:endParaRPr lang="en-US"/>
           </a:p>
@@ -3457,7 +3487,7 @@
               <a:pPr>
                 <a:defRPr/>
               </a:pPr>
-              <a:t>Sunday, January 12, 2020</a:t>
+              <a:t>Wednesday, January 8, 2020</a:t>
             </a:fld>
             <a:endParaRPr lang="en-US"/>
           </a:p>
@@ -3891,7 +3921,7 @@
               <a:pPr>
                 <a:defRPr/>
               </a:pPr>
-              <a:t>Sunday, January 12, 2020</a:t>
+              <a:t>Wednesday, January 8, 2020</a:t>
             </a:fld>
             <a:endParaRPr lang="en-US"/>
           </a:p>
@@ -4023,7 +4053,7 @@
               <a:pPr>
                 <a:defRPr/>
               </a:pPr>
-              <a:t>Sunday, January 12, 2020</a:t>
+              <a:t>Wednesday, January 8, 2020</a:t>
             </a:fld>
             <a:endParaRPr lang="en-US" dirty="0"/>
           </a:p>
@@ -4133,7 +4163,7 @@
               <a:pPr>
                 <a:defRPr/>
               </a:pPr>
-              <a:t>Sunday, January 12, 2020</a:t>
+              <a:t>Wednesday, January 8, 2020</a:t>
             </a:fld>
             <a:endParaRPr lang="en-US"/>
           </a:p>
@@ -4423,7 +4453,7 @@
               <a:pPr>
                 <a:defRPr/>
               </a:pPr>
-              <a:t>Sunday, January 12, 2020</a:t>
+              <a:t>Wednesday, January 8, 2020</a:t>
             </a:fld>
             <a:endParaRPr lang="en-US" dirty="0"/>
           </a:p>
@@ -4690,7 +4720,7 @@
               <a:pPr>
                 <a:defRPr/>
               </a:pPr>
-              <a:t>Sunday, January 12, 2020</a:t>
+              <a:t>Wednesday, January 8, 2020</a:t>
             </a:fld>
             <a:endParaRPr lang="en-US"/>
           </a:p>
@@ -4983,7 +5013,7 @@
               <a:pPr>
                 <a:defRPr/>
               </a:pPr>
-              <a:t>Sunday, January 12, 2020</a:t>
+              <a:t>Wednesday, January 8, 2020</a:t>
             </a:fld>
             <a:endParaRPr lang="en-US" dirty="0"/>
           </a:p>
@@ -5132,8 +5162,8 @@
         </p:nvSpPr>
         <p:spPr bwMode="auto">
           <a:xfrm>
-            <a:off x="8391012" y="6489340"/>
-            <a:ext cx="575800" cy="253916"/>
+            <a:off x="8397425" y="6489340"/>
+            <a:ext cx="569387" cy="261610"/>
           </a:xfrm>
           <a:prstGeom prst="rect">
             <a:avLst/>
@@ -5278,7 +5308,7 @@
               <a:defRPr/>
             </a:pPr>
             <a:fld id="{F60B237E-1E27-414E-981E-8B20D038C067}" type="slidenum">
-              <a:rPr lang="en-US" altLang="ko-KR" sz="1050" b="1" smtClean="0">
+              <a:rPr lang="en-US" altLang="ko-KR" sz="1050" smtClean="0">
                 <a:latin typeface="+mn-ea"/>
                 <a:ea typeface="+mn-ea"/>
               </a:rPr>
@@ -5288,16 +5318,12 @@
               <a:t>‹#›</a:t>
             </a:fld>
             <a:r>
-              <a:rPr lang="en-US" altLang="ko-KR" sz="1050" b="1" dirty="0" smtClean="0">
-                <a:latin typeface="+mn-ea"/>
-                <a:ea typeface="+mn-ea"/>
-              </a:rPr>
-              <a:t>/41</a:t>
-            </a:r>
-            <a:endParaRPr lang="en-US" altLang="ko-KR" sz="1050" b="1" dirty="0">
-              <a:latin typeface="+mn-ea"/>
-              <a:ea typeface="+mn-ea"/>
-            </a:endParaRPr>
+              <a:rPr lang="en-US" altLang="ko-KR" sz="1050" dirty="0">
+                <a:latin typeface="+mn-ea"/>
+                <a:ea typeface="+mn-ea"/>
+              </a:rPr>
+              <a:t>/31</a:t>
+            </a:r>
           </a:p>
         </p:txBody>
       </p:sp>
@@ -9239,10 +9265,6 @@
               <a:rPr kumimoji="0" lang="ko-KR" altLang="en-US" dirty="0"/>
               <a:t>장</a:t>
             </a:r>
-            <a:r>
-              <a:rPr kumimoji="0" lang="en-US" altLang="ko-KR" dirty="0"/>
-              <a:t/>
-            </a:r>
             <a:br>
               <a:rPr kumimoji="0" lang="en-US" altLang="ko-KR" dirty="0"/>
             </a:br>
@@ -15559,7 +15581,7 @@
           <a:graphicData uri="http://schemas.openxmlformats.org/presentationml/2006/ole">
             <mc:AlternateContent xmlns:mc="http://schemas.openxmlformats.org/markup-compatibility/2006">
               <mc:Choice xmlns:v="urn:schemas-microsoft-com:vml" Requires="v">
-                <p:oleObj spid="_x0000_s1027" name="Equation" r:id="rId3" imgW="2958840" imgH="380880" progId="Equation.DSMT4">
+                <p:oleObj spid="_x0000_s1026" name="Equation" r:id="rId3" imgW="2958840" imgH="380880" progId="Equation.DSMT4">
                   <p:embed/>
                 </p:oleObj>
               </mc:Choice>
@@ -18312,7 +18334,7 @@
           <a:graphicData uri="http://schemas.openxmlformats.org/presentationml/2006/ole">
             <mc:AlternateContent xmlns:mc="http://schemas.openxmlformats.org/markup-compatibility/2006">
               <mc:Choice xmlns:v="urn:schemas-microsoft-com:vml" Requires="v">
-                <p:oleObj spid="_x0000_s2051" name="Equation" r:id="rId3" imgW="3416040" imgH="380880" progId="Equation.DSMT4">
+                <p:oleObj spid="_x0000_s2050" name="Equation" r:id="rId3" imgW="3416040" imgH="380880" progId="Equation.DSMT4">
                   <p:embed/>
                 </p:oleObj>
               </mc:Choice>

--- a/.gitbook/assets/chapter-08-kor.pptx
+++ b/.gitbook/assets/chapter-08-kor.pptx
@@ -5,10 +5,10 @@
     <p:sldMasterId id="2147484296" r:id="rId1"/>
   </p:sldMasterIdLst>
   <p:notesMasterIdLst>
-    <p:notesMasterId r:id="rId43"/>
+    <p:notesMasterId r:id="rId28"/>
   </p:notesMasterIdLst>
   <p:handoutMasterIdLst>
-    <p:handoutMasterId r:id="rId44"/>
+    <p:handoutMasterId r:id="rId29"/>
   </p:handoutMasterIdLst>
   <p:sldIdLst>
     <p:sldId id="345" r:id="rId2"/>
@@ -37,21 +37,6 @@
     <p:sldId id="386" r:id="rId25"/>
     <p:sldId id="387" r:id="rId26"/>
     <p:sldId id="384" r:id="rId27"/>
-    <p:sldId id="395" r:id="rId28"/>
-    <p:sldId id="396" r:id="rId29"/>
-    <p:sldId id="394" r:id="rId30"/>
-    <p:sldId id="397" r:id="rId31"/>
-    <p:sldId id="398" r:id="rId32"/>
-    <p:sldId id="393" r:id="rId33"/>
-    <p:sldId id="401" r:id="rId34"/>
-    <p:sldId id="406" r:id="rId35"/>
-    <p:sldId id="407" r:id="rId36"/>
-    <p:sldId id="408" r:id="rId37"/>
-    <p:sldId id="409" r:id="rId38"/>
-    <p:sldId id="405" r:id="rId39"/>
-    <p:sldId id="411" r:id="rId40"/>
-    <p:sldId id="410" r:id="rId41"/>
-    <p:sldId id="412" r:id="rId42"/>
   </p:sldIdLst>
   <p:sldSz cx="9144000" cy="6858000" type="screen4x3"/>
   <p:notesSz cx="10234613" cy="7104063"/>
@@ -1098,7 +1083,7 @@
               <a:pPr>
                 <a:defRPr/>
               </a:pPr>
-              <a:t>2020-01-08</a:t>
+              <a:t>2020-01-12</a:t>
             </a:fld>
             <a:endParaRPr lang="ko-KR" altLang="en-US"/>
           </a:p>
@@ -1555,36 +1540,6 @@
           </a:p>
         </p:txBody>
       </p:sp>
-      <p:pic>
-        <p:nvPicPr>
-          <p:cNvPr id="8" name="그림 7"/>
-          <p:cNvPicPr>
-            <a:picLocks noChangeAspect="1"/>
-          </p:cNvPicPr>
-          <p:nvPr userDrawn="1"/>
-        </p:nvPicPr>
-        <p:blipFill>
-          <a:blip r:embed="rId2" cstate="print">
-            <a:extLst>
-              <a:ext uri="{28A0092B-C50C-407E-A947-70E740481C1C}">
-                <a14:useLocalDpi xmlns:a14="http://schemas.microsoft.com/office/drawing/2010/main" val="0"/>
-              </a:ext>
-            </a:extLst>
-          </a:blip>
-          <a:stretch>
-            <a:fillRect/>
-          </a:stretch>
-        </p:blipFill>
-        <p:spPr>
-          <a:xfrm>
-            <a:off x="-108520" y="143635"/>
-            <a:ext cx="2255525" cy="1146050"/>
-          </a:xfrm>
-          <a:prstGeom prst="rect">
-            <a:avLst/>
-          </a:prstGeom>
-        </p:spPr>
-      </p:pic>
       <p:sp>
         <p:nvSpPr>
           <p:cNvPr id="71" name="정오각형 70"/>
@@ -2354,7 +2309,7 @@
               <a:pPr>
                 <a:defRPr/>
               </a:pPr>
-              <a:t>Wednesday, January 8, 2020</a:t>
+              <a:t>Sunday, January 12, 2020</a:t>
             </a:fld>
             <a:endParaRPr lang="en-US" dirty="0"/>
           </a:p>
@@ -2547,7 +2502,7 @@
               <a:pPr>
                 <a:defRPr/>
               </a:pPr>
-              <a:t>Wednesday, January 8, 2020</a:t>
+              <a:t>Sunday, January 12, 2020</a:t>
             </a:fld>
             <a:endParaRPr lang="en-US"/>
           </a:p>
@@ -2725,7 +2680,7 @@
             <a:fld id="{50452A7F-A327-4EE8-B104-E975F89B161A}" type="datetime1">
               <a:rPr lang="ko-KR" altLang="en-US" smtClean="0"/>
               <a:pPr/>
-              <a:t>2020-01-08</a:t>
+              <a:t>2020-01-12</a:t>
             </a:fld>
             <a:endParaRPr lang="ko-KR" altLang="en-US"/>
           </a:p>
@@ -2827,7 +2782,7 @@
               <a:pPr>
                 <a:defRPr/>
               </a:pPr>
-              <a:t>Wednesday, January 8, 2020</a:t>
+              <a:t>Sunday, January 12, 2020</a:t>
             </a:fld>
             <a:endParaRPr lang="en-US" dirty="0"/>
           </a:p>
@@ -3187,7 +3142,7 @@
               <a:pPr>
                 <a:defRPr/>
               </a:pPr>
-              <a:t>Wednesday, January 8, 2020</a:t>
+              <a:t>Sunday, January 12, 2020</a:t>
             </a:fld>
             <a:endParaRPr lang="en-US"/>
           </a:p>
@@ -3487,7 +3442,7 @@
               <a:pPr>
                 <a:defRPr/>
               </a:pPr>
-              <a:t>Wednesday, January 8, 2020</a:t>
+              <a:t>Sunday, January 12, 2020</a:t>
             </a:fld>
             <a:endParaRPr lang="en-US"/>
           </a:p>
@@ -3921,7 +3876,7 @@
               <a:pPr>
                 <a:defRPr/>
               </a:pPr>
-              <a:t>Wednesday, January 8, 2020</a:t>
+              <a:t>Sunday, January 12, 2020</a:t>
             </a:fld>
             <a:endParaRPr lang="en-US"/>
           </a:p>
@@ -4053,7 +4008,7 @@
               <a:pPr>
                 <a:defRPr/>
               </a:pPr>
-              <a:t>Wednesday, January 8, 2020</a:t>
+              <a:t>Sunday, January 12, 2020</a:t>
             </a:fld>
             <a:endParaRPr lang="en-US" dirty="0"/>
           </a:p>
@@ -4163,7 +4118,7 @@
               <a:pPr>
                 <a:defRPr/>
               </a:pPr>
-              <a:t>Wednesday, January 8, 2020</a:t>
+              <a:t>Sunday, January 12, 2020</a:t>
             </a:fld>
             <a:endParaRPr lang="en-US"/>
           </a:p>
@@ -4453,7 +4408,7 @@
               <a:pPr>
                 <a:defRPr/>
               </a:pPr>
-              <a:t>Wednesday, January 8, 2020</a:t>
+              <a:t>Sunday, January 12, 2020</a:t>
             </a:fld>
             <a:endParaRPr lang="en-US" dirty="0"/>
           </a:p>
@@ -4720,7 +4675,7 @@
               <a:pPr>
                 <a:defRPr/>
               </a:pPr>
-              <a:t>Wednesday, January 8, 2020</a:t>
+              <a:t>Sunday, January 12, 2020</a:t>
             </a:fld>
             <a:endParaRPr lang="en-US"/>
           </a:p>
@@ -5013,7 +4968,7 @@
               <a:pPr>
                 <a:defRPr/>
               </a:pPr>
-              <a:t>Wednesday, January 8, 2020</a:t>
+              <a:t>Sunday, January 12, 2020</a:t>
             </a:fld>
             <a:endParaRPr lang="en-US" dirty="0"/>
           </a:p>
@@ -5162,8 +5117,8 @@
         </p:nvSpPr>
         <p:spPr bwMode="auto">
           <a:xfrm>
-            <a:off x="8397425" y="6489340"/>
-            <a:ext cx="569387" cy="261610"/>
+            <a:off x="8391012" y="6489340"/>
+            <a:ext cx="575800" cy="253916"/>
           </a:xfrm>
           <a:prstGeom prst="rect">
             <a:avLst/>
@@ -5308,7 +5263,7 @@
               <a:defRPr/>
             </a:pPr>
             <a:fld id="{F60B237E-1E27-414E-981E-8B20D038C067}" type="slidenum">
-              <a:rPr lang="en-US" altLang="ko-KR" sz="1050" smtClean="0">
+              <a:rPr lang="en-US" altLang="ko-KR" sz="1050" b="1" smtClean="0">
                 <a:latin typeface="+mn-ea"/>
                 <a:ea typeface="+mn-ea"/>
               </a:rPr>
@@ -5318,12 +5273,16 @@
               <a:t>‹#›</a:t>
             </a:fld>
             <a:r>
-              <a:rPr lang="en-US" altLang="ko-KR" sz="1050" dirty="0">
-                <a:latin typeface="+mn-ea"/>
-                <a:ea typeface="+mn-ea"/>
-              </a:rPr>
-              <a:t>/31</a:t>
-            </a:r>
+              <a:rPr lang="en-US" altLang="ko-KR" sz="1050" b="1" dirty="0" smtClean="0">
+                <a:latin typeface="+mn-ea"/>
+                <a:ea typeface="+mn-ea"/>
+              </a:rPr>
+              <a:t>/41</a:t>
+            </a:r>
+            <a:endParaRPr lang="en-US" altLang="ko-KR" sz="1050" b="1" dirty="0">
+              <a:latin typeface="+mn-ea"/>
+              <a:ea typeface="+mn-ea"/>
+            </a:endParaRPr>
           </a:p>
         </p:txBody>
       </p:sp>
@@ -9265,6 +9224,10 @@
               <a:rPr kumimoji="0" lang="ko-KR" altLang="en-US" dirty="0"/>
               <a:t>장</a:t>
             </a:r>
+            <a:r>
+              <a:rPr kumimoji="0" lang="en-US" altLang="ko-KR" dirty="0"/>
+              <a:t/>
+            </a:r>
             <a:br>
               <a:rPr kumimoji="0" lang="en-US" altLang="ko-KR" dirty="0"/>
             </a:br>
@@ -9284,7 +9247,7 @@
         <p:spPr>
           <a:xfrm>
             <a:off x="1691680" y="2483895"/>
-            <a:ext cx="6480720" cy="3729675"/>
+            <a:ext cx="6480720" cy="3801041"/>
           </a:xfrm>
           <a:prstGeom prst="rect">
             <a:avLst/>
@@ -9346,11 +9309,18 @@
               </a:spcAft>
             </a:pPr>
             <a:r>
+              <a:rPr lang="en-US" altLang="ko-KR" sz="2400" b="1" dirty="0" smtClean="0">
+                <a:latin typeface="+mn-ea"/>
+                <a:ea typeface="+mn-ea"/>
+              </a:rPr>
+              <a:t>3.</a:t>
+            </a:r>
+            <a:r>
               <a:rPr lang="en-US" altLang="ko-KR" sz="2400" b="1" dirty="0">
                 <a:latin typeface="+mn-ea"/>
                 <a:ea typeface="+mn-ea"/>
               </a:rPr>
-              <a:t>10.3	</a:t>
+              <a:t>	</a:t>
             </a:r>
             <a:r>
               <a:rPr lang="ko-KR" altLang="en-US" sz="2400" b="1" dirty="0" err="1">
@@ -9377,14 +9347,36 @@
               </a:spcAft>
             </a:pPr>
             <a:r>
+              <a:rPr lang="en-US" altLang="ko-KR" sz="2400" b="1" dirty="0" smtClean="0">
+                <a:solidFill>
+                  <a:schemeClr val="bg1">
+                    <a:lumMod val="85000"/>
+                  </a:schemeClr>
+                </a:solidFill>
+                <a:latin typeface="+mn-ea"/>
+                <a:ea typeface="+mn-ea"/>
+              </a:rPr>
+              <a:t>4.</a:t>
+            </a:r>
+            <a:r>
               <a:rPr lang="en-US" altLang="ko-KR" sz="2400" b="1" dirty="0">
-                <a:latin typeface="+mn-ea"/>
-                <a:ea typeface="+mn-ea"/>
-              </a:rPr>
-              <a:t>10.4	</a:t>
+                <a:solidFill>
+                  <a:schemeClr val="bg1">
+                    <a:lumMod val="85000"/>
+                  </a:schemeClr>
+                </a:solidFill>
+                <a:latin typeface="+mn-ea"/>
+                <a:ea typeface="+mn-ea"/>
+              </a:rPr>
+              <a:t>	</a:t>
             </a:r>
             <a:r>
               <a:rPr lang="ko-KR" altLang="en-US" sz="2400" b="1" dirty="0" err="1">
+                <a:solidFill>
+                  <a:schemeClr val="bg1">
+                    <a:lumMod val="85000"/>
+                  </a:schemeClr>
+                </a:solidFill>
                 <a:latin typeface="+mn-ea"/>
                 <a:ea typeface="+mn-ea"/>
               </a:rPr>
@@ -9392,6 +9384,11 @@
             </a:r>
             <a:r>
               <a:rPr lang="ko-KR" altLang="en-US" sz="2400" b="1" dirty="0">
+                <a:solidFill>
+                  <a:schemeClr val="bg1">
+                    <a:lumMod val="85000"/>
+                  </a:schemeClr>
+                </a:solidFill>
                 <a:latin typeface="+mn-ea"/>
                 <a:ea typeface="+mn-ea"/>
               </a:rPr>
@@ -9408,14 +9405,36 @@
               </a:spcAft>
             </a:pPr>
             <a:r>
+              <a:rPr lang="en-US" altLang="ko-KR" sz="2400" b="1" dirty="0" smtClean="0">
+                <a:solidFill>
+                  <a:schemeClr val="bg1">
+                    <a:lumMod val="85000"/>
+                  </a:schemeClr>
+                </a:solidFill>
+                <a:latin typeface="+mn-ea"/>
+                <a:ea typeface="+mn-ea"/>
+              </a:rPr>
+              <a:t>5.</a:t>
+            </a:r>
+            <a:r>
               <a:rPr lang="en-US" altLang="ko-KR" sz="2400" b="1" dirty="0">
-                <a:latin typeface="+mn-ea"/>
-                <a:ea typeface="+mn-ea"/>
-              </a:rPr>
-              <a:t>10.5	</a:t>
+                <a:solidFill>
+                  <a:schemeClr val="bg1">
+                    <a:lumMod val="85000"/>
+                  </a:schemeClr>
+                </a:solidFill>
+                <a:latin typeface="+mn-ea"/>
+                <a:ea typeface="+mn-ea"/>
+              </a:rPr>
+              <a:t>	</a:t>
             </a:r>
             <a:r>
               <a:rPr lang="ko-KR" altLang="en-US" sz="2400" b="1" dirty="0">
+                <a:solidFill>
+                  <a:schemeClr val="bg1">
+                    <a:lumMod val="85000"/>
+                  </a:schemeClr>
+                </a:solidFill>
                 <a:latin typeface="+mn-ea"/>
                 <a:ea typeface="+mn-ea"/>
               </a:rPr>
@@ -9432,14 +9451,36 @@
               </a:spcAft>
             </a:pPr>
             <a:r>
+              <a:rPr lang="en-US" altLang="ko-KR" sz="2400" b="1" dirty="0" smtClean="0">
+                <a:solidFill>
+                  <a:schemeClr val="bg1">
+                    <a:lumMod val="85000"/>
+                  </a:schemeClr>
+                </a:solidFill>
+                <a:latin typeface="+mn-ea"/>
+                <a:ea typeface="+mn-ea"/>
+              </a:rPr>
+              <a:t>6.</a:t>
+            </a:r>
+            <a:r>
               <a:rPr lang="en-US" altLang="ko-KR" sz="2400" b="1" dirty="0">
-                <a:latin typeface="+mn-ea"/>
-                <a:ea typeface="+mn-ea"/>
-              </a:rPr>
-              <a:t>10.6	</a:t>
+                <a:solidFill>
+                  <a:schemeClr val="bg1">
+                    <a:lumMod val="85000"/>
+                  </a:schemeClr>
+                </a:solidFill>
+                <a:latin typeface="+mn-ea"/>
+                <a:ea typeface="+mn-ea"/>
+              </a:rPr>
+              <a:t>	</a:t>
             </a:r>
             <a:r>
               <a:rPr lang="ko-KR" altLang="en-US" sz="2400" b="1" dirty="0">
+                <a:solidFill>
+                  <a:schemeClr val="bg1">
+                    <a:lumMod val="85000"/>
+                  </a:schemeClr>
+                </a:solidFill>
                 <a:latin typeface="+mn-ea"/>
                 <a:ea typeface="+mn-ea"/>
               </a:rPr>
@@ -9447,12 +9488,22 @@
             </a:r>
             <a:r>
               <a:rPr lang="en-US" altLang="ko-KR" sz="2400" b="1" dirty="0">
+                <a:solidFill>
+                  <a:schemeClr val="bg1">
+                    <a:lumMod val="85000"/>
+                  </a:schemeClr>
+                </a:solidFill>
                 <a:latin typeface="+mn-ea"/>
                 <a:ea typeface="+mn-ea"/>
               </a:rPr>
               <a:t>*</a:t>
             </a:r>
             <a:endParaRPr lang="ko-KR" altLang="en-US" sz="2400" b="1" dirty="0">
+              <a:solidFill>
+                <a:schemeClr val="bg1">
+                  <a:lumMod val="85000"/>
+                </a:schemeClr>
+              </a:solidFill>
               <a:latin typeface="+mn-ea"/>
               <a:ea typeface="+mn-ea"/>
             </a:endParaRPr>
@@ -12400,987 +12451,6 @@
 </p:sld>
 </file>
 
-<file path=ppt/slides/slide27.xml><?xml version="1.0" encoding="utf-8"?>
-<p:sld xmlns:a="http://schemas.openxmlformats.org/drawingml/2006/main" xmlns:r="http://schemas.openxmlformats.org/officeDocument/2006/relationships" xmlns:p="http://schemas.openxmlformats.org/presentationml/2006/main">
-  <p:cSld>
-    <p:spTree>
-      <p:nvGrpSpPr>
-        <p:cNvPr id="1" name=""/>
-        <p:cNvGrpSpPr/>
-        <p:nvPr/>
-      </p:nvGrpSpPr>
-      <p:grpSpPr>
-        <a:xfrm>
-          <a:off x="0" y="0"/>
-          <a:ext cx="0" cy="0"/>
-          <a:chOff x="0" y="0"/>
-          <a:chExt cx="0" cy="0"/>
-        </a:xfrm>
-      </p:grpSpPr>
-      <p:sp>
-        <p:nvSpPr>
-          <p:cNvPr id="40" name="제목 1"/>
-          <p:cNvSpPr txBox="1">
-            <a:spLocks/>
-          </p:cNvSpPr>
-          <p:nvPr/>
-        </p:nvSpPr>
-        <p:spPr>
-          <a:xfrm>
-            <a:off x="476545" y="368660"/>
-            <a:ext cx="8289630" cy="765086"/>
-          </a:xfrm>
-          <a:prstGeom prst="rect">
-            <a:avLst/>
-          </a:prstGeom>
-        </p:spPr>
-        <p:txBody>
-          <a:bodyPr vert="horz" lIns="91440" tIns="45720" rIns="91440" bIns="45720" rtlCol="0" anchor="ctr">
-            <a:normAutofit/>
-          </a:bodyPr>
-          <a:lstStyle>
-            <a:lvl1pPr algn="l" defTabSz="914400" rtl="0" eaLnBrk="1" latinLnBrk="1" hangingPunct="1">
-              <a:spcBef>
-                <a:spcPct val="0"/>
-              </a:spcBef>
-              <a:buNone/>
-              <a:defRPr sz="3600" b="1" kern="1200">
-                <a:solidFill>
-                  <a:schemeClr val="tx1"/>
-                </a:solidFill>
-                <a:latin typeface="+mj-lt"/>
-                <a:ea typeface="+mj-ea"/>
-                <a:cs typeface="+mj-cs"/>
-              </a:defRPr>
-            </a:lvl1pPr>
-          </a:lstStyle>
-          <a:p>
-            <a:r>
-              <a:rPr lang="en-US" altLang="ko-KR" dirty="0"/>
-              <a:t>4.  </a:t>
-            </a:r>
-            <a:r>
-              <a:rPr lang="ko-KR" altLang="en-US" dirty="0" err="1"/>
-              <a:t>모분산의</a:t>
-            </a:r>
-            <a:r>
-              <a:rPr lang="ko-KR" altLang="en-US" dirty="0"/>
-              <a:t> 검정</a:t>
-            </a:r>
-          </a:p>
-        </p:txBody>
-      </p:sp>
-      <p:sp>
-        <p:nvSpPr>
-          <p:cNvPr id="4" name="내용 개체 틀 2"/>
-          <p:cNvSpPr txBox="1">
-            <a:spLocks/>
-          </p:cNvSpPr>
-          <p:nvPr/>
-        </p:nvSpPr>
-        <p:spPr>
-          <a:xfrm>
-            <a:off x="476545" y="1314450"/>
-            <a:ext cx="8415338" cy="1754510"/>
-          </a:xfrm>
-          <a:prstGeom prst="rect">
-            <a:avLst/>
-          </a:prstGeom>
-        </p:spPr>
-        <p:txBody>
-          <a:bodyPr vert="horz" lIns="91440" tIns="45720" rIns="91440" bIns="45720" rtlCol="0">
-            <a:normAutofit/>
-          </a:bodyPr>
-          <a:lstStyle>
-            <a:lvl1pPr marL="342900" indent="-342900" algn="l" defTabSz="914400" rtl="0" eaLnBrk="1" latinLnBrk="1" hangingPunct="1">
-              <a:spcBef>
-                <a:spcPct val="20000"/>
-              </a:spcBef>
-              <a:buFont typeface="Arial" pitchFamily="34" charset="0"/>
-              <a:buChar char="•"/>
-              <a:defRPr sz="3200" kern="1200">
-                <a:solidFill>
-                  <a:schemeClr val="tx1"/>
-                </a:solidFill>
-                <a:latin typeface="+mn-lt"/>
-                <a:ea typeface="+mn-ea"/>
-                <a:cs typeface="+mn-cs"/>
-              </a:defRPr>
-            </a:lvl1pPr>
-            <a:lvl2pPr marL="742950" indent="-285750" algn="l" defTabSz="914400" rtl="0" eaLnBrk="1" latinLnBrk="1" hangingPunct="1">
-              <a:spcBef>
-                <a:spcPct val="20000"/>
-              </a:spcBef>
-              <a:buFont typeface="Arial" pitchFamily="34" charset="0"/>
-              <a:buChar char="–"/>
-              <a:defRPr sz="2800" kern="1200">
-                <a:solidFill>
-                  <a:schemeClr val="tx1"/>
-                </a:solidFill>
-                <a:latin typeface="+mn-lt"/>
-                <a:ea typeface="+mn-ea"/>
-                <a:cs typeface="+mn-cs"/>
-              </a:defRPr>
-            </a:lvl2pPr>
-            <a:lvl3pPr marL="1143000" indent="-228600" algn="l" defTabSz="914400" rtl="0" eaLnBrk="1" latinLnBrk="1" hangingPunct="1">
-              <a:spcBef>
-                <a:spcPct val="20000"/>
-              </a:spcBef>
-              <a:buFont typeface="Arial" pitchFamily="34" charset="0"/>
-              <a:buChar char="•"/>
-              <a:defRPr sz="2400" kern="1200">
-                <a:solidFill>
-                  <a:schemeClr val="tx1"/>
-                </a:solidFill>
-                <a:latin typeface="+mn-lt"/>
-                <a:ea typeface="+mn-ea"/>
-                <a:cs typeface="+mn-cs"/>
-              </a:defRPr>
-            </a:lvl3pPr>
-            <a:lvl4pPr marL="1600200" indent="-228600" algn="l" defTabSz="914400" rtl="0" eaLnBrk="1" latinLnBrk="1" hangingPunct="1">
-              <a:spcBef>
-                <a:spcPct val="20000"/>
-              </a:spcBef>
-              <a:buFont typeface="Arial" pitchFamily="34" charset="0"/>
-              <a:buChar char="–"/>
-              <a:defRPr sz="2000" kern="1200">
-                <a:solidFill>
-                  <a:schemeClr val="tx1"/>
-                </a:solidFill>
-                <a:latin typeface="+mn-lt"/>
-                <a:ea typeface="+mn-ea"/>
-                <a:cs typeface="+mn-cs"/>
-              </a:defRPr>
-            </a:lvl4pPr>
-            <a:lvl5pPr marL="2057400" indent="-228600" algn="l" defTabSz="914400" rtl="0" eaLnBrk="1" latinLnBrk="1" hangingPunct="1">
-              <a:spcBef>
-                <a:spcPct val="20000"/>
-              </a:spcBef>
-              <a:buFont typeface="Arial" pitchFamily="34" charset="0"/>
-              <a:buChar char="»"/>
-              <a:defRPr sz="2000" kern="1200">
-                <a:solidFill>
-                  <a:schemeClr val="tx1"/>
-                </a:solidFill>
-                <a:latin typeface="+mn-lt"/>
-                <a:ea typeface="+mn-ea"/>
-                <a:cs typeface="+mn-cs"/>
-              </a:defRPr>
-            </a:lvl5pPr>
-            <a:lvl6pPr marL="2514600" indent="-228600" algn="l" defTabSz="914400" rtl="0" eaLnBrk="1" latinLnBrk="1" hangingPunct="1">
-              <a:spcBef>
-                <a:spcPct val="20000"/>
-              </a:spcBef>
-              <a:buFont typeface="Arial" pitchFamily="34" charset="0"/>
-              <a:buChar char="•"/>
-              <a:defRPr sz="2000" kern="1200">
-                <a:solidFill>
-                  <a:schemeClr val="tx1"/>
-                </a:solidFill>
-                <a:latin typeface="+mn-lt"/>
-                <a:ea typeface="+mn-ea"/>
-                <a:cs typeface="+mn-cs"/>
-              </a:defRPr>
-            </a:lvl6pPr>
-            <a:lvl7pPr marL="2971800" indent="-228600" algn="l" defTabSz="914400" rtl="0" eaLnBrk="1" latinLnBrk="1" hangingPunct="1">
-              <a:spcBef>
-                <a:spcPct val="20000"/>
-              </a:spcBef>
-              <a:buFont typeface="Arial" pitchFamily="34" charset="0"/>
-              <a:buChar char="•"/>
-              <a:defRPr sz="2000" kern="1200">
-                <a:solidFill>
-                  <a:schemeClr val="tx1"/>
-                </a:solidFill>
-                <a:latin typeface="+mn-lt"/>
-                <a:ea typeface="+mn-ea"/>
-                <a:cs typeface="+mn-cs"/>
-              </a:defRPr>
-            </a:lvl7pPr>
-            <a:lvl8pPr marL="3429000" indent="-228600" algn="l" defTabSz="914400" rtl="0" eaLnBrk="1" latinLnBrk="1" hangingPunct="1">
-              <a:spcBef>
-                <a:spcPct val="20000"/>
-              </a:spcBef>
-              <a:buFont typeface="Arial" pitchFamily="34" charset="0"/>
-              <a:buChar char="•"/>
-              <a:defRPr sz="2000" kern="1200">
-                <a:solidFill>
-                  <a:schemeClr val="tx1"/>
-                </a:solidFill>
-                <a:latin typeface="+mn-lt"/>
-                <a:ea typeface="+mn-ea"/>
-                <a:cs typeface="+mn-cs"/>
-              </a:defRPr>
-            </a:lvl8pPr>
-            <a:lvl9pPr marL="3886200" indent="-228600" algn="l" defTabSz="914400" rtl="0" eaLnBrk="1" latinLnBrk="1" hangingPunct="1">
-              <a:spcBef>
-                <a:spcPct val="20000"/>
-              </a:spcBef>
-              <a:buFont typeface="Arial" pitchFamily="34" charset="0"/>
-              <a:buChar char="•"/>
-              <a:defRPr sz="2000" kern="1200">
-                <a:solidFill>
-                  <a:schemeClr val="tx1"/>
-                </a:solidFill>
-                <a:latin typeface="+mn-lt"/>
-                <a:ea typeface="+mn-ea"/>
-                <a:cs typeface="+mn-cs"/>
-              </a:defRPr>
-            </a:lvl9pPr>
-          </a:lstStyle>
-          <a:p>
-            <a:pPr marL="0" indent="0">
-              <a:buNone/>
-            </a:pPr>
-            <a:r>
-              <a:rPr lang="en-US" altLang="ko-KR" sz="2400" dirty="0"/>
-              <a:t>[</a:t>
-            </a:r>
-            <a:r>
-              <a:rPr lang="ko-KR" altLang="en-US" sz="2400" dirty="0"/>
-              <a:t>정리 </a:t>
-            </a:r>
-            <a:r>
-              <a:rPr lang="en-US" altLang="ko-KR" sz="2400" dirty="0"/>
-              <a:t>10-9] </a:t>
-            </a:r>
-            <a:r>
-              <a:rPr lang="ko-KR" altLang="en-US" sz="2400" dirty="0" err="1"/>
-              <a:t>모분산의</a:t>
-            </a:r>
-            <a:r>
-              <a:rPr lang="ko-KR" altLang="en-US" sz="2400" dirty="0"/>
-              <a:t> 검정</a:t>
-            </a:r>
-          </a:p>
-          <a:p>
-            <a:pPr marL="0" lvl="1" indent="0" fontAlgn="auto">
-              <a:spcAft>
-                <a:spcPts val="0"/>
-              </a:spcAft>
-              <a:buFont typeface="Arial" pitchFamily="34" charset="0"/>
-              <a:buNone/>
-            </a:pPr>
-            <a:endParaRPr kumimoji="0" lang="en-US" altLang="ko-KR" sz="2400" dirty="0"/>
-          </a:p>
-        </p:txBody>
-      </p:sp>
-      <p:sp>
-        <p:nvSpPr>
-          <p:cNvPr id="7" name="모서리가 둥근 직사각형 6"/>
-          <p:cNvSpPr/>
-          <p:nvPr/>
-        </p:nvSpPr>
-        <p:spPr>
-          <a:xfrm>
-            <a:off x="476545" y="1268760"/>
-            <a:ext cx="8145905" cy="3600400"/>
-          </a:xfrm>
-          <a:prstGeom prst="roundRect">
-            <a:avLst>
-              <a:gd name="adj" fmla="val 6953"/>
-            </a:avLst>
-          </a:prstGeom>
-          <a:noFill/>
-          <a:ln w="38100">
-            <a:solidFill>
-              <a:schemeClr val="accent5">
-                <a:lumMod val="40000"/>
-                <a:lumOff val="60000"/>
-              </a:schemeClr>
-            </a:solidFill>
-          </a:ln>
-        </p:spPr>
-        <p:style>
-          <a:lnRef idx="2">
-            <a:schemeClr val="accent1">
-              <a:shade val="50000"/>
-            </a:schemeClr>
-          </a:lnRef>
-          <a:fillRef idx="1">
-            <a:schemeClr val="accent1"/>
-          </a:fillRef>
-          <a:effectRef idx="0">
-            <a:schemeClr val="accent1"/>
-          </a:effectRef>
-          <a:fontRef idx="minor">
-            <a:schemeClr val="lt1"/>
-          </a:fontRef>
-        </p:style>
-        <p:txBody>
-          <a:bodyPr rtlCol="0" anchor="ctr"/>
-          <a:lstStyle/>
-          <a:p>
-            <a:pPr algn="ctr"/>
-            <a:endParaRPr lang="ko-KR" altLang="en-US"/>
-          </a:p>
-        </p:txBody>
-      </p:sp>
-      <p:pic>
-        <p:nvPicPr>
-          <p:cNvPr id="5" name="Picture 5"/>
-          <p:cNvPicPr>
-            <a:picLocks noChangeAspect="1" noChangeArrowheads="1"/>
-          </p:cNvPicPr>
-          <p:nvPr/>
-        </p:nvPicPr>
-        <p:blipFill>
-          <a:blip r:embed="rId2">
-            <a:extLst>
-              <a:ext uri="{28A0092B-C50C-407E-A947-70E740481C1C}">
-                <a14:useLocalDpi xmlns:a14="http://schemas.microsoft.com/office/drawing/2010/main" val="0"/>
-              </a:ext>
-            </a:extLst>
-          </a:blip>
-          <a:srcRect/>
-          <a:stretch>
-            <a:fillRect/>
-          </a:stretch>
-        </p:blipFill>
-        <p:spPr bwMode="auto">
-          <a:xfrm>
-            <a:off x="1016605" y="3381011"/>
-            <a:ext cx="7143750" cy="1333500"/>
-          </a:xfrm>
-          <a:prstGeom prst="rect">
-            <a:avLst/>
-          </a:prstGeom>
-          <a:noFill/>
-          <a:ln w="9525">
-            <a:noFill/>
-            <a:miter lim="800000"/>
-            <a:headEnd/>
-            <a:tailEnd/>
-          </a:ln>
-          <a:extLst>
-            <a:ext uri="{909E8E84-426E-40DD-AFC4-6F175D3DCCD1}">
-              <a14:hiddenFill xmlns:a14="http://schemas.microsoft.com/office/drawing/2010/main">
-                <a:solidFill>
-                  <a:schemeClr val="accent1"/>
-                </a:solidFill>
-              </a14:hiddenFill>
-            </a:ext>
-          </a:extLst>
-        </p:spPr>
-      </p:pic>
-      <p:pic>
-        <p:nvPicPr>
-          <p:cNvPr id="6" name="Picture 38"/>
-          <p:cNvPicPr>
-            <a:picLocks noChangeAspect="1" noChangeArrowheads="1"/>
-          </p:cNvPicPr>
-          <p:nvPr/>
-        </p:nvPicPr>
-        <p:blipFill>
-          <a:blip r:embed="rId3">
-            <a:extLst>
-              <a:ext uri="{28A0092B-C50C-407E-A947-70E740481C1C}">
-                <a14:useLocalDpi xmlns:a14="http://schemas.microsoft.com/office/drawing/2010/main" val="0"/>
-              </a:ext>
-            </a:extLst>
-          </a:blip>
-          <a:srcRect/>
-          <a:stretch>
-            <a:fillRect/>
-          </a:stretch>
-        </p:blipFill>
-        <p:spPr bwMode="auto">
-          <a:xfrm>
-            <a:off x="2043560" y="1957374"/>
-            <a:ext cx="5059742" cy="1235968"/>
-          </a:xfrm>
-          <a:prstGeom prst="rect">
-            <a:avLst/>
-          </a:prstGeom>
-          <a:noFill/>
-          <a:ln>
-            <a:noFill/>
-          </a:ln>
-          <a:extLst>
-            <a:ext uri="{909E8E84-426E-40DD-AFC4-6F175D3DCCD1}">
-              <a14:hiddenFill xmlns:a14="http://schemas.microsoft.com/office/drawing/2010/main">
-                <a:solidFill>
-                  <a:schemeClr val="accent1"/>
-                </a:solidFill>
-              </a14:hiddenFill>
-            </a:ext>
-            <a:ext uri="{91240B29-F687-4F45-9708-019B960494DF}">
-              <a14:hiddenLine xmlns:a14="http://schemas.microsoft.com/office/drawing/2010/main" w="9525">
-                <a:solidFill>
-                  <a:schemeClr val="tx1"/>
-                </a:solidFill>
-                <a:miter lim="800000"/>
-                <a:headEnd/>
-                <a:tailEnd/>
-              </a14:hiddenLine>
-            </a:ext>
-          </a:extLst>
-        </p:spPr>
-      </p:pic>
-    </p:spTree>
-    <p:extLst>
-      <p:ext uri="{BB962C8B-B14F-4D97-AF65-F5344CB8AC3E}">
-        <p14:creationId xmlns:p14="http://schemas.microsoft.com/office/powerpoint/2010/main" val="3294235105"/>
-      </p:ext>
-    </p:extLst>
-  </p:cSld>
-  <p:clrMapOvr>
-    <a:masterClrMapping/>
-  </p:clrMapOvr>
-</p:sld>
-</file>
-
-<file path=ppt/slides/slide28.xml><?xml version="1.0" encoding="utf-8"?>
-<p:sld xmlns:a="http://schemas.openxmlformats.org/drawingml/2006/main" xmlns:r="http://schemas.openxmlformats.org/officeDocument/2006/relationships" xmlns:p="http://schemas.openxmlformats.org/presentationml/2006/main">
-  <p:cSld>
-    <p:spTree>
-      <p:nvGrpSpPr>
-        <p:cNvPr id="1" name=""/>
-        <p:cNvGrpSpPr/>
-        <p:nvPr/>
-      </p:nvGrpSpPr>
-      <p:grpSpPr>
-        <a:xfrm>
-          <a:off x="0" y="0"/>
-          <a:ext cx="0" cy="0"/>
-          <a:chOff x="0" y="0"/>
-          <a:chExt cx="0" cy="0"/>
-        </a:xfrm>
-      </p:grpSpPr>
-      <p:sp>
-        <p:nvSpPr>
-          <p:cNvPr id="14339" name="내용 개체 틀 2"/>
-          <p:cNvSpPr>
-            <a:spLocks noGrp="1"/>
-          </p:cNvSpPr>
-          <p:nvPr>
-            <p:ph idx="4294967295"/>
-          </p:nvPr>
-        </p:nvSpPr>
-        <p:spPr>
-          <a:xfrm>
-            <a:off x="476545" y="1314450"/>
-            <a:ext cx="8415338" cy="4781550"/>
-          </a:xfrm>
-        </p:spPr>
-        <p:txBody>
-          <a:bodyPr>
-            <a:normAutofit/>
-          </a:bodyPr>
-          <a:lstStyle/>
-          <a:p>
-            <a:pPr marL="0" indent="0">
-              <a:buNone/>
-            </a:pPr>
-            <a:r>
-              <a:rPr lang="en-US" altLang="ko-KR" sz="2000" dirty="0"/>
-              <a:t>[</a:t>
-            </a:r>
-            <a:r>
-              <a:rPr lang="ko-KR" altLang="en-US" sz="2000" dirty="0"/>
-              <a:t>예 </a:t>
-            </a:r>
-            <a:r>
-              <a:rPr lang="en-US" altLang="ko-KR" sz="2000" dirty="0"/>
-              <a:t>10-20] </a:t>
-            </a:r>
-            <a:r>
-              <a:rPr lang="ko-KR" altLang="en-US" sz="2000" dirty="0" err="1"/>
-              <a:t>품질특성치가</a:t>
-            </a:r>
-            <a:r>
-              <a:rPr lang="ko-KR" altLang="en-US" sz="2000" dirty="0"/>
-              <a:t> 분산이 </a:t>
-            </a:r>
-            <a:r>
-              <a:rPr lang="en-US" altLang="ko-KR" sz="2000" dirty="0"/>
-              <a:t>0.8</a:t>
-            </a:r>
-            <a:r>
-              <a:rPr lang="ko-KR" altLang="en-US" sz="2000" dirty="0"/>
-              <a:t>인 정규분포를 따르는 생산공정에서 최근 품질에 문제가 있는지 알고자 </a:t>
-            </a:r>
-            <a:r>
-              <a:rPr lang="en-US" altLang="ko-KR" sz="2000" dirty="0"/>
-              <a:t>25</a:t>
-            </a:r>
-            <a:r>
-              <a:rPr lang="ko-KR" altLang="en-US" sz="2000" dirty="0"/>
-              <a:t>개 제품을 랜덤 </a:t>
-            </a:r>
-            <a:r>
-              <a:rPr lang="ko-KR" altLang="en-US" sz="2000" dirty="0" err="1"/>
-              <a:t>샘플링하여</a:t>
-            </a:r>
-            <a:r>
-              <a:rPr lang="ko-KR" altLang="en-US" sz="2000" dirty="0"/>
-              <a:t> 분석한 결과 표본의 분산이 </a:t>
-            </a:r>
-            <a:r>
-              <a:rPr lang="en-US" altLang="ko-KR" sz="2000" dirty="0"/>
-              <a:t>1.24</a:t>
-            </a:r>
-            <a:r>
-              <a:rPr lang="ko-KR" altLang="en-US" sz="2000" dirty="0"/>
-              <a:t>이었다</a:t>
-            </a:r>
-            <a:r>
-              <a:rPr lang="en-US" altLang="ko-KR" sz="2000" dirty="0"/>
-              <a:t>. </a:t>
-            </a:r>
-            <a:r>
-              <a:rPr lang="ko-KR" altLang="en-US" sz="2000" dirty="0" err="1"/>
-              <a:t>모분산이</a:t>
-            </a:r>
-            <a:r>
-              <a:rPr lang="ko-KR" altLang="en-US" sz="2000" dirty="0"/>
-              <a:t> 기존에 비해 커졌는지 유의수준 </a:t>
-            </a:r>
-            <a:r>
-              <a:rPr lang="en-US" altLang="ko-KR" sz="2000" dirty="0"/>
-              <a:t>5%</a:t>
-            </a:r>
-            <a:r>
-              <a:rPr lang="ko-KR" altLang="en-US" sz="2000" dirty="0"/>
-              <a:t>에서 검정하시오</a:t>
-            </a:r>
-            <a:r>
-              <a:rPr lang="en-US" altLang="ko-KR" sz="2000" dirty="0"/>
-              <a:t>.</a:t>
-            </a:r>
-            <a:endParaRPr lang="ko-KR" altLang="en-US" sz="2000" dirty="0"/>
-          </a:p>
-        </p:txBody>
-      </p:sp>
-      <p:sp>
-        <p:nvSpPr>
-          <p:cNvPr id="40" name="제목 1"/>
-          <p:cNvSpPr txBox="1">
-            <a:spLocks/>
-          </p:cNvSpPr>
-          <p:nvPr/>
-        </p:nvSpPr>
-        <p:spPr>
-          <a:xfrm>
-            <a:off x="476545" y="368660"/>
-            <a:ext cx="8289630" cy="765086"/>
-          </a:xfrm>
-          <a:prstGeom prst="rect">
-            <a:avLst/>
-          </a:prstGeom>
-        </p:spPr>
-        <p:txBody>
-          <a:bodyPr vert="horz" lIns="91440" tIns="45720" rIns="91440" bIns="45720" rtlCol="0" anchor="ctr">
-            <a:normAutofit/>
-          </a:bodyPr>
-          <a:lstStyle>
-            <a:lvl1pPr algn="l" defTabSz="914400" rtl="0" eaLnBrk="1" latinLnBrk="1" hangingPunct="1">
-              <a:spcBef>
-                <a:spcPct val="0"/>
-              </a:spcBef>
-              <a:buNone/>
-              <a:defRPr sz="3600" b="1" kern="1200">
-                <a:solidFill>
-                  <a:schemeClr val="tx1"/>
-                </a:solidFill>
-                <a:latin typeface="+mj-lt"/>
-                <a:ea typeface="+mj-ea"/>
-                <a:cs typeface="+mj-cs"/>
-              </a:defRPr>
-            </a:lvl1pPr>
-          </a:lstStyle>
-          <a:p>
-            <a:r>
-              <a:rPr lang="en-US" altLang="ko-KR" dirty="0"/>
-              <a:t>4.  </a:t>
-            </a:r>
-            <a:r>
-              <a:rPr lang="ko-KR" altLang="en-US" dirty="0" err="1"/>
-              <a:t>모분산의</a:t>
-            </a:r>
-            <a:r>
-              <a:rPr lang="ko-KR" altLang="en-US" dirty="0"/>
-              <a:t> 검정</a:t>
-            </a:r>
-          </a:p>
-        </p:txBody>
-      </p:sp>
-      <p:pic>
-        <p:nvPicPr>
-          <p:cNvPr id="7" name="Picture 2"/>
-          <p:cNvPicPr>
-            <a:picLocks noChangeAspect="1" noChangeArrowheads="1"/>
-          </p:cNvPicPr>
-          <p:nvPr/>
-        </p:nvPicPr>
-        <p:blipFill>
-          <a:blip r:embed="rId2">
-            <a:extLst>
-              <a:ext uri="{28A0092B-C50C-407E-A947-70E740481C1C}">
-                <a14:useLocalDpi xmlns:a14="http://schemas.microsoft.com/office/drawing/2010/main" val="0"/>
-              </a:ext>
-            </a:extLst>
-          </a:blip>
-          <a:srcRect/>
-          <a:stretch>
-            <a:fillRect/>
-          </a:stretch>
-        </p:blipFill>
-        <p:spPr bwMode="auto">
-          <a:xfrm>
-            <a:off x="1048504" y="2890572"/>
-            <a:ext cx="5153025" cy="333375"/>
-          </a:xfrm>
-          <a:prstGeom prst="rect">
-            <a:avLst/>
-          </a:prstGeom>
-          <a:noFill/>
-          <a:ln>
-            <a:noFill/>
-          </a:ln>
-          <a:extLst>
-            <a:ext uri="{909E8E84-426E-40DD-AFC4-6F175D3DCCD1}">
-              <a14:hiddenFill xmlns:a14="http://schemas.microsoft.com/office/drawing/2010/main">
-                <a:solidFill>
-                  <a:schemeClr val="accent1"/>
-                </a:solidFill>
-              </a14:hiddenFill>
-            </a:ext>
-            <a:ext uri="{91240B29-F687-4F45-9708-019B960494DF}">
-              <a14:hiddenLine xmlns:a14="http://schemas.microsoft.com/office/drawing/2010/main" w="9525">
-                <a:solidFill>
-                  <a:schemeClr val="tx1"/>
-                </a:solidFill>
-                <a:miter lim="800000"/>
-                <a:headEnd/>
-                <a:tailEnd/>
-              </a14:hiddenLine>
-            </a:ext>
-          </a:extLst>
-        </p:spPr>
-      </p:pic>
-      <p:sp>
-        <p:nvSpPr>
-          <p:cNvPr id="8" name="TextBox 7"/>
-          <p:cNvSpPr txBox="1"/>
-          <p:nvPr/>
-        </p:nvSpPr>
-        <p:spPr>
-          <a:xfrm>
-            <a:off x="791580" y="4402740"/>
-            <a:ext cx="7920880" cy="369332"/>
-          </a:xfrm>
-          <a:prstGeom prst="rect">
-            <a:avLst/>
-          </a:prstGeom>
-          <a:noFill/>
-        </p:spPr>
-        <p:txBody>
-          <a:bodyPr wrap="square" rtlCol="0">
-            <a:spAutoFit/>
-          </a:bodyPr>
-          <a:lstStyle/>
-          <a:p>
-            <a:r>
-              <a:rPr lang="en-US" altLang="ko-KR" dirty="0">
-                <a:latin typeface="+mn-ea"/>
-                <a:ea typeface="+mn-ea"/>
-                <a:sym typeface="Wingdings" panose="05000000000000000000" pitchFamily="2" charset="2"/>
-              </a:rPr>
-              <a:t> </a:t>
-            </a:r>
-            <a:r>
-              <a:rPr lang="ko-KR" altLang="en-US" dirty="0">
-                <a:latin typeface="+mn-ea"/>
-                <a:ea typeface="+mn-ea"/>
-                <a:sym typeface="Wingdings" panose="05000000000000000000" pitchFamily="2" charset="2"/>
-              </a:rPr>
-              <a:t>유의수준 </a:t>
-            </a:r>
-            <a:r>
-              <a:rPr lang="en-US" altLang="ko-KR" dirty="0">
-                <a:latin typeface="+mn-ea"/>
-                <a:ea typeface="+mn-ea"/>
-                <a:sym typeface="Wingdings" panose="05000000000000000000" pitchFamily="2" charset="2"/>
-              </a:rPr>
-              <a:t>5%</a:t>
-            </a:r>
-            <a:r>
-              <a:rPr lang="ko-KR" altLang="en-US" dirty="0">
-                <a:latin typeface="+mn-ea"/>
-                <a:ea typeface="+mn-ea"/>
-                <a:sym typeface="Wingdings" panose="05000000000000000000" pitchFamily="2" charset="2"/>
-              </a:rPr>
-              <a:t>에서 </a:t>
-            </a:r>
-            <a:r>
-              <a:rPr lang="ko-KR" altLang="en-US" dirty="0" err="1">
-                <a:latin typeface="+mn-ea"/>
-                <a:ea typeface="+mn-ea"/>
-                <a:sym typeface="Wingdings" panose="05000000000000000000" pitchFamily="2" charset="2"/>
-              </a:rPr>
-              <a:t>귀무가설</a:t>
-            </a:r>
-            <a:r>
-              <a:rPr lang="ko-KR" altLang="en-US" dirty="0">
-                <a:latin typeface="+mn-ea"/>
-                <a:ea typeface="+mn-ea"/>
-                <a:sym typeface="Wingdings" panose="05000000000000000000" pitchFamily="2" charset="2"/>
-              </a:rPr>
-              <a:t> 기각</a:t>
-            </a:r>
-            <a:endParaRPr lang="ko-KR" altLang="en-US" dirty="0">
-              <a:latin typeface="+mn-ea"/>
-              <a:ea typeface="+mn-ea"/>
-            </a:endParaRPr>
-          </a:p>
-        </p:txBody>
-      </p:sp>
-      <p:sp>
-        <p:nvSpPr>
-          <p:cNvPr id="9" name="TextBox 8"/>
-          <p:cNvSpPr txBox="1"/>
-          <p:nvPr/>
-        </p:nvSpPr>
-        <p:spPr>
-          <a:xfrm>
-            <a:off x="791580" y="4834788"/>
-            <a:ext cx="7920880" cy="369332"/>
-          </a:xfrm>
-          <a:prstGeom prst="rect">
-            <a:avLst/>
-          </a:prstGeom>
-          <a:noFill/>
-        </p:spPr>
-        <p:txBody>
-          <a:bodyPr wrap="square" rtlCol="0">
-            <a:spAutoFit/>
-          </a:bodyPr>
-          <a:lstStyle/>
-          <a:p>
-            <a:r>
-              <a:rPr lang="en-US" altLang="ko-KR" dirty="0">
-                <a:latin typeface="+mn-ea"/>
-                <a:ea typeface="+mn-ea"/>
-                <a:sym typeface="Wingdings" panose="05000000000000000000" pitchFamily="2" charset="2"/>
-              </a:rPr>
-              <a:t> </a:t>
-            </a:r>
-            <a:r>
-              <a:rPr lang="ko-KR" altLang="en-US" dirty="0">
-                <a:latin typeface="+mn-ea"/>
-                <a:ea typeface="+mn-ea"/>
-                <a:sym typeface="Wingdings" panose="05000000000000000000" pitchFamily="2" charset="2"/>
-              </a:rPr>
-              <a:t>유의수준 </a:t>
-            </a:r>
-            <a:r>
-              <a:rPr lang="en-US" altLang="ko-KR" dirty="0">
-                <a:latin typeface="+mn-ea"/>
-                <a:ea typeface="+mn-ea"/>
-                <a:sym typeface="Wingdings" panose="05000000000000000000" pitchFamily="2" charset="2"/>
-              </a:rPr>
-              <a:t>5%</a:t>
-            </a:r>
-            <a:r>
-              <a:rPr lang="ko-KR" altLang="en-US" dirty="0">
-                <a:latin typeface="+mn-ea"/>
-                <a:ea typeface="+mn-ea"/>
-                <a:sym typeface="Wingdings" panose="05000000000000000000" pitchFamily="2" charset="2"/>
-              </a:rPr>
-              <a:t>에서 생산공정의 분산이 최근에 증가했다는  증거가 있다</a:t>
-            </a:r>
-            <a:r>
-              <a:rPr lang="en-US" altLang="ko-KR" dirty="0">
-                <a:latin typeface="+mn-ea"/>
-                <a:ea typeface="+mn-ea"/>
-                <a:sym typeface="Wingdings" panose="05000000000000000000" pitchFamily="2" charset="2"/>
-              </a:rPr>
-              <a:t>.</a:t>
-            </a:r>
-            <a:endParaRPr lang="ko-KR" altLang="en-US" dirty="0">
-              <a:latin typeface="+mn-ea"/>
-              <a:ea typeface="+mn-ea"/>
-            </a:endParaRPr>
-          </a:p>
-        </p:txBody>
-      </p:sp>
-      <p:sp>
-        <p:nvSpPr>
-          <p:cNvPr id="10" name="직사각형 9"/>
-          <p:cNvSpPr/>
-          <p:nvPr/>
-        </p:nvSpPr>
-        <p:spPr>
-          <a:xfrm>
-            <a:off x="688464" y="2739005"/>
-            <a:ext cx="7798971" cy="2815863"/>
-          </a:xfrm>
-          <a:prstGeom prst="rect">
-            <a:avLst/>
-          </a:prstGeom>
-          <a:noFill/>
-          <a:ln>
-            <a:solidFill>
-              <a:srgbClr val="00B0F0"/>
-            </a:solidFill>
-          </a:ln>
-        </p:spPr>
-        <p:style>
-          <a:lnRef idx="2">
-            <a:schemeClr val="accent1">
-              <a:shade val="50000"/>
-            </a:schemeClr>
-          </a:lnRef>
-          <a:fillRef idx="1">
-            <a:schemeClr val="accent1"/>
-          </a:fillRef>
-          <a:effectRef idx="0">
-            <a:schemeClr val="accent1"/>
-          </a:effectRef>
-          <a:fontRef idx="minor">
-            <a:schemeClr val="lt1"/>
-          </a:fontRef>
-        </p:style>
-        <p:txBody>
-          <a:bodyPr rtlCol="0" anchor="ctr"/>
-          <a:lstStyle/>
-          <a:p>
-            <a:pPr algn="ctr"/>
-            <a:endParaRPr lang="ko-KR" altLang="en-US"/>
-          </a:p>
-        </p:txBody>
-      </p:sp>
-      <p:pic>
-        <p:nvPicPr>
-          <p:cNvPr id="11" name="Picture 20"/>
-          <p:cNvPicPr>
-            <a:picLocks noChangeAspect="1" noChangeArrowheads="1"/>
-          </p:cNvPicPr>
-          <p:nvPr/>
-        </p:nvPicPr>
-        <p:blipFill>
-          <a:blip r:embed="rId3">
-            <a:extLst>
-              <a:ext uri="{28A0092B-C50C-407E-A947-70E740481C1C}">
-                <a14:useLocalDpi xmlns:a14="http://schemas.microsoft.com/office/drawing/2010/main" val="0"/>
-              </a:ext>
-            </a:extLst>
-          </a:blip>
-          <a:srcRect/>
-          <a:stretch>
-            <a:fillRect/>
-          </a:stretch>
-        </p:blipFill>
-        <p:spPr bwMode="auto">
-          <a:xfrm>
-            <a:off x="1048504" y="3465900"/>
-            <a:ext cx="4267200" cy="638175"/>
-          </a:xfrm>
-          <a:prstGeom prst="rect">
-            <a:avLst/>
-          </a:prstGeom>
-          <a:noFill/>
-          <a:ln>
-            <a:noFill/>
-          </a:ln>
-          <a:extLst>
-            <a:ext uri="{909E8E84-426E-40DD-AFC4-6F175D3DCCD1}">
-              <a14:hiddenFill xmlns:a14="http://schemas.microsoft.com/office/drawing/2010/main">
-                <a:solidFill>
-                  <a:schemeClr val="accent1"/>
-                </a:solidFill>
-              </a14:hiddenFill>
-            </a:ext>
-            <a:ext uri="{91240B29-F687-4F45-9708-019B960494DF}">
-              <a14:hiddenLine xmlns:a14="http://schemas.microsoft.com/office/drawing/2010/main" w="9525">
-                <a:solidFill>
-                  <a:schemeClr val="tx1"/>
-                </a:solidFill>
-                <a:miter lim="800000"/>
-                <a:headEnd/>
-                <a:tailEnd/>
-              </a14:hiddenLine>
-            </a:ext>
-          </a:extLst>
-        </p:spPr>
-      </p:pic>
-    </p:spTree>
-    <p:extLst>
-      <p:ext uri="{BB962C8B-B14F-4D97-AF65-F5344CB8AC3E}">
-        <p14:creationId xmlns:p14="http://schemas.microsoft.com/office/powerpoint/2010/main" val="1700690341"/>
-      </p:ext>
-    </p:extLst>
-  </p:cSld>
-  <p:clrMapOvr>
-    <a:masterClrMapping/>
-  </p:clrMapOvr>
-</p:sld>
-</file>
-
-<file path=ppt/slides/slide29.xml><?xml version="1.0" encoding="utf-8"?>
-<p:sld xmlns:a="http://schemas.openxmlformats.org/drawingml/2006/main" xmlns:r="http://schemas.openxmlformats.org/officeDocument/2006/relationships" xmlns:p="http://schemas.openxmlformats.org/presentationml/2006/main">
-  <p:cSld>
-    <p:spTree>
-      <p:nvGrpSpPr>
-        <p:cNvPr id="1" name=""/>
-        <p:cNvGrpSpPr/>
-        <p:nvPr/>
-      </p:nvGrpSpPr>
-      <p:grpSpPr>
-        <a:xfrm>
-          <a:off x="0" y="0"/>
-          <a:ext cx="0" cy="0"/>
-          <a:chOff x="0" y="0"/>
-          <a:chExt cx="0" cy="0"/>
-        </a:xfrm>
-      </p:grpSpPr>
-      <p:pic>
-        <p:nvPicPr>
-          <p:cNvPr id="2" name="그림 1"/>
-          <p:cNvPicPr>
-            <a:picLocks noChangeAspect="1"/>
-          </p:cNvPicPr>
-          <p:nvPr/>
-        </p:nvPicPr>
-        <p:blipFill>
-          <a:blip r:embed="rId2">
-            <a:extLst>
-              <a:ext uri="{28A0092B-C50C-407E-A947-70E740481C1C}">
-                <a14:useLocalDpi xmlns:a14="http://schemas.microsoft.com/office/drawing/2010/main" val="0"/>
-              </a:ext>
-            </a:extLst>
-          </a:blip>
-          <a:stretch>
-            <a:fillRect/>
-          </a:stretch>
-        </p:blipFill>
-        <p:spPr>
-          <a:xfrm>
-            <a:off x="394590" y="380999"/>
-            <a:ext cx="8542895" cy="6096001"/>
-          </a:xfrm>
-          <a:prstGeom prst="rect">
-            <a:avLst/>
-          </a:prstGeom>
-          <a:ln>
-            <a:noFill/>
-          </a:ln>
-        </p:spPr>
-      </p:pic>
-    </p:spTree>
-    <p:extLst>
-      <p:ext uri="{BB962C8B-B14F-4D97-AF65-F5344CB8AC3E}">
-        <p14:creationId xmlns:p14="http://schemas.microsoft.com/office/powerpoint/2010/main" val="772112361"/>
-      </p:ext>
-    </p:extLst>
-  </p:cSld>
-  <p:clrMapOvr>
-    <a:masterClrMapping/>
-  </p:clrMapOvr>
-</p:sld>
-</file>
-
 <file path=ppt/slides/slide3.xml><?xml version="1.0" encoding="utf-8"?>
 <p:sld xmlns:a="http://schemas.openxmlformats.org/drawingml/2006/main" xmlns:r="http://schemas.openxmlformats.org/officeDocument/2006/relationships" xmlns:p="http://schemas.openxmlformats.org/presentationml/2006/main">
   <p:cSld>
@@ -14601,4126 +13671,6 @@
     <p:extLst>
       <p:ext uri="{BB962C8B-B14F-4D97-AF65-F5344CB8AC3E}">
         <p14:creationId xmlns:p14="http://schemas.microsoft.com/office/powerpoint/2010/main" val="4264429921"/>
-      </p:ext>
-    </p:extLst>
-  </p:cSld>
-  <p:clrMapOvr>
-    <a:masterClrMapping/>
-  </p:clrMapOvr>
-</p:sld>
-</file>
-
-<file path=ppt/slides/slide30.xml><?xml version="1.0" encoding="utf-8"?>
-<p:sld xmlns:a="http://schemas.openxmlformats.org/drawingml/2006/main" xmlns:r="http://schemas.openxmlformats.org/officeDocument/2006/relationships" xmlns:p="http://schemas.openxmlformats.org/presentationml/2006/main">
-  <p:cSld>
-    <p:spTree>
-      <p:nvGrpSpPr>
-        <p:cNvPr id="1" name=""/>
-        <p:cNvGrpSpPr/>
-        <p:nvPr/>
-      </p:nvGrpSpPr>
-      <p:grpSpPr>
-        <a:xfrm>
-          <a:off x="0" y="0"/>
-          <a:ext cx="0" cy="0"/>
-          <a:chOff x="0" y="0"/>
-          <a:chExt cx="0" cy="0"/>
-        </a:xfrm>
-      </p:grpSpPr>
-      <p:sp>
-        <p:nvSpPr>
-          <p:cNvPr id="14339" name="내용 개체 틀 2"/>
-          <p:cNvSpPr>
-            <a:spLocks noGrp="1"/>
-          </p:cNvSpPr>
-          <p:nvPr>
-            <p:ph idx="4294967295"/>
-          </p:nvPr>
-        </p:nvSpPr>
-        <p:spPr>
-          <a:xfrm>
-            <a:off x="476545" y="1314450"/>
-            <a:ext cx="8415338" cy="4781550"/>
-          </a:xfrm>
-        </p:spPr>
-        <p:txBody>
-          <a:bodyPr>
-            <a:normAutofit/>
-          </a:bodyPr>
-          <a:lstStyle/>
-          <a:p>
-            <a:pPr marL="0" indent="0">
-              <a:buNone/>
-            </a:pPr>
-            <a:r>
-              <a:rPr lang="en-US" altLang="ko-KR" sz="2000" dirty="0"/>
-              <a:t>[</a:t>
-            </a:r>
-            <a:r>
-              <a:rPr lang="ko-KR" altLang="en-US" sz="2000" dirty="0"/>
-              <a:t>예 </a:t>
-            </a:r>
-            <a:r>
-              <a:rPr lang="en-US" altLang="ko-KR" sz="2000" dirty="0"/>
-              <a:t>10-21] </a:t>
-            </a:r>
-            <a:r>
-              <a:rPr lang="ko-KR" altLang="en-US" sz="2000" dirty="0" err="1"/>
-              <a:t>품질특성치가</a:t>
-            </a:r>
-            <a:r>
-              <a:rPr lang="ko-KR" altLang="en-US" sz="2000" dirty="0"/>
-              <a:t> 정규분포를 따르는 생산공정에서 품질특성에 대한 분산을 추정하기 위하여 </a:t>
-            </a:r>
-            <a:r>
-              <a:rPr lang="en-US" altLang="ko-KR" sz="2000" dirty="0"/>
-              <a:t>10</a:t>
-            </a:r>
-            <a:r>
-              <a:rPr lang="ko-KR" altLang="en-US" sz="2000" dirty="0"/>
-              <a:t>개 제품을 랜덤 </a:t>
-            </a:r>
-            <a:r>
-              <a:rPr lang="ko-KR" altLang="en-US" sz="2000" dirty="0" err="1"/>
-              <a:t>샘플링한</a:t>
-            </a:r>
-            <a:r>
-              <a:rPr lang="ko-KR" altLang="en-US" sz="2000" dirty="0"/>
-              <a:t> 결과 다음의 데이터를 구하였다</a:t>
-            </a:r>
-            <a:r>
-              <a:rPr lang="en-US" altLang="ko-KR" sz="2000" dirty="0"/>
-              <a:t>. </a:t>
-            </a:r>
-            <a:r>
-              <a:rPr lang="ko-KR" altLang="en-US" sz="2000" dirty="0" err="1"/>
-              <a:t>모분산이</a:t>
-            </a:r>
-            <a:r>
-              <a:rPr lang="ko-KR" altLang="en-US" sz="2000" dirty="0"/>
-              <a:t> </a:t>
-            </a:r>
-            <a:r>
-              <a:rPr lang="en-US" altLang="ko-KR" sz="2000" dirty="0"/>
-              <a:t>2</a:t>
-            </a:r>
-            <a:r>
-              <a:rPr lang="ko-KR" altLang="en-US" sz="2000" dirty="0"/>
-              <a:t>와 다르다고 할 수 있는지 유의수준 </a:t>
-            </a:r>
-            <a:r>
-              <a:rPr lang="en-US" altLang="ko-KR" sz="2000" dirty="0"/>
-              <a:t>5%</a:t>
-            </a:r>
-            <a:r>
-              <a:rPr lang="ko-KR" altLang="en-US" sz="2000" dirty="0"/>
-              <a:t>에서 검정하시오</a:t>
-            </a:r>
-            <a:r>
-              <a:rPr lang="en-US" altLang="ko-KR" sz="2000" dirty="0"/>
-              <a:t>.</a:t>
-            </a:r>
-            <a:endParaRPr lang="ko-KR" altLang="en-US" sz="2000" dirty="0"/>
-          </a:p>
-        </p:txBody>
-      </p:sp>
-      <p:sp>
-        <p:nvSpPr>
-          <p:cNvPr id="40" name="제목 1"/>
-          <p:cNvSpPr txBox="1">
-            <a:spLocks/>
-          </p:cNvSpPr>
-          <p:nvPr/>
-        </p:nvSpPr>
-        <p:spPr>
-          <a:xfrm>
-            <a:off x="476545" y="368660"/>
-            <a:ext cx="8289630" cy="765086"/>
-          </a:xfrm>
-          <a:prstGeom prst="rect">
-            <a:avLst/>
-          </a:prstGeom>
-        </p:spPr>
-        <p:txBody>
-          <a:bodyPr vert="horz" lIns="91440" tIns="45720" rIns="91440" bIns="45720" rtlCol="0" anchor="ctr">
-            <a:normAutofit/>
-          </a:bodyPr>
-          <a:lstStyle>
-            <a:lvl1pPr algn="l" defTabSz="914400" rtl="0" eaLnBrk="1" latinLnBrk="1" hangingPunct="1">
-              <a:spcBef>
-                <a:spcPct val="0"/>
-              </a:spcBef>
-              <a:buNone/>
-              <a:defRPr sz="3600" b="1" kern="1200">
-                <a:solidFill>
-                  <a:schemeClr val="tx1"/>
-                </a:solidFill>
-                <a:latin typeface="+mj-lt"/>
-                <a:ea typeface="+mj-ea"/>
-                <a:cs typeface="+mj-cs"/>
-              </a:defRPr>
-            </a:lvl1pPr>
-          </a:lstStyle>
-          <a:p>
-            <a:r>
-              <a:rPr lang="en-US" altLang="ko-KR" dirty="0"/>
-              <a:t>4.  </a:t>
-            </a:r>
-            <a:r>
-              <a:rPr lang="ko-KR" altLang="en-US" dirty="0" err="1"/>
-              <a:t>모분산의</a:t>
-            </a:r>
-            <a:r>
-              <a:rPr lang="ko-KR" altLang="en-US" dirty="0"/>
-              <a:t> 검정</a:t>
-            </a:r>
-          </a:p>
-        </p:txBody>
-      </p:sp>
-      <p:sp>
-        <p:nvSpPr>
-          <p:cNvPr id="4" name="TextBox 3"/>
-          <p:cNvSpPr txBox="1"/>
-          <p:nvPr/>
-        </p:nvSpPr>
-        <p:spPr>
-          <a:xfrm>
-            <a:off x="1565666" y="2690918"/>
-            <a:ext cx="5544616" cy="369332"/>
-          </a:xfrm>
-          <a:prstGeom prst="rect">
-            <a:avLst/>
-          </a:prstGeom>
-          <a:noFill/>
-          <a:ln>
-            <a:solidFill>
-              <a:schemeClr val="accent1"/>
-            </a:solidFill>
-          </a:ln>
-        </p:spPr>
-        <p:txBody>
-          <a:bodyPr wrap="square" rtlCol="0">
-            <a:spAutoFit/>
-          </a:bodyPr>
-          <a:lstStyle/>
-          <a:p>
-            <a:r>
-              <a:rPr lang="en-US" altLang="ko-KR" dirty="0">
-                <a:solidFill>
-                  <a:srgbClr val="0000FF"/>
-                </a:solidFill>
-                <a:latin typeface="+mn-ea"/>
-                <a:ea typeface="+mn-ea"/>
-              </a:rPr>
-              <a:t>20.0 21.5 20.9 19.8 22.5 20.3 23.6 18.0 23.3 17.8</a:t>
-            </a:r>
-            <a:endParaRPr lang="ko-KR" altLang="en-US" dirty="0">
-              <a:solidFill>
-                <a:srgbClr val="0000FF"/>
-              </a:solidFill>
-              <a:latin typeface="+mn-ea"/>
-              <a:ea typeface="+mn-ea"/>
-            </a:endParaRPr>
-          </a:p>
-        </p:txBody>
-      </p:sp>
-      <p:sp>
-        <p:nvSpPr>
-          <p:cNvPr id="5" name="TextBox 4"/>
-          <p:cNvSpPr txBox="1"/>
-          <p:nvPr/>
-        </p:nvSpPr>
-        <p:spPr>
-          <a:xfrm>
-            <a:off x="1061610" y="4959170"/>
-            <a:ext cx="4392488" cy="369332"/>
-          </a:xfrm>
-          <a:prstGeom prst="rect">
-            <a:avLst/>
-          </a:prstGeom>
-          <a:noFill/>
-        </p:spPr>
-        <p:txBody>
-          <a:bodyPr wrap="square" rtlCol="0">
-            <a:spAutoFit/>
-          </a:bodyPr>
-          <a:lstStyle/>
-          <a:p>
-            <a:r>
-              <a:rPr lang="en-US" altLang="ko-KR" dirty="0">
-                <a:latin typeface="+mn-ea"/>
-                <a:ea typeface="+mn-ea"/>
-                <a:sym typeface="Wingdings" panose="05000000000000000000" pitchFamily="2" charset="2"/>
-              </a:rPr>
-              <a:t> </a:t>
-            </a:r>
-            <a:r>
-              <a:rPr lang="ko-KR" altLang="en-US" dirty="0" err="1">
-                <a:latin typeface="+mn-ea"/>
-                <a:ea typeface="+mn-ea"/>
-                <a:sym typeface="Wingdings" panose="05000000000000000000" pitchFamily="2" charset="2"/>
-              </a:rPr>
-              <a:t>귀무가설</a:t>
-            </a:r>
-            <a:r>
-              <a:rPr lang="ko-KR" altLang="en-US" dirty="0">
-                <a:latin typeface="+mn-ea"/>
-                <a:ea typeface="+mn-ea"/>
-                <a:sym typeface="Wingdings" panose="05000000000000000000" pitchFamily="2" charset="2"/>
-              </a:rPr>
-              <a:t> 채택</a:t>
-            </a:r>
-            <a:endParaRPr lang="ko-KR" altLang="en-US" dirty="0">
-              <a:latin typeface="+mn-ea"/>
-              <a:ea typeface="+mn-ea"/>
-            </a:endParaRPr>
-          </a:p>
-        </p:txBody>
-      </p:sp>
-      <p:sp>
-        <p:nvSpPr>
-          <p:cNvPr id="6" name="TextBox 5"/>
-          <p:cNvSpPr txBox="1"/>
-          <p:nvPr/>
-        </p:nvSpPr>
-        <p:spPr>
-          <a:xfrm>
-            <a:off x="1061610" y="5364215"/>
-            <a:ext cx="7920880" cy="369332"/>
-          </a:xfrm>
-          <a:prstGeom prst="rect">
-            <a:avLst/>
-          </a:prstGeom>
-          <a:noFill/>
-        </p:spPr>
-        <p:txBody>
-          <a:bodyPr wrap="square" rtlCol="0">
-            <a:spAutoFit/>
-          </a:bodyPr>
-          <a:lstStyle/>
-          <a:p>
-            <a:r>
-              <a:rPr lang="en-US" altLang="ko-KR" dirty="0">
-                <a:latin typeface="+mn-ea"/>
-                <a:ea typeface="+mn-ea"/>
-                <a:sym typeface="Wingdings" panose="05000000000000000000" pitchFamily="2" charset="2"/>
-              </a:rPr>
-              <a:t> </a:t>
-            </a:r>
-            <a:r>
-              <a:rPr lang="ko-KR" altLang="en-US" dirty="0">
-                <a:latin typeface="+mn-ea"/>
-                <a:ea typeface="+mn-ea"/>
-                <a:sym typeface="Wingdings" panose="05000000000000000000" pitchFamily="2" charset="2"/>
-              </a:rPr>
-              <a:t>유의수준 </a:t>
-            </a:r>
-            <a:r>
-              <a:rPr lang="en-US" altLang="ko-KR" dirty="0">
-                <a:latin typeface="+mn-ea"/>
-                <a:ea typeface="+mn-ea"/>
-                <a:sym typeface="Wingdings" panose="05000000000000000000" pitchFamily="2" charset="2"/>
-              </a:rPr>
-              <a:t>5%</a:t>
-            </a:r>
-            <a:r>
-              <a:rPr lang="ko-KR" altLang="en-US" dirty="0">
-                <a:latin typeface="+mn-ea"/>
-                <a:ea typeface="+mn-ea"/>
-                <a:sym typeface="Wingdings" panose="05000000000000000000" pitchFamily="2" charset="2"/>
-              </a:rPr>
-              <a:t>에서 </a:t>
-            </a:r>
-            <a:r>
-              <a:rPr lang="ko-KR" altLang="en-US" dirty="0" err="1">
-                <a:latin typeface="+mn-ea"/>
-                <a:ea typeface="+mn-ea"/>
-                <a:sym typeface="Wingdings" panose="05000000000000000000" pitchFamily="2" charset="2"/>
-              </a:rPr>
-              <a:t>모분산이</a:t>
-            </a:r>
-            <a:r>
-              <a:rPr lang="ko-KR" altLang="en-US" dirty="0">
-                <a:latin typeface="+mn-ea"/>
-                <a:ea typeface="+mn-ea"/>
-                <a:sym typeface="Wingdings" panose="05000000000000000000" pitchFamily="2" charset="2"/>
-              </a:rPr>
-              <a:t> </a:t>
-            </a:r>
-            <a:r>
-              <a:rPr lang="en-US" altLang="ko-KR" dirty="0">
-                <a:latin typeface="+mn-ea"/>
-                <a:ea typeface="+mn-ea"/>
-                <a:sym typeface="Wingdings" panose="05000000000000000000" pitchFamily="2" charset="2"/>
-              </a:rPr>
-              <a:t>2</a:t>
-            </a:r>
-            <a:r>
-              <a:rPr lang="ko-KR" altLang="en-US" dirty="0">
-                <a:latin typeface="+mn-ea"/>
-                <a:ea typeface="+mn-ea"/>
-                <a:sym typeface="Wingdings" panose="05000000000000000000" pitchFamily="2" charset="2"/>
-              </a:rPr>
-              <a:t>와 다르다는 충분한 증거가 없다</a:t>
-            </a:r>
-            <a:r>
-              <a:rPr lang="en-US" altLang="ko-KR" dirty="0">
-                <a:latin typeface="+mn-ea"/>
-                <a:ea typeface="+mn-ea"/>
-                <a:sym typeface="Wingdings" panose="05000000000000000000" pitchFamily="2" charset="2"/>
-              </a:rPr>
-              <a:t>.</a:t>
-            </a:r>
-            <a:endParaRPr lang="ko-KR" altLang="en-US" dirty="0">
-              <a:latin typeface="+mn-ea"/>
-              <a:ea typeface="+mn-ea"/>
-            </a:endParaRPr>
-          </a:p>
-        </p:txBody>
-      </p:sp>
-      <p:pic>
-        <p:nvPicPr>
-          <p:cNvPr id="7" name="Picture 5"/>
-          <p:cNvPicPr>
-            <a:picLocks noChangeAspect="1" noChangeArrowheads="1"/>
-          </p:cNvPicPr>
-          <p:nvPr/>
-        </p:nvPicPr>
-        <p:blipFill>
-          <a:blip r:embed="rId2">
-            <a:extLst>
-              <a:ext uri="{28A0092B-C50C-407E-A947-70E740481C1C}">
-                <a14:useLocalDpi xmlns:a14="http://schemas.microsoft.com/office/drawing/2010/main" val="0"/>
-              </a:ext>
-            </a:extLst>
-          </a:blip>
-          <a:srcRect/>
-          <a:stretch>
-            <a:fillRect/>
-          </a:stretch>
-        </p:blipFill>
-        <p:spPr bwMode="auto">
-          <a:xfrm>
-            <a:off x="1061610" y="5826089"/>
-            <a:ext cx="6438900" cy="571500"/>
-          </a:xfrm>
-          <a:prstGeom prst="rect">
-            <a:avLst/>
-          </a:prstGeom>
-          <a:noFill/>
-          <a:ln>
-            <a:noFill/>
-          </a:ln>
-          <a:extLst>
-            <a:ext uri="{909E8E84-426E-40DD-AFC4-6F175D3DCCD1}">
-              <a14:hiddenFill xmlns:a14="http://schemas.microsoft.com/office/drawing/2010/main">
-                <a:solidFill>
-                  <a:schemeClr val="accent1"/>
-                </a:solidFill>
-              </a14:hiddenFill>
-            </a:ext>
-            <a:ext uri="{91240B29-F687-4F45-9708-019B960494DF}">
-              <a14:hiddenLine xmlns:a14="http://schemas.microsoft.com/office/drawing/2010/main" w="9525">
-                <a:solidFill>
-                  <a:schemeClr val="tx1"/>
-                </a:solidFill>
-                <a:miter lim="800000"/>
-                <a:headEnd/>
-                <a:tailEnd/>
-              </a14:hiddenLine>
-            </a:ext>
-          </a:extLst>
-        </p:spPr>
-      </p:pic>
-      <p:sp>
-        <p:nvSpPr>
-          <p:cNvPr id="8" name="직사각형 7"/>
-          <p:cNvSpPr/>
-          <p:nvPr/>
-        </p:nvSpPr>
-        <p:spPr>
-          <a:xfrm>
-            <a:off x="701570" y="3187423"/>
-            <a:ext cx="8280920" cy="3391927"/>
-          </a:xfrm>
-          <a:prstGeom prst="rect">
-            <a:avLst/>
-          </a:prstGeom>
-          <a:noFill/>
-          <a:ln>
-            <a:solidFill>
-              <a:srgbClr val="00B0F0"/>
-            </a:solidFill>
-          </a:ln>
-        </p:spPr>
-        <p:style>
-          <a:lnRef idx="2">
-            <a:schemeClr val="accent1">
-              <a:shade val="50000"/>
-            </a:schemeClr>
-          </a:lnRef>
-          <a:fillRef idx="1">
-            <a:schemeClr val="accent1"/>
-          </a:fillRef>
-          <a:effectRef idx="0">
-            <a:schemeClr val="accent1"/>
-          </a:effectRef>
-          <a:fontRef idx="minor">
-            <a:schemeClr val="lt1"/>
-          </a:fontRef>
-        </p:style>
-        <p:txBody>
-          <a:bodyPr rtlCol="0" anchor="ctr"/>
-          <a:lstStyle/>
-          <a:p>
-            <a:pPr algn="ctr"/>
-            <a:endParaRPr lang="ko-KR" altLang="en-US"/>
-          </a:p>
-        </p:txBody>
-      </p:sp>
-      <p:pic>
-        <p:nvPicPr>
-          <p:cNvPr id="9" name="Picture 59"/>
-          <p:cNvPicPr>
-            <a:picLocks noChangeAspect="1" noChangeArrowheads="1"/>
-          </p:cNvPicPr>
-          <p:nvPr/>
-        </p:nvPicPr>
-        <p:blipFill>
-          <a:blip r:embed="rId3">
-            <a:extLst>
-              <a:ext uri="{28A0092B-C50C-407E-A947-70E740481C1C}">
-                <a14:useLocalDpi xmlns:a14="http://schemas.microsoft.com/office/drawing/2010/main" val="0"/>
-              </a:ext>
-            </a:extLst>
-          </a:blip>
-          <a:srcRect/>
-          <a:stretch>
-            <a:fillRect/>
-          </a:stretch>
-        </p:blipFill>
-        <p:spPr bwMode="auto">
-          <a:xfrm>
-            <a:off x="974073" y="3266982"/>
-            <a:ext cx="4697642" cy="1643757"/>
-          </a:xfrm>
-          <a:prstGeom prst="rect">
-            <a:avLst/>
-          </a:prstGeom>
-          <a:noFill/>
-          <a:ln>
-            <a:noFill/>
-          </a:ln>
-          <a:extLst>
-            <a:ext uri="{909E8E84-426E-40DD-AFC4-6F175D3DCCD1}">
-              <a14:hiddenFill xmlns:a14="http://schemas.microsoft.com/office/drawing/2010/main">
-                <a:solidFill>
-                  <a:schemeClr val="accent1"/>
-                </a:solidFill>
-              </a14:hiddenFill>
-            </a:ext>
-            <a:ext uri="{91240B29-F687-4F45-9708-019B960494DF}">
-              <a14:hiddenLine xmlns:a14="http://schemas.microsoft.com/office/drawing/2010/main" w="9525">
-                <a:solidFill>
-                  <a:schemeClr val="tx1"/>
-                </a:solidFill>
-                <a:miter lim="800000"/>
-                <a:headEnd/>
-                <a:tailEnd/>
-              </a14:hiddenLine>
-            </a:ext>
-          </a:extLst>
-        </p:spPr>
-      </p:pic>
-    </p:spTree>
-    <p:extLst>
-      <p:ext uri="{BB962C8B-B14F-4D97-AF65-F5344CB8AC3E}">
-        <p14:creationId xmlns:p14="http://schemas.microsoft.com/office/powerpoint/2010/main" val="905475265"/>
-      </p:ext>
-    </p:extLst>
-  </p:cSld>
-  <p:clrMapOvr>
-    <a:masterClrMapping/>
-  </p:clrMapOvr>
-</p:sld>
-</file>
-
-<file path=ppt/slides/slide31.xml><?xml version="1.0" encoding="utf-8"?>
-<p:sld xmlns:a="http://schemas.openxmlformats.org/drawingml/2006/main" xmlns:r="http://schemas.openxmlformats.org/officeDocument/2006/relationships" xmlns:p="http://schemas.openxmlformats.org/presentationml/2006/main">
-  <p:cSld>
-    <p:spTree>
-      <p:nvGrpSpPr>
-        <p:cNvPr id="1" name=""/>
-        <p:cNvGrpSpPr/>
-        <p:nvPr/>
-      </p:nvGrpSpPr>
-      <p:grpSpPr>
-        <a:xfrm>
-          <a:off x="0" y="0"/>
-          <a:ext cx="0" cy="0"/>
-          <a:chOff x="0" y="0"/>
-          <a:chExt cx="0" cy="0"/>
-        </a:xfrm>
-      </p:grpSpPr>
-      <p:pic>
-        <p:nvPicPr>
-          <p:cNvPr id="2" name="그림 1"/>
-          <p:cNvPicPr>
-            <a:picLocks noChangeAspect="1"/>
-          </p:cNvPicPr>
-          <p:nvPr/>
-        </p:nvPicPr>
-        <p:blipFill>
-          <a:blip r:embed="rId2">
-            <a:extLst>
-              <a:ext uri="{28A0092B-C50C-407E-A947-70E740481C1C}">
-                <a14:useLocalDpi xmlns:a14="http://schemas.microsoft.com/office/drawing/2010/main" val="0"/>
-              </a:ext>
-            </a:extLst>
-          </a:blip>
-          <a:stretch>
-            <a:fillRect/>
-          </a:stretch>
-        </p:blipFill>
-        <p:spPr>
-          <a:xfrm>
-            <a:off x="321011" y="370549"/>
-            <a:ext cx="8542895" cy="6096001"/>
-          </a:xfrm>
-          <a:prstGeom prst="rect">
-            <a:avLst/>
-          </a:prstGeom>
-          <a:ln>
-            <a:noFill/>
-          </a:ln>
-        </p:spPr>
-      </p:pic>
-    </p:spTree>
-    <p:extLst>
-      <p:ext uri="{BB962C8B-B14F-4D97-AF65-F5344CB8AC3E}">
-        <p14:creationId xmlns:p14="http://schemas.microsoft.com/office/powerpoint/2010/main" val="1464516745"/>
-      </p:ext>
-    </p:extLst>
-  </p:cSld>
-  <p:clrMapOvr>
-    <a:masterClrMapping/>
-  </p:clrMapOvr>
-</p:sld>
-</file>
-
-<file path=ppt/slides/slide32.xml><?xml version="1.0" encoding="utf-8"?>
-<p:sld xmlns:a="http://schemas.openxmlformats.org/drawingml/2006/main" xmlns:r="http://schemas.openxmlformats.org/officeDocument/2006/relationships" xmlns:p="http://schemas.openxmlformats.org/presentationml/2006/main">
-  <p:cSld>
-    <p:spTree>
-      <p:nvGrpSpPr>
-        <p:cNvPr id="1" name=""/>
-        <p:cNvGrpSpPr/>
-        <p:nvPr/>
-      </p:nvGrpSpPr>
-      <p:grpSpPr>
-        <a:xfrm>
-          <a:off x="0" y="0"/>
-          <a:ext cx="0" cy="0"/>
-          <a:chOff x="0" y="0"/>
-          <a:chExt cx="0" cy="0"/>
-        </a:xfrm>
-      </p:grpSpPr>
-      <p:sp>
-        <p:nvSpPr>
-          <p:cNvPr id="40" name="제목 1"/>
-          <p:cNvSpPr txBox="1">
-            <a:spLocks/>
-          </p:cNvSpPr>
-          <p:nvPr/>
-        </p:nvSpPr>
-        <p:spPr>
-          <a:xfrm>
-            <a:off x="476545" y="368660"/>
-            <a:ext cx="8289630" cy="765086"/>
-          </a:xfrm>
-          <a:prstGeom prst="rect">
-            <a:avLst/>
-          </a:prstGeom>
-        </p:spPr>
-        <p:txBody>
-          <a:bodyPr vert="horz" lIns="91440" tIns="45720" rIns="91440" bIns="45720" rtlCol="0" anchor="ctr">
-            <a:normAutofit/>
-          </a:bodyPr>
-          <a:lstStyle>
-            <a:lvl1pPr algn="l" defTabSz="914400" rtl="0" eaLnBrk="1" latinLnBrk="1" hangingPunct="1">
-              <a:spcBef>
-                <a:spcPct val="0"/>
-              </a:spcBef>
-              <a:buNone/>
-              <a:defRPr sz="3600" b="1" kern="1200">
-                <a:solidFill>
-                  <a:schemeClr val="tx1"/>
-                </a:solidFill>
-                <a:latin typeface="+mj-lt"/>
-                <a:ea typeface="+mj-ea"/>
-                <a:cs typeface="+mj-cs"/>
-              </a:defRPr>
-            </a:lvl1pPr>
-          </a:lstStyle>
-          <a:p>
-            <a:r>
-              <a:rPr lang="en-US" altLang="ko-KR" dirty="0"/>
-              <a:t>6. </a:t>
-            </a:r>
-            <a:r>
-              <a:rPr lang="ko-KR" altLang="en-US" dirty="0"/>
-              <a:t>검사특성곡선</a:t>
-            </a:r>
-          </a:p>
-        </p:txBody>
-      </p:sp>
-      <p:sp>
-        <p:nvSpPr>
-          <p:cNvPr id="4" name="내용 개체 틀 2"/>
-          <p:cNvSpPr txBox="1">
-            <a:spLocks/>
-          </p:cNvSpPr>
-          <p:nvPr/>
-        </p:nvSpPr>
-        <p:spPr>
-          <a:xfrm>
-            <a:off x="476545" y="1314450"/>
-            <a:ext cx="8415338" cy="1754510"/>
-          </a:xfrm>
-          <a:prstGeom prst="rect">
-            <a:avLst/>
-          </a:prstGeom>
-        </p:spPr>
-        <p:txBody>
-          <a:bodyPr vert="horz" lIns="91440" tIns="45720" rIns="91440" bIns="45720" rtlCol="0">
-            <a:normAutofit/>
-          </a:bodyPr>
-          <a:lstStyle>
-            <a:lvl1pPr marL="342900" indent="-342900" algn="l" defTabSz="914400" rtl="0" eaLnBrk="1" latinLnBrk="1" hangingPunct="1">
-              <a:spcBef>
-                <a:spcPct val="20000"/>
-              </a:spcBef>
-              <a:buFont typeface="Arial" pitchFamily="34" charset="0"/>
-              <a:buChar char="•"/>
-              <a:defRPr sz="3200" kern="1200">
-                <a:solidFill>
-                  <a:schemeClr val="tx1"/>
-                </a:solidFill>
-                <a:latin typeface="+mn-lt"/>
-                <a:ea typeface="+mn-ea"/>
-                <a:cs typeface="+mn-cs"/>
-              </a:defRPr>
-            </a:lvl1pPr>
-            <a:lvl2pPr marL="742950" indent="-285750" algn="l" defTabSz="914400" rtl="0" eaLnBrk="1" latinLnBrk="1" hangingPunct="1">
-              <a:spcBef>
-                <a:spcPct val="20000"/>
-              </a:spcBef>
-              <a:buFont typeface="Arial" pitchFamily="34" charset="0"/>
-              <a:buChar char="–"/>
-              <a:defRPr sz="2800" kern="1200">
-                <a:solidFill>
-                  <a:schemeClr val="tx1"/>
-                </a:solidFill>
-                <a:latin typeface="+mn-lt"/>
-                <a:ea typeface="+mn-ea"/>
-                <a:cs typeface="+mn-cs"/>
-              </a:defRPr>
-            </a:lvl2pPr>
-            <a:lvl3pPr marL="1143000" indent="-228600" algn="l" defTabSz="914400" rtl="0" eaLnBrk="1" latinLnBrk="1" hangingPunct="1">
-              <a:spcBef>
-                <a:spcPct val="20000"/>
-              </a:spcBef>
-              <a:buFont typeface="Arial" pitchFamily="34" charset="0"/>
-              <a:buChar char="•"/>
-              <a:defRPr sz="2400" kern="1200">
-                <a:solidFill>
-                  <a:schemeClr val="tx1"/>
-                </a:solidFill>
-                <a:latin typeface="+mn-lt"/>
-                <a:ea typeface="+mn-ea"/>
-                <a:cs typeface="+mn-cs"/>
-              </a:defRPr>
-            </a:lvl3pPr>
-            <a:lvl4pPr marL="1600200" indent="-228600" algn="l" defTabSz="914400" rtl="0" eaLnBrk="1" latinLnBrk="1" hangingPunct="1">
-              <a:spcBef>
-                <a:spcPct val="20000"/>
-              </a:spcBef>
-              <a:buFont typeface="Arial" pitchFamily="34" charset="0"/>
-              <a:buChar char="–"/>
-              <a:defRPr sz="2000" kern="1200">
-                <a:solidFill>
-                  <a:schemeClr val="tx1"/>
-                </a:solidFill>
-                <a:latin typeface="+mn-lt"/>
-                <a:ea typeface="+mn-ea"/>
-                <a:cs typeface="+mn-cs"/>
-              </a:defRPr>
-            </a:lvl4pPr>
-            <a:lvl5pPr marL="2057400" indent="-228600" algn="l" defTabSz="914400" rtl="0" eaLnBrk="1" latinLnBrk="1" hangingPunct="1">
-              <a:spcBef>
-                <a:spcPct val="20000"/>
-              </a:spcBef>
-              <a:buFont typeface="Arial" pitchFamily="34" charset="0"/>
-              <a:buChar char="»"/>
-              <a:defRPr sz="2000" kern="1200">
-                <a:solidFill>
-                  <a:schemeClr val="tx1"/>
-                </a:solidFill>
-                <a:latin typeface="+mn-lt"/>
-                <a:ea typeface="+mn-ea"/>
-                <a:cs typeface="+mn-cs"/>
-              </a:defRPr>
-            </a:lvl5pPr>
-            <a:lvl6pPr marL="2514600" indent="-228600" algn="l" defTabSz="914400" rtl="0" eaLnBrk="1" latinLnBrk="1" hangingPunct="1">
-              <a:spcBef>
-                <a:spcPct val="20000"/>
-              </a:spcBef>
-              <a:buFont typeface="Arial" pitchFamily="34" charset="0"/>
-              <a:buChar char="•"/>
-              <a:defRPr sz="2000" kern="1200">
-                <a:solidFill>
-                  <a:schemeClr val="tx1"/>
-                </a:solidFill>
-                <a:latin typeface="+mn-lt"/>
-                <a:ea typeface="+mn-ea"/>
-                <a:cs typeface="+mn-cs"/>
-              </a:defRPr>
-            </a:lvl6pPr>
-            <a:lvl7pPr marL="2971800" indent="-228600" algn="l" defTabSz="914400" rtl="0" eaLnBrk="1" latinLnBrk="1" hangingPunct="1">
-              <a:spcBef>
-                <a:spcPct val="20000"/>
-              </a:spcBef>
-              <a:buFont typeface="Arial" pitchFamily="34" charset="0"/>
-              <a:buChar char="•"/>
-              <a:defRPr sz="2000" kern="1200">
-                <a:solidFill>
-                  <a:schemeClr val="tx1"/>
-                </a:solidFill>
-                <a:latin typeface="+mn-lt"/>
-                <a:ea typeface="+mn-ea"/>
-                <a:cs typeface="+mn-cs"/>
-              </a:defRPr>
-            </a:lvl7pPr>
-            <a:lvl8pPr marL="3429000" indent="-228600" algn="l" defTabSz="914400" rtl="0" eaLnBrk="1" latinLnBrk="1" hangingPunct="1">
-              <a:spcBef>
-                <a:spcPct val="20000"/>
-              </a:spcBef>
-              <a:buFont typeface="Arial" pitchFamily="34" charset="0"/>
-              <a:buChar char="•"/>
-              <a:defRPr sz="2000" kern="1200">
-                <a:solidFill>
-                  <a:schemeClr val="tx1"/>
-                </a:solidFill>
-                <a:latin typeface="+mn-lt"/>
-                <a:ea typeface="+mn-ea"/>
-                <a:cs typeface="+mn-cs"/>
-              </a:defRPr>
-            </a:lvl8pPr>
-            <a:lvl9pPr marL="3886200" indent="-228600" algn="l" defTabSz="914400" rtl="0" eaLnBrk="1" latinLnBrk="1" hangingPunct="1">
-              <a:spcBef>
-                <a:spcPct val="20000"/>
-              </a:spcBef>
-              <a:buFont typeface="Arial" pitchFamily="34" charset="0"/>
-              <a:buChar char="•"/>
-              <a:defRPr sz="2000" kern="1200">
-                <a:solidFill>
-                  <a:schemeClr val="tx1"/>
-                </a:solidFill>
-                <a:latin typeface="+mn-lt"/>
-                <a:ea typeface="+mn-ea"/>
-                <a:cs typeface="+mn-cs"/>
-              </a:defRPr>
-            </a:lvl9pPr>
-          </a:lstStyle>
-          <a:p>
-            <a:pPr marL="0" indent="0">
-              <a:buNone/>
-            </a:pPr>
-            <a:r>
-              <a:rPr lang="en-US" altLang="ko-KR" sz="2400" dirty="0"/>
-              <a:t>[</a:t>
-            </a:r>
-            <a:r>
-              <a:rPr lang="ko-KR" altLang="en-US" sz="2400" dirty="0"/>
-              <a:t>정의 </a:t>
-            </a:r>
-            <a:r>
-              <a:rPr lang="en-US" altLang="ko-KR" sz="2400" dirty="0"/>
-              <a:t>10-7] </a:t>
-            </a:r>
-            <a:r>
-              <a:rPr lang="ko-KR" altLang="en-US" sz="2400" dirty="0" err="1"/>
-              <a:t>검정력</a:t>
-            </a:r>
-            <a:r>
-              <a:rPr lang="ko-KR" altLang="en-US" sz="2400" dirty="0"/>
-              <a:t> 함수</a:t>
-            </a:r>
-            <a:r>
-              <a:rPr lang="en-US" altLang="ko-KR" sz="2400" dirty="0"/>
-              <a:t>(power function)</a:t>
-            </a:r>
-          </a:p>
-          <a:p>
-            <a:pPr marL="0" indent="0">
-              <a:buNone/>
-            </a:pPr>
-            <a:r>
-              <a:rPr lang="ko-KR" altLang="en-US" sz="2000" dirty="0"/>
-              <a:t>  </a:t>
-            </a:r>
-            <a:r>
-              <a:rPr lang="en-US" altLang="ko-KR" sz="2000" dirty="0"/>
-              <a:t>: </a:t>
-            </a:r>
-            <a:r>
-              <a:rPr lang="ko-KR" altLang="en-US" sz="2000" dirty="0" err="1"/>
-              <a:t>모수값의</a:t>
-            </a:r>
-            <a:r>
-              <a:rPr lang="ko-KR" altLang="en-US" sz="2000" dirty="0"/>
-              <a:t> 변화에 따라 </a:t>
-            </a:r>
-            <a:r>
-              <a:rPr lang="ko-KR" altLang="en-US" sz="2000" dirty="0" err="1"/>
-              <a:t>귀무가설을</a:t>
-            </a:r>
-            <a:r>
-              <a:rPr lang="ko-KR" altLang="en-US" sz="2000" dirty="0"/>
-              <a:t> 기각할 확률의 함수</a:t>
-            </a:r>
-          </a:p>
-          <a:p>
-            <a:pPr marL="0" indent="0">
-              <a:buNone/>
-            </a:pPr>
-            <a:endParaRPr lang="en-US" altLang="ko-KR" sz="2400" dirty="0"/>
-          </a:p>
-          <a:p>
-            <a:pPr marL="0" lvl="1" indent="0" fontAlgn="auto">
-              <a:spcAft>
-                <a:spcPts val="0"/>
-              </a:spcAft>
-              <a:buFont typeface="Arial" pitchFamily="34" charset="0"/>
-              <a:buNone/>
-            </a:pPr>
-            <a:endParaRPr kumimoji="0" lang="en-US" altLang="ko-KR" sz="2400" dirty="0"/>
-          </a:p>
-        </p:txBody>
-      </p:sp>
-      <p:sp>
-        <p:nvSpPr>
-          <p:cNvPr id="7" name="모서리가 둥근 직사각형 6"/>
-          <p:cNvSpPr/>
-          <p:nvPr/>
-        </p:nvSpPr>
-        <p:spPr>
-          <a:xfrm>
-            <a:off x="476545" y="1268761"/>
-            <a:ext cx="8145905" cy="1350149"/>
-          </a:xfrm>
-          <a:prstGeom prst="roundRect">
-            <a:avLst>
-              <a:gd name="adj" fmla="val 13396"/>
-            </a:avLst>
-          </a:prstGeom>
-          <a:noFill/>
-          <a:ln w="38100">
-            <a:solidFill>
-              <a:schemeClr val="accent5">
-                <a:lumMod val="40000"/>
-                <a:lumOff val="60000"/>
-              </a:schemeClr>
-            </a:solidFill>
-          </a:ln>
-        </p:spPr>
-        <p:style>
-          <a:lnRef idx="2">
-            <a:schemeClr val="accent1">
-              <a:shade val="50000"/>
-            </a:schemeClr>
-          </a:lnRef>
-          <a:fillRef idx="1">
-            <a:schemeClr val="accent1"/>
-          </a:fillRef>
-          <a:effectRef idx="0">
-            <a:schemeClr val="accent1"/>
-          </a:effectRef>
-          <a:fontRef idx="minor">
-            <a:schemeClr val="lt1"/>
-          </a:fontRef>
-        </p:style>
-        <p:txBody>
-          <a:bodyPr rtlCol="0" anchor="ctr"/>
-          <a:lstStyle/>
-          <a:p>
-            <a:pPr algn="ctr"/>
-            <a:endParaRPr lang="ko-KR" altLang="en-US"/>
-          </a:p>
-        </p:txBody>
-      </p:sp>
-      <p:graphicFrame>
-        <p:nvGraphicFramePr>
-          <p:cNvPr id="2" name="개체 1"/>
-          <p:cNvGraphicFramePr>
-            <a:graphicFrameLocks noChangeAspect="1"/>
-          </p:cNvGraphicFramePr>
-          <p:nvPr>
-            <p:extLst>
-              <p:ext uri="{D42A27DB-BD31-4B8C-83A1-F6EECF244321}">
-                <p14:modId xmlns:p14="http://schemas.microsoft.com/office/powerpoint/2010/main" val="4241481459"/>
-              </p:ext>
-            </p:extLst>
-          </p:nvPr>
-        </p:nvGraphicFramePr>
-        <p:xfrm>
-          <a:off x="3041830" y="2213865"/>
-          <a:ext cx="2700300" cy="347678"/>
-        </p:xfrm>
-        <a:graphic>
-          <a:graphicData uri="http://schemas.openxmlformats.org/presentationml/2006/ole">
-            <mc:AlternateContent xmlns:mc="http://schemas.openxmlformats.org/markup-compatibility/2006">
-              <mc:Choice xmlns:v="urn:schemas-microsoft-com:vml" Requires="v">
-                <p:oleObj spid="_x0000_s1026" name="Equation" r:id="rId3" imgW="2958840" imgH="380880" progId="Equation.DSMT4">
-                  <p:embed/>
-                </p:oleObj>
-              </mc:Choice>
-              <mc:Fallback>
-                <p:oleObj name="Equation" r:id="rId3" imgW="2958840" imgH="380880" progId="Equation.DSMT4">
-                  <p:embed/>
-                  <p:pic>
-                    <p:nvPicPr>
-                      <p:cNvPr id="2" name="개체 1"/>
-                      <p:cNvPicPr>
-                        <a:picLocks noChangeAspect="1" noChangeArrowheads="1"/>
-                      </p:cNvPicPr>
-                      <p:nvPr/>
-                    </p:nvPicPr>
-                    <p:blipFill>
-                      <a:blip r:embed="rId4">
-                        <a:extLst>
-                          <a:ext uri="{28A0092B-C50C-407E-A947-70E740481C1C}">
-                            <a14:useLocalDpi xmlns:a14="http://schemas.microsoft.com/office/drawing/2010/main" val="0"/>
-                          </a:ext>
-                        </a:extLst>
-                      </a:blip>
-                      <a:srcRect/>
-                      <a:stretch>
-                        <a:fillRect/>
-                      </a:stretch>
-                    </p:blipFill>
-                    <p:spPr bwMode="auto">
-                      <a:xfrm>
-                        <a:off x="3041830" y="2213865"/>
-                        <a:ext cx="2700300" cy="347678"/>
-                      </a:xfrm>
-                      <a:prstGeom prst="rect">
-                        <a:avLst/>
-                      </a:prstGeom>
-                      <a:noFill/>
-                      <a:ln>
-                        <a:noFill/>
-                      </a:ln>
-                    </p:spPr>
-                  </p:pic>
-                </p:oleObj>
-              </mc:Fallback>
-            </mc:AlternateContent>
-          </a:graphicData>
-        </a:graphic>
-      </p:graphicFrame>
-      <p:sp>
-        <p:nvSpPr>
-          <p:cNvPr id="6" name="내용 개체 틀 2"/>
-          <p:cNvSpPr txBox="1">
-            <a:spLocks/>
-          </p:cNvSpPr>
-          <p:nvPr/>
-        </p:nvSpPr>
-        <p:spPr>
-          <a:xfrm>
-            <a:off x="476545" y="2754610"/>
-            <a:ext cx="8289630" cy="1754510"/>
-          </a:xfrm>
-          <a:prstGeom prst="rect">
-            <a:avLst/>
-          </a:prstGeom>
-        </p:spPr>
-        <p:txBody>
-          <a:bodyPr vert="horz" lIns="91440" tIns="45720" rIns="91440" bIns="45720" rtlCol="0">
-            <a:normAutofit/>
-          </a:bodyPr>
-          <a:lstStyle>
-            <a:lvl1pPr marL="342900" indent="-342900" algn="l" defTabSz="914400" rtl="0" eaLnBrk="1" latinLnBrk="1" hangingPunct="1">
-              <a:spcBef>
-                <a:spcPct val="20000"/>
-              </a:spcBef>
-              <a:buFont typeface="Arial" pitchFamily="34" charset="0"/>
-              <a:buChar char="•"/>
-              <a:defRPr sz="3200" kern="1200">
-                <a:solidFill>
-                  <a:schemeClr val="tx1"/>
-                </a:solidFill>
-                <a:latin typeface="+mn-lt"/>
-                <a:ea typeface="+mn-ea"/>
-                <a:cs typeface="+mn-cs"/>
-              </a:defRPr>
-            </a:lvl1pPr>
-            <a:lvl2pPr marL="742950" indent="-285750" algn="l" defTabSz="914400" rtl="0" eaLnBrk="1" latinLnBrk="1" hangingPunct="1">
-              <a:spcBef>
-                <a:spcPct val="20000"/>
-              </a:spcBef>
-              <a:buFont typeface="Arial" pitchFamily="34" charset="0"/>
-              <a:buChar char="–"/>
-              <a:defRPr sz="2800" kern="1200">
-                <a:solidFill>
-                  <a:schemeClr val="tx1"/>
-                </a:solidFill>
-                <a:latin typeface="+mn-lt"/>
-                <a:ea typeface="+mn-ea"/>
-                <a:cs typeface="+mn-cs"/>
-              </a:defRPr>
-            </a:lvl2pPr>
-            <a:lvl3pPr marL="1143000" indent="-228600" algn="l" defTabSz="914400" rtl="0" eaLnBrk="1" latinLnBrk="1" hangingPunct="1">
-              <a:spcBef>
-                <a:spcPct val="20000"/>
-              </a:spcBef>
-              <a:buFont typeface="Arial" pitchFamily="34" charset="0"/>
-              <a:buChar char="•"/>
-              <a:defRPr sz="2400" kern="1200">
-                <a:solidFill>
-                  <a:schemeClr val="tx1"/>
-                </a:solidFill>
-                <a:latin typeface="+mn-lt"/>
-                <a:ea typeface="+mn-ea"/>
-                <a:cs typeface="+mn-cs"/>
-              </a:defRPr>
-            </a:lvl3pPr>
-            <a:lvl4pPr marL="1600200" indent="-228600" algn="l" defTabSz="914400" rtl="0" eaLnBrk="1" latinLnBrk="1" hangingPunct="1">
-              <a:spcBef>
-                <a:spcPct val="20000"/>
-              </a:spcBef>
-              <a:buFont typeface="Arial" pitchFamily="34" charset="0"/>
-              <a:buChar char="–"/>
-              <a:defRPr sz="2000" kern="1200">
-                <a:solidFill>
-                  <a:schemeClr val="tx1"/>
-                </a:solidFill>
-                <a:latin typeface="+mn-lt"/>
-                <a:ea typeface="+mn-ea"/>
-                <a:cs typeface="+mn-cs"/>
-              </a:defRPr>
-            </a:lvl4pPr>
-            <a:lvl5pPr marL="2057400" indent="-228600" algn="l" defTabSz="914400" rtl="0" eaLnBrk="1" latinLnBrk="1" hangingPunct="1">
-              <a:spcBef>
-                <a:spcPct val="20000"/>
-              </a:spcBef>
-              <a:buFont typeface="Arial" pitchFamily="34" charset="0"/>
-              <a:buChar char="»"/>
-              <a:defRPr sz="2000" kern="1200">
-                <a:solidFill>
-                  <a:schemeClr val="tx1"/>
-                </a:solidFill>
-                <a:latin typeface="+mn-lt"/>
-                <a:ea typeface="+mn-ea"/>
-                <a:cs typeface="+mn-cs"/>
-              </a:defRPr>
-            </a:lvl5pPr>
-            <a:lvl6pPr marL="2514600" indent="-228600" algn="l" defTabSz="914400" rtl="0" eaLnBrk="1" latinLnBrk="1" hangingPunct="1">
-              <a:spcBef>
-                <a:spcPct val="20000"/>
-              </a:spcBef>
-              <a:buFont typeface="Arial" pitchFamily="34" charset="0"/>
-              <a:buChar char="•"/>
-              <a:defRPr sz="2000" kern="1200">
-                <a:solidFill>
-                  <a:schemeClr val="tx1"/>
-                </a:solidFill>
-                <a:latin typeface="+mn-lt"/>
-                <a:ea typeface="+mn-ea"/>
-                <a:cs typeface="+mn-cs"/>
-              </a:defRPr>
-            </a:lvl6pPr>
-            <a:lvl7pPr marL="2971800" indent="-228600" algn="l" defTabSz="914400" rtl="0" eaLnBrk="1" latinLnBrk="1" hangingPunct="1">
-              <a:spcBef>
-                <a:spcPct val="20000"/>
-              </a:spcBef>
-              <a:buFont typeface="Arial" pitchFamily="34" charset="0"/>
-              <a:buChar char="•"/>
-              <a:defRPr sz="2000" kern="1200">
-                <a:solidFill>
-                  <a:schemeClr val="tx1"/>
-                </a:solidFill>
-                <a:latin typeface="+mn-lt"/>
-                <a:ea typeface="+mn-ea"/>
-                <a:cs typeface="+mn-cs"/>
-              </a:defRPr>
-            </a:lvl7pPr>
-            <a:lvl8pPr marL="3429000" indent="-228600" algn="l" defTabSz="914400" rtl="0" eaLnBrk="1" latinLnBrk="1" hangingPunct="1">
-              <a:spcBef>
-                <a:spcPct val="20000"/>
-              </a:spcBef>
-              <a:buFont typeface="Arial" pitchFamily="34" charset="0"/>
-              <a:buChar char="•"/>
-              <a:defRPr sz="2000" kern="1200">
-                <a:solidFill>
-                  <a:schemeClr val="tx1"/>
-                </a:solidFill>
-                <a:latin typeface="+mn-lt"/>
-                <a:ea typeface="+mn-ea"/>
-                <a:cs typeface="+mn-cs"/>
-              </a:defRPr>
-            </a:lvl8pPr>
-            <a:lvl9pPr marL="3886200" indent="-228600" algn="l" defTabSz="914400" rtl="0" eaLnBrk="1" latinLnBrk="1" hangingPunct="1">
-              <a:spcBef>
-                <a:spcPct val="20000"/>
-              </a:spcBef>
-              <a:buFont typeface="Arial" pitchFamily="34" charset="0"/>
-              <a:buChar char="•"/>
-              <a:defRPr sz="2000" kern="1200">
-                <a:solidFill>
-                  <a:schemeClr val="tx1"/>
-                </a:solidFill>
-                <a:latin typeface="+mn-lt"/>
-                <a:ea typeface="+mn-ea"/>
-                <a:cs typeface="+mn-cs"/>
-              </a:defRPr>
-            </a:lvl9pPr>
-          </a:lstStyle>
-          <a:p>
-            <a:pPr marL="0" indent="0">
-              <a:buNone/>
-            </a:pPr>
-            <a:r>
-              <a:rPr lang="en-US" altLang="ko-KR" sz="2400" dirty="0">
-                <a:latin typeface="+mn-ea"/>
-              </a:rPr>
-              <a:t>[</a:t>
-            </a:r>
-            <a:r>
-              <a:rPr lang="ko-KR" altLang="en-US" sz="2400" dirty="0">
-                <a:latin typeface="+mn-ea"/>
-              </a:rPr>
-              <a:t>정리 </a:t>
-            </a:r>
-            <a:r>
-              <a:rPr lang="en-US" altLang="ko-KR" sz="2400" dirty="0">
-                <a:latin typeface="+mn-ea"/>
-              </a:rPr>
-              <a:t>10-10] </a:t>
-            </a:r>
-            <a:r>
-              <a:rPr lang="ko-KR" altLang="en-US" sz="2400" dirty="0">
-                <a:latin typeface="+mn-ea"/>
-              </a:rPr>
-              <a:t>모평균의 검정에서 </a:t>
-            </a:r>
-            <a:r>
-              <a:rPr lang="ko-KR" altLang="en-US" sz="2400" dirty="0" err="1">
-                <a:latin typeface="+mn-ea"/>
-              </a:rPr>
-              <a:t>검정력</a:t>
-            </a:r>
-            <a:r>
-              <a:rPr lang="ko-KR" altLang="en-US" sz="2400" dirty="0">
-                <a:latin typeface="+mn-ea"/>
-              </a:rPr>
-              <a:t> 함수 </a:t>
-            </a:r>
-            <a:r>
-              <a:rPr lang="en-US" altLang="ko-KR" sz="2400" dirty="0">
-                <a:latin typeface="+mn-ea"/>
-              </a:rPr>
-              <a:t>(</a:t>
-            </a:r>
-            <a:r>
-              <a:rPr lang="ko-KR" altLang="en-US" sz="2400" dirty="0" err="1">
-                <a:latin typeface="+mn-ea"/>
-              </a:rPr>
-              <a:t>모분산</a:t>
-            </a:r>
-            <a:r>
-              <a:rPr lang="ko-KR" altLang="en-US" sz="2400" dirty="0">
-                <a:latin typeface="+mn-ea"/>
-              </a:rPr>
-              <a:t> 기지</a:t>
-            </a:r>
-            <a:r>
-              <a:rPr lang="en-US" altLang="ko-KR" sz="2400" dirty="0">
-                <a:latin typeface="+mn-ea"/>
-              </a:rPr>
-              <a:t>)</a:t>
-            </a:r>
-            <a:r>
-              <a:rPr lang="ko-KR" altLang="en-US" sz="2000" dirty="0">
-                <a:latin typeface="+mn-ea"/>
-              </a:rPr>
-              <a:t>  </a:t>
-            </a:r>
-          </a:p>
-          <a:p>
-            <a:pPr marL="0" indent="0">
-              <a:buNone/>
-            </a:pPr>
-            <a:endParaRPr lang="en-US" altLang="ko-KR" sz="2400" dirty="0">
-              <a:latin typeface="+mn-ea"/>
-            </a:endParaRPr>
-          </a:p>
-          <a:p>
-            <a:pPr marL="0" lvl="1" indent="0" fontAlgn="auto">
-              <a:spcAft>
-                <a:spcPts val="0"/>
-              </a:spcAft>
-              <a:buFont typeface="Arial" pitchFamily="34" charset="0"/>
-              <a:buNone/>
-            </a:pPr>
-            <a:endParaRPr kumimoji="0" lang="en-US" altLang="ko-KR" sz="2400" dirty="0">
-              <a:latin typeface="+mn-ea"/>
-            </a:endParaRPr>
-          </a:p>
-        </p:txBody>
-      </p:sp>
-      <p:sp>
-        <p:nvSpPr>
-          <p:cNvPr id="8" name="모서리가 둥근 직사각형 7"/>
-          <p:cNvSpPr/>
-          <p:nvPr/>
-        </p:nvSpPr>
-        <p:spPr>
-          <a:xfrm>
-            <a:off x="476545" y="2708920"/>
-            <a:ext cx="8145905" cy="2340260"/>
-          </a:xfrm>
-          <a:prstGeom prst="roundRect">
-            <a:avLst>
-              <a:gd name="adj" fmla="val 8853"/>
-            </a:avLst>
-          </a:prstGeom>
-          <a:noFill/>
-          <a:ln w="38100">
-            <a:solidFill>
-              <a:schemeClr val="accent5">
-                <a:lumMod val="40000"/>
-                <a:lumOff val="60000"/>
-              </a:schemeClr>
-            </a:solidFill>
-          </a:ln>
-        </p:spPr>
-        <p:style>
-          <a:lnRef idx="2">
-            <a:schemeClr val="accent1">
-              <a:shade val="50000"/>
-            </a:schemeClr>
-          </a:lnRef>
-          <a:fillRef idx="1">
-            <a:schemeClr val="accent1"/>
-          </a:fillRef>
-          <a:effectRef idx="0">
-            <a:schemeClr val="accent1"/>
-          </a:effectRef>
-          <a:fontRef idx="minor">
-            <a:schemeClr val="lt1"/>
-          </a:fontRef>
-        </p:style>
-        <p:txBody>
-          <a:bodyPr rtlCol="0" anchor="ctr"/>
-          <a:lstStyle/>
-          <a:p>
-            <a:pPr algn="ctr"/>
-            <a:endParaRPr lang="ko-KR" altLang="en-US"/>
-          </a:p>
-        </p:txBody>
-      </p:sp>
-      <p:sp>
-        <p:nvSpPr>
-          <p:cNvPr id="10" name="TextBox 9"/>
-          <p:cNvSpPr txBox="1"/>
-          <p:nvPr/>
-        </p:nvSpPr>
-        <p:spPr>
-          <a:xfrm>
-            <a:off x="612193" y="5107291"/>
-            <a:ext cx="764452" cy="369332"/>
-          </a:xfrm>
-          <a:prstGeom prst="rect">
-            <a:avLst/>
-          </a:prstGeom>
-          <a:noFill/>
-        </p:spPr>
-        <p:txBody>
-          <a:bodyPr wrap="square" rtlCol="0">
-            <a:spAutoFit/>
-          </a:bodyPr>
-          <a:lstStyle/>
-          <a:p>
-            <a:r>
-              <a:rPr lang="en-US" altLang="ko-KR" dirty="0">
-                <a:latin typeface="+mn-ea"/>
-                <a:ea typeface="+mn-ea"/>
-              </a:rPr>
-              <a:t>[</a:t>
-            </a:r>
-            <a:r>
-              <a:rPr lang="ko-KR" altLang="en-US" dirty="0">
-                <a:latin typeface="+mn-ea"/>
-                <a:ea typeface="+mn-ea"/>
-              </a:rPr>
-              <a:t>증명</a:t>
-            </a:r>
-            <a:r>
-              <a:rPr lang="en-US" altLang="ko-KR" dirty="0">
-                <a:latin typeface="+mn-ea"/>
-                <a:ea typeface="+mn-ea"/>
-              </a:rPr>
-              <a:t>]</a:t>
-            </a:r>
-            <a:endParaRPr lang="ko-KR" altLang="en-US" dirty="0">
-              <a:latin typeface="+mn-ea"/>
-              <a:ea typeface="+mn-ea"/>
-            </a:endParaRPr>
-          </a:p>
-        </p:txBody>
-      </p:sp>
-      <p:pic>
-        <p:nvPicPr>
-          <p:cNvPr id="11" name="Picture 128"/>
-          <p:cNvPicPr>
-            <a:picLocks noChangeAspect="1" noChangeArrowheads="1"/>
-          </p:cNvPicPr>
-          <p:nvPr/>
-        </p:nvPicPr>
-        <p:blipFill>
-          <a:blip r:embed="rId5">
-            <a:extLst>
-              <a:ext uri="{28A0092B-C50C-407E-A947-70E740481C1C}">
-                <a14:useLocalDpi xmlns:a14="http://schemas.microsoft.com/office/drawing/2010/main" val="0"/>
-              </a:ext>
-            </a:extLst>
-          </a:blip>
-          <a:srcRect/>
-          <a:stretch>
-            <a:fillRect/>
-          </a:stretch>
-        </p:blipFill>
-        <p:spPr bwMode="auto">
-          <a:xfrm>
-            <a:off x="971600" y="3222640"/>
-            <a:ext cx="5741635" cy="1736530"/>
-          </a:xfrm>
-          <a:prstGeom prst="rect">
-            <a:avLst/>
-          </a:prstGeom>
-          <a:noFill/>
-          <a:ln>
-            <a:noFill/>
-          </a:ln>
-          <a:extLst>
-            <a:ext uri="{909E8E84-426E-40DD-AFC4-6F175D3DCCD1}">
-              <a14:hiddenFill xmlns:a14="http://schemas.microsoft.com/office/drawing/2010/main">
-                <a:solidFill>
-                  <a:schemeClr val="accent1"/>
-                </a:solidFill>
-              </a14:hiddenFill>
-            </a:ext>
-            <a:ext uri="{91240B29-F687-4F45-9708-019B960494DF}">
-              <a14:hiddenLine xmlns:a14="http://schemas.microsoft.com/office/drawing/2010/main" w="9525">
-                <a:solidFill>
-                  <a:schemeClr val="tx1"/>
-                </a:solidFill>
-                <a:miter lim="800000"/>
-                <a:headEnd/>
-                <a:tailEnd/>
-              </a14:hiddenLine>
-            </a:ext>
-          </a:extLst>
-        </p:spPr>
-      </p:pic>
-      <p:pic>
-        <p:nvPicPr>
-          <p:cNvPr id="12" name="Picture 129"/>
-          <p:cNvPicPr>
-            <a:picLocks noChangeAspect="1" noChangeArrowheads="1"/>
-          </p:cNvPicPr>
-          <p:nvPr/>
-        </p:nvPicPr>
-        <p:blipFill>
-          <a:blip r:embed="rId6">
-            <a:extLst>
-              <a:ext uri="{28A0092B-C50C-407E-A947-70E740481C1C}">
-                <a14:useLocalDpi xmlns:a14="http://schemas.microsoft.com/office/drawing/2010/main" val="0"/>
-              </a:ext>
-            </a:extLst>
-          </a:blip>
-          <a:srcRect/>
-          <a:stretch>
-            <a:fillRect/>
-          </a:stretch>
-        </p:blipFill>
-        <p:spPr bwMode="auto">
-          <a:xfrm>
-            <a:off x="1491087" y="5205573"/>
-            <a:ext cx="5106138" cy="1418782"/>
-          </a:xfrm>
-          <a:prstGeom prst="rect">
-            <a:avLst/>
-          </a:prstGeom>
-          <a:noFill/>
-          <a:ln>
-            <a:noFill/>
-          </a:ln>
-          <a:extLst>
-            <a:ext uri="{909E8E84-426E-40DD-AFC4-6F175D3DCCD1}">
-              <a14:hiddenFill xmlns:a14="http://schemas.microsoft.com/office/drawing/2010/main">
-                <a:solidFill>
-                  <a:schemeClr val="accent1"/>
-                </a:solidFill>
-              </a14:hiddenFill>
-            </a:ext>
-            <a:ext uri="{91240B29-F687-4F45-9708-019B960494DF}">
-              <a14:hiddenLine xmlns:a14="http://schemas.microsoft.com/office/drawing/2010/main" w="9525">
-                <a:solidFill>
-                  <a:schemeClr val="tx1"/>
-                </a:solidFill>
-                <a:miter lim="800000"/>
-                <a:headEnd/>
-                <a:tailEnd/>
-              </a14:hiddenLine>
-            </a:ext>
-          </a:extLst>
-        </p:spPr>
-      </p:pic>
-    </p:spTree>
-    <p:extLst>
-      <p:ext uri="{BB962C8B-B14F-4D97-AF65-F5344CB8AC3E}">
-        <p14:creationId xmlns:p14="http://schemas.microsoft.com/office/powerpoint/2010/main" val="362765814"/>
-      </p:ext>
-    </p:extLst>
-  </p:cSld>
-  <p:clrMapOvr>
-    <a:masterClrMapping/>
-  </p:clrMapOvr>
-</p:sld>
-</file>
-
-<file path=ppt/slides/slide33.xml><?xml version="1.0" encoding="utf-8"?>
-<p:sld xmlns:a="http://schemas.openxmlformats.org/drawingml/2006/main" xmlns:r="http://schemas.openxmlformats.org/officeDocument/2006/relationships" xmlns:p="http://schemas.openxmlformats.org/presentationml/2006/main">
-  <p:cSld>
-    <p:spTree>
-      <p:nvGrpSpPr>
-        <p:cNvPr id="1" name=""/>
-        <p:cNvGrpSpPr/>
-        <p:nvPr/>
-      </p:nvGrpSpPr>
-      <p:grpSpPr>
-        <a:xfrm>
-          <a:off x="0" y="0"/>
-          <a:ext cx="0" cy="0"/>
-          <a:chOff x="0" y="0"/>
-          <a:chExt cx="0" cy="0"/>
-        </a:xfrm>
-      </p:grpSpPr>
-      <p:sp>
-        <p:nvSpPr>
-          <p:cNvPr id="40" name="제목 1"/>
-          <p:cNvSpPr txBox="1">
-            <a:spLocks/>
-          </p:cNvSpPr>
-          <p:nvPr/>
-        </p:nvSpPr>
-        <p:spPr>
-          <a:xfrm>
-            <a:off x="476545" y="368660"/>
-            <a:ext cx="8289630" cy="765086"/>
-          </a:xfrm>
-          <a:prstGeom prst="rect">
-            <a:avLst/>
-          </a:prstGeom>
-        </p:spPr>
-        <p:txBody>
-          <a:bodyPr vert="horz" lIns="91440" tIns="45720" rIns="91440" bIns="45720" rtlCol="0" anchor="ctr">
-            <a:normAutofit/>
-          </a:bodyPr>
-          <a:lstStyle>
-            <a:lvl1pPr algn="l" defTabSz="914400" rtl="0" eaLnBrk="1" latinLnBrk="1" hangingPunct="1">
-              <a:spcBef>
-                <a:spcPct val="0"/>
-              </a:spcBef>
-              <a:buNone/>
-              <a:defRPr sz="3600" b="1" kern="1200">
-                <a:solidFill>
-                  <a:schemeClr val="tx1"/>
-                </a:solidFill>
-                <a:latin typeface="+mj-lt"/>
-                <a:ea typeface="+mj-ea"/>
-                <a:cs typeface="+mj-cs"/>
-              </a:defRPr>
-            </a:lvl1pPr>
-          </a:lstStyle>
-          <a:p>
-            <a:r>
-              <a:rPr lang="en-US" altLang="ko-KR" dirty="0"/>
-              <a:t>10.6 </a:t>
-            </a:r>
-            <a:r>
-              <a:rPr lang="ko-KR" altLang="en-US" dirty="0"/>
-              <a:t>검사특성곡선</a:t>
-            </a:r>
-          </a:p>
-        </p:txBody>
-      </p:sp>
-      <p:pic>
-        <p:nvPicPr>
-          <p:cNvPr id="4" name="Picture 146"/>
-          <p:cNvPicPr>
-            <a:picLocks noChangeAspect="1" noChangeArrowheads="1"/>
-          </p:cNvPicPr>
-          <p:nvPr/>
-        </p:nvPicPr>
-        <p:blipFill>
-          <a:blip r:embed="rId2">
-            <a:extLst>
-              <a:ext uri="{28A0092B-C50C-407E-A947-70E740481C1C}">
-                <a14:useLocalDpi xmlns:a14="http://schemas.microsoft.com/office/drawing/2010/main" val="0"/>
-              </a:ext>
-            </a:extLst>
-          </a:blip>
-          <a:srcRect/>
-          <a:stretch>
-            <a:fillRect/>
-          </a:stretch>
-        </p:blipFill>
-        <p:spPr bwMode="auto">
-          <a:xfrm>
-            <a:off x="971600" y="1335539"/>
-            <a:ext cx="5505024" cy="1688416"/>
-          </a:xfrm>
-          <a:prstGeom prst="rect">
-            <a:avLst/>
-          </a:prstGeom>
-          <a:noFill/>
-          <a:ln>
-            <a:noFill/>
-          </a:ln>
-          <a:extLst>
-            <a:ext uri="{909E8E84-426E-40DD-AFC4-6F175D3DCCD1}">
-              <a14:hiddenFill xmlns:a14="http://schemas.microsoft.com/office/drawing/2010/main">
-                <a:solidFill>
-                  <a:schemeClr val="accent1"/>
-                </a:solidFill>
-              </a14:hiddenFill>
-            </a:ext>
-            <a:ext uri="{91240B29-F687-4F45-9708-019B960494DF}">
-              <a14:hiddenLine xmlns:a14="http://schemas.microsoft.com/office/drawing/2010/main" w="9525">
-                <a:solidFill>
-                  <a:schemeClr val="tx1"/>
-                </a:solidFill>
-                <a:miter lim="800000"/>
-                <a:headEnd/>
-                <a:tailEnd/>
-              </a14:hiddenLine>
-            </a:ext>
-          </a:extLst>
-        </p:spPr>
-      </p:pic>
-      <p:pic>
-        <p:nvPicPr>
-          <p:cNvPr id="5" name="Picture 147"/>
-          <p:cNvPicPr>
-            <a:picLocks noChangeAspect="1" noChangeArrowheads="1"/>
-          </p:cNvPicPr>
-          <p:nvPr/>
-        </p:nvPicPr>
-        <p:blipFill>
-          <a:blip r:embed="rId3">
-            <a:extLst>
-              <a:ext uri="{28A0092B-C50C-407E-A947-70E740481C1C}">
-                <a14:useLocalDpi xmlns:a14="http://schemas.microsoft.com/office/drawing/2010/main" val="0"/>
-              </a:ext>
-            </a:extLst>
-          </a:blip>
-          <a:srcRect/>
-          <a:stretch>
-            <a:fillRect/>
-          </a:stretch>
-        </p:blipFill>
-        <p:spPr bwMode="auto">
-          <a:xfrm>
-            <a:off x="958717" y="3158970"/>
-            <a:ext cx="6808638" cy="2324518"/>
-          </a:xfrm>
-          <a:prstGeom prst="rect">
-            <a:avLst/>
-          </a:prstGeom>
-          <a:noFill/>
-          <a:ln>
-            <a:noFill/>
-          </a:ln>
-          <a:extLst>
-            <a:ext uri="{909E8E84-426E-40DD-AFC4-6F175D3DCCD1}">
-              <a14:hiddenFill xmlns:a14="http://schemas.microsoft.com/office/drawing/2010/main">
-                <a:solidFill>
-                  <a:schemeClr val="accent1"/>
-                </a:solidFill>
-              </a14:hiddenFill>
-            </a:ext>
-            <a:ext uri="{91240B29-F687-4F45-9708-019B960494DF}">
-              <a14:hiddenLine xmlns:a14="http://schemas.microsoft.com/office/drawing/2010/main" w="9525">
-                <a:solidFill>
-                  <a:schemeClr val="tx1"/>
-                </a:solidFill>
-                <a:miter lim="800000"/>
-                <a:headEnd/>
-                <a:tailEnd/>
-              </a14:hiddenLine>
-            </a:ext>
-          </a:extLst>
-        </p:spPr>
-      </p:pic>
-      <p:pic>
-        <p:nvPicPr>
-          <p:cNvPr id="6" name="Picture 148"/>
-          <p:cNvPicPr>
-            <a:picLocks noChangeAspect="1" noChangeArrowheads="1"/>
-          </p:cNvPicPr>
-          <p:nvPr/>
-        </p:nvPicPr>
-        <p:blipFill>
-          <a:blip r:embed="rId4">
-            <a:extLst>
-              <a:ext uri="{28A0092B-C50C-407E-A947-70E740481C1C}">
-                <a14:useLocalDpi xmlns:a14="http://schemas.microsoft.com/office/drawing/2010/main" val="0"/>
-              </a:ext>
-            </a:extLst>
-          </a:blip>
-          <a:srcRect/>
-          <a:stretch>
-            <a:fillRect/>
-          </a:stretch>
-        </p:blipFill>
-        <p:spPr bwMode="auto">
-          <a:xfrm>
-            <a:off x="1774238" y="5589240"/>
-            <a:ext cx="4372937" cy="628248"/>
-          </a:xfrm>
-          <a:prstGeom prst="rect">
-            <a:avLst/>
-          </a:prstGeom>
-          <a:noFill/>
-          <a:ln>
-            <a:noFill/>
-          </a:ln>
-          <a:extLst>
-            <a:ext uri="{909E8E84-426E-40DD-AFC4-6F175D3DCCD1}">
-              <a14:hiddenFill xmlns:a14="http://schemas.microsoft.com/office/drawing/2010/main">
-                <a:solidFill>
-                  <a:schemeClr val="accent1"/>
-                </a:solidFill>
-              </a14:hiddenFill>
-            </a:ext>
-            <a:ext uri="{91240B29-F687-4F45-9708-019B960494DF}">
-              <a14:hiddenLine xmlns:a14="http://schemas.microsoft.com/office/drawing/2010/main" w="9525">
-                <a:solidFill>
-                  <a:schemeClr val="tx1"/>
-                </a:solidFill>
-                <a:miter lim="800000"/>
-                <a:headEnd/>
-                <a:tailEnd/>
-              </a14:hiddenLine>
-            </a:ext>
-          </a:extLst>
-        </p:spPr>
-      </p:pic>
-    </p:spTree>
-    <p:extLst>
-      <p:ext uri="{BB962C8B-B14F-4D97-AF65-F5344CB8AC3E}">
-        <p14:creationId xmlns:p14="http://schemas.microsoft.com/office/powerpoint/2010/main" val="1702367373"/>
-      </p:ext>
-    </p:extLst>
-  </p:cSld>
-  <p:clrMapOvr>
-    <a:masterClrMapping/>
-  </p:clrMapOvr>
-</p:sld>
-</file>
-
-<file path=ppt/slides/slide34.xml><?xml version="1.0" encoding="utf-8"?>
-<p:sld xmlns:a="http://schemas.openxmlformats.org/drawingml/2006/main" xmlns:r="http://schemas.openxmlformats.org/officeDocument/2006/relationships" xmlns:p="http://schemas.openxmlformats.org/presentationml/2006/main">
-  <p:cSld>
-    <p:spTree>
-      <p:nvGrpSpPr>
-        <p:cNvPr id="1" name=""/>
-        <p:cNvGrpSpPr/>
-        <p:nvPr/>
-      </p:nvGrpSpPr>
-      <p:grpSpPr>
-        <a:xfrm>
-          <a:off x="0" y="0"/>
-          <a:ext cx="0" cy="0"/>
-          <a:chOff x="0" y="0"/>
-          <a:chExt cx="0" cy="0"/>
-        </a:xfrm>
-      </p:grpSpPr>
-      <p:sp>
-        <p:nvSpPr>
-          <p:cNvPr id="14339" name="내용 개체 틀 2"/>
-          <p:cNvSpPr>
-            <a:spLocks noGrp="1"/>
-          </p:cNvSpPr>
-          <p:nvPr>
-            <p:ph idx="4294967295"/>
-          </p:nvPr>
-        </p:nvSpPr>
-        <p:spPr>
-          <a:xfrm>
-            <a:off x="476545" y="1314450"/>
-            <a:ext cx="8415338" cy="4781550"/>
-          </a:xfrm>
-        </p:spPr>
-        <p:txBody>
-          <a:bodyPr>
-            <a:normAutofit/>
-          </a:bodyPr>
-          <a:lstStyle/>
-          <a:p>
-            <a:pPr marL="0" indent="0">
-              <a:buNone/>
-            </a:pPr>
-            <a:r>
-              <a:rPr lang="en-US" altLang="ko-KR" sz="2000" dirty="0"/>
-              <a:t>[</a:t>
-            </a:r>
-            <a:r>
-              <a:rPr lang="ko-KR" altLang="en-US" sz="2000" dirty="0"/>
-              <a:t>예 </a:t>
-            </a:r>
-            <a:r>
-              <a:rPr lang="en-US" altLang="ko-KR" sz="2000" dirty="0"/>
-              <a:t>10-25] </a:t>
-            </a:r>
-            <a:r>
-              <a:rPr lang="ko-KR" altLang="en-US" sz="2000" dirty="0" err="1"/>
-              <a:t>모분산</a:t>
-            </a:r>
-            <a:r>
-              <a:rPr lang="ko-KR" altLang="en-US" sz="2000" dirty="0"/>
-              <a:t> </a:t>
-            </a:r>
-            <a:r>
-              <a:rPr lang="en-US" altLang="ko-KR" sz="2000" dirty="0"/>
-              <a:t>25.0</a:t>
-            </a:r>
-            <a:r>
-              <a:rPr lang="ko-KR" altLang="en-US" sz="2000" dirty="0"/>
-              <a:t>인 정규 모집단</a:t>
-            </a:r>
-            <a:r>
-              <a:rPr lang="en-US" altLang="ko-KR" sz="2000" dirty="0"/>
-              <a:t>,</a:t>
-            </a:r>
-            <a:r>
-              <a:rPr lang="ko-KR" altLang="en-US" sz="2000" dirty="0"/>
-              <a:t> 가설 </a:t>
-            </a:r>
-            <a:r>
-              <a:rPr lang="en-US" altLang="ko-KR" sz="2000" dirty="0"/>
-              <a:t>H</a:t>
-            </a:r>
-            <a:r>
-              <a:rPr lang="en-US" altLang="ko-KR" sz="2000" baseline="-25000" dirty="0"/>
-              <a:t>0</a:t>
-            </a:r>
-            <a:r>
-              <a:rPr lang="en-US" altLang="ko-KR" sz="2000" dirty="0"/>
-              <a:t> : </a:t>
-            </a:r>
-            <a:r>
-              <a:rPr lang="el-GR" altLang="ko-KR" sz="2000" dirty="0"/>
-              <a:t>μ</a:t>
-            </a:r>
-            <a:r>
-              <a:rPr lang="en-US" altLang="ko-KR" sz="2000" dirty="0"/>
-              <a:t>=100, H</a:t>
-            </a:r>
-            <a:r>
-              <a:rPr lang="en-US" altLang="ko-KR" sz="2000" baseline="-25000" dirty="0"/>
-              <a:t>1</a:t>
-            </a:r>
-            <a:r>
-              <a:rPr lang="en-US" altLang="ko-KR" sz="2000" dirty="0"/>
-              <a:t> : </a:t>
-            </a:r>
-            <a:r>
-              <a:rPr lang="el-GR" altLang="ko-KR" sz="2000" dirty="0"/>
-              <a:t>μ</a:t>
-            </a:r>
-            <a:r>
-              <a:rPr lang="en-US" altLang="ko-KR" sz="2000" dirty="0"/>
-              <a:t>&gt;100</a:t>
-            </a:r>
-            <a:r>
-              <a:rPr lang="ko-KR" altLang="en-US" sz="2000" dirty="0"/>
-              <a:t>에 대하여 유의수준 </a:t>
-            </a:r>
-            <a:r>
-              <a:rPr lang="en-US" altLang="ko-KR" sz="2000" dirty="0"/>
-              <a:t>5%</a:t>
-            </a:r>
-            <a:r>
-              <a:rPr lang="ko-KR" altLang="en-US" sz="2000" dirty="0"/>
-              <a:t>에서 검정</a:t>
-            </a:r>
-            <a:r>
-              <a:rPr lang="en-US" altLang="ko-KR" sz="2000" dirty="0"/>
-              <a:t>, </a:t>
-            </a:r>
-            <a:r>
-              <a:rPr lang="ko-KR" altLang="en-US" sz="2000" dirty="0"/>
-              <a:t>표본 크기  </a:t>
-            </a:r>
-            <a:r>
-              <a:rPr lang="en-US" altLang="ko-KR" sz="2000" dirty="0"/>
-              <a:t>n=10, 30, 50, 100 </a:t>
-            </a:r>
-            <a:r>
-              <a:rPr lang="ko-KR" altLang="en-US" sz="2000" dirty="0"/>
-              <a:t>각각에 대하여 </a:t>
-            </a:r>
-            <a:r>
-              <a:rPr lang="en-US" altLang="ko-KR" sz="2000" dirty="0"/>
-              <a:t>(1) </a:t>
-            </a:r>
-            <a:r>
-              <a:rPr lang="ko-KR" altLang="en-US" sz="2000" dirty="0"/>
-              <a:t>모평균의 참값이 </a:t>
-            </a:r>
-            <a:r>
-              <a:rPr lang="en-US" altLang="ko-KR" sz="2000" dirty="0"/>
-              <a:t>102</a:t>
-            </a:r>
-            <a:r>
-              <a:rPr lang="ko-KR" altLang="en-US" sz="2000" dirty="0"/>
-              <a:t>일 때 </a:t>
-            </a:r>
-            <a:r>
-              <a:rPr lang="ko-KR" altLang="en-US" sz="2000" dirty="0" err="1"/>
-              <a:t>귀무가설이</a:t>
-            </a:r>
-            <a:r>
-              <a:rPr lang="ko-KR" altLang="en-US" sz="2000" dirty="0"/>
-              <a:t> 기각될 확률</a:t>
-            </a:r>
-            <a:r>
-              <a:rPr lang="en-US" altLang="ko-KR" sz="2000" dirty="0"/>
-              <a:t>, (2) </a:t>
-            </a:r>
-            <a:r>
-              <a:rPr lang="ko-KR" altLang="en-US" sz="2000" dirty="0" err="1"/>
-              <a:t>검정력함수를</a:t>
-            </a:r>
-            <a:r>
-              <a:rPr lang="ko-KR" altLang="en-US" sz="2000" dirty="0"/>
-              <a:t> 작성하여 해석</a:t>
-            </a:r>
-            <a:r>
-              <a:rPr lang="en-US" altLang="ko-KR" sz="2000" dirty="0"/>
-              <a:t>.</a:t>
-            </a:r>
-            <a:endParaRPr lang="ko-KR" altLang="en-US" sz="2000" dirty="0"/>
-          </a:p>
-        </p:txBody>
-      </p:sp>
-      <p:sp>
-        <p:nvSpPr>
-          <p:cNvPr id="40" name="제목 1"/>
-          <p:cNvSpPr txBox="1">
-            <a:spLocks/>
-          </p:cNvSpPr>
-          <p:nvPr/>
-        </p:nvSpPr>
-        <p:spPr>
-          <a:xfrm>
-            <a:off x="476545" y="368660"/>
-            <a:ext cx="8289630" cy="765086"/>
-          </a:xfrm>
-          <a:prstGeom prst="rect">
-            <a:avLst/>
-          </a:prstGeom>
-        </p:spPr>
-        <p:txBody>
-          <a:bodyPr vert="horz" lIns="91440" tIns="45720" rIns="91440" bIns="45720" rtlCol="0" anchor="ctr">
-            <a:normAutofit/>
-          </a:bodyPr>
-          <a:lstStyle>
-            <a:lvl1pPr algn="l" defTabSz="914400" rtl="0" eaLnBrk="1" latinLnBrk="1" hangingPunct="1">
-              <a:spcBef>
-                <a:spcPct val="0"/>
-              </a:spcBef>
-              <a:buNone/>
-              <a:defRPr sz="3600" b="1" kern="1200">
-                <a:solidFill>
-                  <a:schemeClr val="tx1"/>
-                </a:solidFill>
-                <a:latin typeface="+mj-lt"/>
-                <a:ea typeface="+mj-ea"/>
-                <a:cs typeface="+mj-cs"/>
-              </a:defRPr>
-            </a:lvl1pPr>
-          </a:lstStyle>
-          <a:p>
-            <a:r>
-              <a:rPr lang="en-US" altLang="ko-KR" dirty="0"/>
-              <a:t>6. </a:t>
-            </a:r>
-            <a:r>
-              <a:rPr lang="ko-KR" altLang="en-US" dirty="0"/>
-              <a:t>검사특성곡선</a:t>
-            </a:r>
-          </a:p>
-        </p:txBody>
-      </p:sp>
-      <p:pic>
-        <p:nvPicPr>
-          <p:cNvPr id="4" name="Picture 3"/>
-          <p:cNvPicPr>
-            <a:picLocks noChangeAspect="1" noChangeArrowheads="1"/>
-          </p:cNvPicPr>
-          <p:nvPr/>
-        </p:nvPicPr>
-        <p:blipFill>
-          <a:blip r:embed="rId2">
-            <a:extLst>
-              <a:ext uri="{28A0092B-C50C-407E-A947-70E740481C1C}">
-                <a14:useLocalDpi xmlns:a14="http://schemas.microsoft.com/office/drawing/2010/main" val="0"/>
-              </a:ext>
-            </a:extLst>
-          </a:blip>
-          <a:srcRect/>
-          <a:stretch>
-            <a:fillRect/>
-          </a:stretch>
-        </p:blipFill>
-        <p:spPr bwMode="auto">
-          <a:xfrm>
-            <a:off x="1828323" y="4734144"/>
-            <a:ext cx="5667375" cy="323850"/>
-          </a:xfrm>
-          <a:prstGeom prst="rect">
-            <a:avLst/>
-          </a:prstGeom>
-          <a:noFill/>
-          <a:ln>
-            <a:noFill/>
-          </a:ln>
-          <a:extLst>
-            <a:ext uri="{909E8E84-426E-40DD-AFC4-6F175D3DCCD1}">
-              <a14:hiddenFill xmlns:a14="http://schemas.microsoft.com/office/drawing/2010/main">
-                <a:solidFill>
-                  <a:schemeClr val="accent1"/>
-                </a:solidFill>
-              </a14:hiddenFill>
-            </a:ext>
-            <a:ext uri="{91240B29-F687-4F45-9708-019B960494DF}">
-              <a14:hiddenLine xmlns:a14="http://schemas.microsoft.com/office/drawing/2010/main" w="9525">
-                <a:solidFill>
-                  <a:schemeClr val="tx1"/>
-                </a:solidFill>
-                <a:miter lim="800000"/>
-                <a:headEnd/>
-                <a:tailEnd/>
-              </a14:hiddenLine>
-            </a:ext>
-          </a:extLst>
-        </p:spPr>
-      </p:pic>
-      <p:pic>
-        <p:nvPicPr>
-          <p:cNvPr id="5" name="Picture 4"/>
-          <p:cNvPicPr>
-            <a:picLocks noChangeAspect="1" noChangeArrowheads="1"/>
-          </p:cNvPicPr>
-          <p:nvPr/>
-        </p:nvPicPr>
-        <p:blipFill>
-          <a:blip r:embed="rId3">
-            <a:extLst>
-              <a:ext uri="{28A0092B-C50C-407E-A947-70E740481C1C}">
-                <a14:useLocalDpi xmlns:a14="http://schemas.microsoft.com/office/drawing/2010/main" val="0"/>
-              </a:ext>
-            </a:extLst>
-          </a:blip>
-          <a:srcRect/>
-          <a:stretch>
-            <a:fillRect/>
-          </a:stretch>
-        </p:blipFill>
-        <p:spPr bwMode="auto">
-          <a:xfrm>
-            <a:off x="1805229" y="5141809"/>
-            <a:ext cx="5953125" cy="276225"/>
-          </a:xfrm>
-          <a:prstGeom prst="rect">
-            <a:avLst/>
-          </a:prstGeom>
-          <a:noFill/>
-          <a:ln>
-            <a:noFill/>
-          </a:ln>
-          <a:extLst>
-            <a:ext uri="{909E8E84-426E-40DD-AFC4-6F175D3DCCD1}">
-              <a14:hiddenFill xmlns:a14="http://schemas.microsoft.com/office/drawing/2010/main">
-                <a:solidFill>
-                  <a:schemeClr val="accent1"/>
-                </a:solidFill>
-              </a14:hiddenFill>
-            </a:ext>
-            <a:ext uri="{91240B29-F687-4F45-9708-019B960494DF}">
-              <a14:hiddenLine xmlns:a14="http://schemas.microsoft.com/office/drawing/2010/main" w="9525">
-                <a:solidFill>
-                  <a:schemeClr val="tx1"/>
-                </a:solidFill>
-                <a:miter lim="800000"/>
-                <a:headEnd/>
-                <a:tailEnd/>
-              </a14:hiddenLine>
-            </a:ext>
-          </a:extLst>
-        </p:spPr>
-      </p:pic>
-      <p:pic>
-        <p:nvPicPr>
-          <p:cNvPr id="6" name="Picture 5"/>
-          <p:cNvPicPr>
-            <a:picLocks noChangeAspect="1" noChangeArrowheads="1"/>
-          </p:cNvPicPr>
-          <p:nvPr/>
-        </p:nvPicPr>
-        <p:blipFill>
-          <a:blip r:embed="rId4">
-            <a:extLst>
-              <a:ext uri="{28A0092B-C50C-407E-A947-70E740481C1C}">
-                <a14:useLocalDpi xmlns:a14="http://schemas.microsoft.com/office/drawing/2010/main" val="0"/>
-              </a:ext>
-            </a:extLst>
-          </a:blip>
-          <a:srcRect/>
-          <a:stretch>
-            <a:fillRect/>
-          </a:stretch>
-        </p:blipFill>
-        <p:spPr bwMode="auto">
-          <a:xfrm>
-            <a:off x="1786179" y="5511374"/>
-            <a:ext cx="5972175" cy="266700"/>
-          </a:xfrm>
-          <a:prstGeom prst="rect">
-            <a:avLst/>
-          </a:prstGeom>
-          <a:noFill/>
-          <a:ln>
-            <a:noFill/>
-          </a:ln>
-          <a:extLst>
-            <a:ext uri="{909E8E84-426E-40DD-AFC4-6F175D3DCCD1}">
-              <a14:hiddenFill xmlns:a14="http://schemas.microsoft.com/office/drawing/2010/main">
-                <a:solidFill>
-                  <a:schemeClr val="accent1"/>
-                </a:solidFill>
-              </a14:hiddenFill>
-            </a:ext>
-            <a:ext uri="{91240B29-F687-4F45-9708-019B960494DF}">
-              <a14:hiddenLine xmlns:a14="http://schemas.microsoft.com/office/drawing/2010/main" w="9525">
-                <a:solidFill>
-                  <a:schemeClr val="tx1"/>
-                </a:solidFill>
-                <a:miter lim="800000"/>
-                <a:headEnd/>
-                <a:tailEnd/>
-              </a14:hiddenLine>
-            </a:ext>
-          </a:extLst>
-        </p:spPr>
-      </p:pic>
-      <p:pic>
-        <p:nvPicPr>
-          <p:cNvPr id="7" name="Picture 6"/>
-          <p:cNvPicPr>
-            <a:picLocks noChangeAspect="1" noChangeArrowheads="1"/>
-          </p:cNvPicPr>
-          <p:nvPr/>
-        </p:nvPicPr>
-        <p:blipFill>
-          <a:blip r:embed="rId5">
-            <a:extLst>
-              <a:ext uri="{28A0092B-C50C-407E-A947-70E740481C1C}">
-                <a14:useLocalDpi xmlns:a14="http://schemas.microsoft.com/office/drawing/2010/main" val="0"/>
-              </a:ext>
-            </a:extLst>
-          </a:blip>
-          <a:srcRect/>
-          <a:stretch>
-            <a:fillRect/>
-          </a:stretch>
-        </p:blipFill>
-        <p:spPr bwMode="auto">
-          <a:xfrm>
-            <a:off x="1781690" y="5861889"/>
-            <a:ext cx="6057900" cy="276225"/>
-          </a:xfrm>
-          <a:prstGeom prst="rect">
-            <a:avLst/>
-          </a:prstGeom>
-          <a:noFill/>
-          <a:ln>
-            <a:noFill/>
-          </a:ln>
-          <a:extLst>
-            <a:ext uri="{909E8E84-426E-40DD-AFC4-6F175D3DCCD1}">
-              <a14:hiddenFill xmlns:a14="http://schemas.microsoft.com/office/drawing/2010/main">
-                <a:solidFill>
-                  <a:schemeClr val="accent1"/>
-                </a:solidFill>
-              </a14:hiddenFill>
-            </a:ext>
-            <a:ext uri="{91240B29-F687-4F45-9708-019B960494DF}">
-              <a14:hiddenLine xmlns:a14="http://schemas.microsoft.com/office/drawing/2010/main" w="9525">
-                <a:solidFill>
-                  <a:schemeClr val="tx1"/>
-                </a:solidFill>
-                <a:miter lim="800000"/>
-                <a:headEnd/>
-                <a:tailEnd/>
-              </a14:hiddenLine>
-            </a:ext>
-          </a:extLst>
-        </p:spPr>
-      </p:pic>
-      <p:sp>
-        <p:nvSpPr>
-          <p:cNvPr id="8" name="TextBox 7"/>
-          <p:cNvSpPr txBox="1"/>
-          <p:nvPr/>
-        </p:nvSpPr>
-        <p:spPr>
-          <a:xfrm>
-            <a:off x="1786179" y="6174304"/>
-            <a:ext cx="7196311" cy="338554"/>
-          </a:xfrm>
-          <a:prstGeom prst="rect">
-            <a:avLst/>
-          </a:prstGeom>
-          <a:noFill/>
-        </p:spPr>
-        <p:txBody>
-          <a:bodyPr wrap="square" rtlCol="0">
-            <a:spAutoFit/>
-          </a:bodyPr>
-          <a:lstStyle/>
-          <a:p>
-            <a:r>
-              <a:rPr lang="en-US" altLang="ko-KR" sz="1600" b="1" dirty="0">
-                <a:latin typeface="+mn-ea"/>
-                <a:ea typeface="+mn-ea"/>
-                <a:sym typeface="Wingdings" panose="05000000000000000000" pitchFamily="2" charset="2"/>
-              </a:rPr>
-              <a:t> </a:t>
-            </a:r>
-            <a:r>
-              <a:rPr lang="ko-KR" altLang="en-US" sz="1600" b="1" dirty="0">
-                <a:latin typeface="+mn-ea"/>
-                <a:ea typeface="+mn-ea"/>
-                <a:sym typeface="Wingdings" panose="05000000000000000000" pitchFamily="2" charset="2"/>
-              </a:rPr>
-              <a:t>표본 크기가 증가할수록 </a:t>
-            </a:r>
-            <a:r>
-              <a:rPr lang="ko-KR" altLang="en-US" sz="1600" b="1" dirty="0" err="1">
-                <a:latin typeface="+mn-ea"/>
-                <a:ea typeface="+mn-ea"/>
-                <a:sym typeface="Wingdings" panose="05000000000000000000" pitchFamily="2" charset="2"/>
-              </a:rPr>
-              <a:t>검정력이</a:t>
-            </a:r>
-            <a:r>
-              <a:rPr lang="ko-KR" altLang="en-US" sz="1600" b="1" dirty="0">
-                <a:latin typeface="+mn-ea"/>
-                <a:ea typeface="+mn-ea"/>
-                <a:sym typeface="Wingdings" panose="05000000000000000000" pitchFamily="2" charset="2"/>
-              </a:rPr>
-              <a:t> 커짐</a:t>
-            </a:r>
-            <a:endParaRPr lang="ko-KR" altLang="en-US" sz="1600" b="1" dirty="0">
-              <a:latin typeface="+mn-ea"/>
-              <a:ea typeface="+mn-ea"/>
-            </a:endParaRPr>
-          </a:p>
-        </p:txBody>
-      </p:sp>
-      <p:sp>
-        <p:nvSpPr>
-          <p:cNvPr id="9" name="직사각형 8"/>
-          <p:cNvSpPr/>
-          <p:nvPr/>
-        </p:nvSpPr>
-        <p:spPr>
-          <a:xfrm>
-            <a:off x="701570" y="2746374"/>
-            <a:ext cx="7740860" cy="3832976"/>
-          </a:xfrm>
-          <a:prstGeom prst="rect">
-            <a:avLst/>
-          </a:prstGeom>
-          <a:noFill/>
-          <a:ln>
-            <a:solidFill>
-              <a:srgbClr val="00B0F0"/>
-            </a:solidFill>
-          </a:ln>
-        </p:spPr>
-        <p:style>
-          <a:lnRef idx="2">
-            <a:schemeClr val="accent1">
-              <a:shade val="50000"/>
-            </a:schemeClr>
-          </a:lnRef>
-          <a:fillRef idx="1">
-            <a:schemeClr val="accent1"/>
-          </a:fillRef>
-          <a:effectRef idx="0">
-            <a:schemeClr val="accent1"/>
-          </a:effectRef>
-          <a:fontRef idx="minor">
-            <a:schemeClr val="lt1"/>
-          </a:fontRef>
-        </p:style>
-        <p:txBody>
-          <a:bodyPr rtlCol="0" anchor="ctr"/>
-          <a:lstStyle/>
-          <a:p>
-            <a:pPr algn="ctr"/>
-            <a:endParaRPr lang="ko-KR" altLang="en-US"/>
-          </a:p>
-        </p:txBody>
-      </p:sp>
-      <p:pic>
-        <p:nvPicPr>
-          <p:cNvPr id="10" name="Picture 56"/>
-          <p:cNvPicPr>
-            <a:picLocks noChangeAspect="1" noChangeArrowheads="1"/>
-          </p:cNvPicPr>
-          <p:nvPr/>
-        </p:nvPicPr>
-        <p:blipFill>
-          <a:blip r:embed="rId6">
-            <a:extLst>
-              <a:ext uri="{28A0092B-C50C-407E-A947-70E740481C1C}">
-                <a14:useLocalDpi xmlns:a14="http://schemas.microsoft.com/office/drawing/2010/main" val="0"/>
-              </a:ext>
-            </a:extLst>
-          </a:blip>
-          <a:srcRect/>
-          <a:stretch>
-            <a:fillRect/>
-          </a:stretch>
-        </p:blipFill>
-        <p:spPr bwMode="auto">
-          <a:xfrm>
-            <a:off x="1300601" y="2843934"/>
-            <a:ext cx="5521649" cy="1834886"/>
-          </a:xfrm>
-          <a:prstGeom prst="rect">
-            <a:avLst/>
-          </a:prstGeom>
-          <a:noFill/>
-          <a:ln>
-            <a:noFill/>
-          </a:ln>
-          <a:extLst>
-            <a:ext uri="{909E8E84-426E-40DD-AFC4-6F175D3DCCD1}">
-              <a14:hiddenFill xmlns:a14="http://schemas.microsoft.com/office/drawing/2010/main">
-                <a:solidFill>
-                  <a:schemeClr val="accent1"/>
-                </a:solidFill>
-              </a14:hiddenFill>
-            </a:ext>
-            <a:ext uri="{91240B29-F687-4F45-9708-019B960494DF}">
-              <a14:hiddenLine xmlns:a14="http://schemas.microsoft.com/office/drawing/2010/main" w="9525">
-                <a:solidFill>
-                  <a:schemeClr val="tx1"/>
-                </a:solidFill>
-                <a:miter lim="800000"/>
-                <a:headEnd/>
-                <a:tailEnd/>
-              </a14:hiddenLine>
-            </a:ext>
-          </a:extLst>
-        </p:spPr>
-      </p:pic>
-    </p:spTree>
-    <p:extLst>
-      <p:ext uri="{BB962C8B-B14F-4D97-AF65-F5344CB8AC3E}">
-        <p14:creationId xmlns:p14="http://schemas.microsoft.com/office/powerpoint/2010/main" val="4279660095"/>
-      </p:ext>
-    </p:extLst>
-  </p:cSld>
-  <p:clrMapOvr>
-    <a:masterClrMapping/>
-  </p:clrMapOvr>
-</p:sld>
-</file>
-
-<file path=ppt/slides/slide35.xml><?xml version="1.0" encoding="utf-8"?>
-<p:sld xmlns:a="http://schemas.openxmlformats.org/drawingml/2006/main" xmlns:r="http://schemas.openxmlformats.org/officeDocument/2006/relationships" xmlns:p="http://schemas.openxmlformats.org/presentationml/2006/main">
-  <p:cSld>
-    <p:spTree>
-      <p:nvGrpSpPr>
-        <p:cNvPr id="1" name=""/>
-        <p:cNvGrpSpPr/>
-        <p:nvPr/>
-      </p:nvGrpSpPr>
-      <p:grpSpPr>
-        <a:xfrm>
-          <a:off x="0" y="0"/>
-          <a:ext cx="0" cy="0"/>
-          <a:chOff x="0" y="0"/>
-          <a:chExt cx="0" cy="0"/>
-        </a:xfrm>
-      </p:grpSpPr>
-      <p:pic>
-        <p:nvPicPr>
-          <p:cNvPr id="4" name="그림 3"/>
-          <p:cNvPicPr>
-            <a:picLocks noChangeAspect="1"/>
-          </p:cNvPicPr>
-          <p:nvPr/>
-        </p:nvPicPr>
-        <p:blipFill>
-          <a:blip r:embed="rId2">
-            <a:extLst>
-              <a:ext uri="{28A0092B-C50C-407E-A947-70E740481C1C}">
-                <a14:useLocalDpi xmlns:a14="http://schemas.microsoft.com/office/drawing/2010/main" val="0"/>
-              </a:ext>
-            </a:extLst>
-          </a:blip>
-          <a:stretch>
-            <a:fillRect/>
-          </a:stretch>
-        </p:blipFill>
-        <p:spPr>
-          <a:xfrm>
-            <a:off x="982947" y="307423"/>
-            <a:ext cx="7261461" cy="6217921"/>
-          </a:xfrm>
-          <a:prstGeom prst="rect">
-            <a:avLst/>
-          </a:prstGeom>
-          <a:ln>
-            <a:noFill/>
-          </a:ln>
-        </p:spPr>
-      </p:pic>
-    </p:spTree>
-    <p:extLst>
-      <p:ext uri="{BB962C8B-B14F-4D97-AF65-F5344CB8AC3E}">
-        <p14:creationId xmlns:p14="http://schemas.microsoft.com/office/powerpoint/2010/main" val="1419718628"/>
-      </p:ext>
-    </p:extLst>
-  </p:cSld>
-  <p:clrMapOvr>
-    <a:masterClrMapping/>
-  </p:clrMapOvr>
-</p:sld>
-</file>
-
-<file path=ppt/slides/slide36.xml><?xml version="1.0" encoding="utf-8"?>
-<p:sld xmlns:a="http://schemas.openxmlformats.org/drawingml/2006/main" xmlns:r="http://schemas.openxmlformats.org/officeDocument/2006/relationships" xmlns:p="http://schemas.openxmlformats.org/presentationml/2006/main">
-  <p:cSld>
-    <p:spTree>
-      <p:nvGrpSpPr>
-        <p:cNvPr id="1" name=""/>
-        <p:cNvGrpSpPr/>
-        <p:nvPr/>
-      </p:nvGrpSpPr>
-      <p:grpSpPr>
-        <a:xfrm>
-          <a:off x="0" y="0"/>
-          <a:ext cx="0" cy="0"/>
-          <a:chOff x="0" y="0"/>
-          <a:chExt cx="0" cy="0"/>
-        </a:xfrm>
-      </p:grpSpPr>
-      <p:sp>
-        <p:nvSpPr>
-          <p:cNvPr id="14339" name="내용 개체 틀 2"/>
-          <p:cNvSpPr>
-            <a:spLocks noGrp="1"/>
-          </p:cNvSpPr>
-          <p:nvPr>
-            <p:ph idx="4294967295"/>
-          </p:nvPr>
-        </p:nvSpPr>
-        <p:spPr>
-          <a:xfrm>
-            <a:off x="476545" y="1314450"/>
-            <a:ext cx="8415338" cy="4781550"/>
-          </a:xfrm>
-        </p:spPr>
-        <p:txBody>
-          <a:bodyPr>
-            <a:normAutofit/>
-          </a:bodyPr>
-          <a:lstStyle/>
-          <a:p>
-            <a:pPr marL="0" indent="0">
-              <a:buNone/>
-            </a:pPr>
-            <a:r>
-              <a:rPr lang="en-US" altLang="ko-KR" sz="2000" dirty="0"/>
-              <a:t>[</a:t>
-            </a:r>
-            <a:r>
-              <a:rPr lang="ko-KR" altLang="en-US" sz="2000" dirty="0"/>
-              <a:t>예 </a:t>
-            </a:r>
-            <a:r>
-              <a:rPr lang="en-US" altLang="ko-KR" sz="2000" dirty="0"/>
-              <a:t>10-26] </a:t>
-            </a:r>
-            <a:r>
-              <a:rPr lang="ko-KR" altLang="en-US" sz="2000" dirty="0" err="1"/>
-              <a:t>모분산</a:t>
-            </a:r>
-            <a:r>
-              <a:rPr lang="ko-KR" altLang="en-US" sz="2000" dirty="0"/>
-              <a:t> </a:t>
-            </a:r>
-            <a:r>
-              <a:rPr lang="en-US" altLang="ko-KR" sz="2000" dirty="0"/>
-              <a:t>25.0</a:t>
-            </a:r>
-            <a:r>
-              <a:rPr lang="ko-KR" altLang="en-US" sz="2000" dirty="0"/>
-              <a:t>인 정규 모집단</a:t>
-            </a:r>
-            <a:r>
-              <a:rPr lang="en-US" altLang="ko-KR" sz="2000" dirty="0"/>
-              <a:t>, H</a:t>
-            </a:r>
-            <a:r>
-              <a:rPr lang="en-US" altLang="ko-KR" sz="2000" baseline="-25000" dirty="0"/>
-              <a:t>0</a:t>
-            </a:r>
-            <a:r>
-              <a:rPr lang="en-US" altLang="ko-KR" sz="2000" dirty="0"/>
-              <a:t> : </a:t>
-            </a:r>
-            <a:r>
-              <a:rPr lang="el-GR" altLang="ko-KR" sz="2000" dirty="0"/>
-              <a:t>μ</a:t>
-            </a:r>
-            <a:r>
-              <a:rPr lang="en-US" altLang="ko-KR" sz="2000" dirty="0"/>
-              <a:t>=100, H</a:t>
-            </a:r>
-            <a:r>
-              <a:rPr lang="en-US" altLang="ko-KR" sz="2000" baseline="-25000" dirty="0"/>
-              <a:t>1</a:t>
-            </a:r>
-            <a:r>
-              <a:rPr lang="en-US" altLang="ko-KR" sz="2000" dirty="0"/>
-              <a:t> : </a:t>
-            </a:r>
-            <a:r>
-              <a:rPr lang="el-GR" altLang="ko-KR" sz="2000" dirty="0"/>
-              <a:t>μ≠</a:t>
-            </a:r>
-            <a:r>
-              <a:rPr lang="en-US" altLang="ko-KR" sz="2000" dirty="0"/>
-              <a:t>100 </a:t>
-            </a:r>
-            <a:r>
-              <a:rPr lang="ko-KR" altLang="en-US" sz="2000" dirty="0"/>
-              <a:t>에 대하여 유의수준 </a:t>
-            </a:r>
-            <a:r>
-              <a:rPr lang="en-US" altLang="ko-KR" sz="2000" dirty="0"/>
-              <a:t>5%</a:t>
-            </a:r>
-            <a:r>
-              <a:rPr lang="ko-KR" altLang="en-US" sz="2000" dirty="0"/>
-              <a:t>에서 검정</a:t>
-            </a:r>
-            <a:r>
-              <a:rPr lang="en-US" altLang="ko-KR" sz="2000" dirty="0"/>
-              <a:t>, </a:t>
-            </a:r>
-            <a:r>
-              <a:rPr lang="ko-KR" altLang="en-US" sz="2000" dirty="0"/>
-              <a:t>표본 크기 </a:t>
-            </a:r>
-            <a:r>
-              <a:rPr lang="en-US" altLang="ko-KR" sz="2000" dirty="0"/>
-              <a:t>n=10, 30, 50, 100</a:t>
-            </a:r>
-            <a:r>
-              <a:rPr lang="ko-KR" altLang="en-US" sz="2000" dirty="0"/>
-              <a:t> 각각에 대하여</a:t>
-            </a:r>
-            <a:r>
-              <a:rPr lang="en-US" altLang="ko-KR" sz="2000" dirty="0"/>
-              <a:t> (1) </a:t>
-            </a:r>
-            <a:r>
-              <a:rPr lang="ko-KR" altLang="en-US" sz="2000" dirty="0"/>
-              <a:t>모평균의 참값이 </a:t>
-            </a:r>
-            <a:r>
-              <a:rPr lang="en-US" altLang="ko-KR" sz="2000" dirty="0"/>
-              <a:t>102</a:t>
-            </a:r>
-            <a:r>
-              <a:rPr lang="ko-KR" altLang="en-US" sz="2000" dirty="0"/>
-              <a:t>일 때 </a:t>
-            </a:r>
-            <a:r>
-              <a:rPr lang="ko-KR" altLang="en-US" sz="2000" dirty="0" err="1"/>
-              <a:t>귀무가설이</a:t>
-            </a:r>
-            <a:r>
-              <a:rPr lang="ko-KR" altLang="en-US" sz="2000" dirty="0"/>
-              <a:t> 기각될 확률</a:t>
-            </a:r>
-            <a:r>
-              <a:rPr lang="en-US" altLang="ko-KR" sz="2000" dirty="0"/>
-              <a:t>, (2) </a:t>
-            </a:r>
-            <a:r>
-              <a:rPr lang="ko-KR" altLang="en-US" sz="2000" dirty="0" err="1"/>
-              <a:t>검정력함수를</a:t>
-            </a:r>
-            <a:r>
-              <a:rPr lang="ko-KR" altLang="en-US" sz="2000" dirty="0"/>
-              <a:t> 작성하여 해석</a:t>
-            </a:r>
-            <a:r>
-              <a:rPr lang="en-US" altLang="ko-KR" sz="2000" dirty="0"/>
-              <a:t>.</a:t>
-            </a:r>
-            <a:endParaRPr lang="ko-KR" altLang="en-US" sz="2000" dirty="0"/>
-          </a:p>
-        </p:txBody>
-      </p:sp>
-      <p:sp>
-        <p:nvSpPr>
-          <p:cNvPr id="40" name="제목 1"/>
-          <p:cNvSpPr txBox="1">
-            <a:spLocks/>
-          </p:cNvSpPr>
-          <p:nvPr/>
-        </p:nvSpPr>
-        <p:spPr>
-          <a:xfrm>
-            <a:off x="476545" y="368660"/>
-            <a:ext cx="8289630" cy="765086"/>
-          </a:xfrm>
-          <a:prstGeom prst="rect">
-            <a:avLst/>
-          </a:prstGeom>
-        </p:spPr>
-        <p:txBody>
-          <a:bodyPr vert="horz" lIns="91440" tIns="45720" rIns="91440" bIns="45720" rtlCol="0" anchor="ctr">
-            <a:normAutofit/>
-          </a:bodyPr>
-          <a:lstStyle>
-            <a:lvl1pPr algn="l" defTabSz="914400" rtl="0" eaLnBrk="1" latinLnBrk="1" hangingPunct="1">
-              <a:spcBef>
-                <a:spcPct val="0"/>
-              </a:spcBef>
-              <a:buNone/>
-              <a:defRPr sz="3600" b="1" kern="1200">
-                <a:solidFill>
-                  <a:schemeClr val="tx1"/>
-                </a:solidFill>
-                <a:latin typeface="+mj-lt"/>
-                <a:ea typeface="+mj-ea"/>
-                <a:cs typeface="+mj-cs"/>
-              </a:defRPr>
-            </a:lvl1pPr>
-          </a:lstStyle>
-          <a:p>
-            <a:r>
-              <a:rPr lang="en-US" altLang="ko-KR" dirty="0"/>
-              <a:t>6. </a:t>
-            </a:r>
-            <a:r>
-              <a:rPr lang="ko-KR" altLang="en-US" dirty="0"/>
-              <a:t>검사특성곡선</a:t>
-            </a:r>
-          </a:p>
-        </p:txBody>
-      </p:sp>
-      <p:pic>
-        <p:nvPicPr>
-          <p:cNvPr id="4" name="Picture 4"/>
-          <p:cNvPicPr>
-            <a:picLocks noChangeAspect="1" noChangeArrowheads="1"/>
-          </p:cNvPicPr>
-          <p:nvPr/>
-        </p:nvPicPr>
-        <p:blipFill>
-          <a:blip r:embed="rId2">
-            <a:extLst>
-              <a:ext uri="{28A0092B-C50C-407E-A947-70E740481C1C}">
-                <a14:useLocalDpi xmlns:a14="http://schemas.microsoft.com/office/drawing/2010/main" val="0"/>
-              </a:ext>
-            </a:extLst>
-          </a:blip>
-          <a:srcRect/>
-          <a:stretch>
-            <a:fillRect/>
-          </a:stretch>
-        </p:blipFill>
-        <p:spPr bwMode="auto">
-          <a:xfrm>
-            <a:off x="1615711" y="4642225"/>
-            <a:ext cx="5857875" cy="361950"/>
-          </a:xfrm>
-          <a:prstGeom prst="rect">
-            <a:avLst/>
-          </a:prstGeom>
-          <a:noFill/>
-          <a:ln>
-            <a:noFill/>
-          </a:ln>
-          <a:extLst>
-            <a:ext uri="{909E8E84-426E-40DD-AFC4-6F175D3DCCD1}">
-              <a14:hiddenFill xmlns:a14="http://schemas.microsoft.com/office/drawing/2010/main">
-                <a:solidFill>
-                  <a:schemeClr val="accent1"/>
-                </a:solidFill>
-              </a14:hiddenFill>
-            </a:ext>
-            <a:ext uri="{91240B29-F687-4F45-9708-019B960494DF}">
-              <a14:hiddenLine xmlns:a14="http://schemas.microsoft.com/office/drawing/2010/main" w="9525">
-                <a:solidFill>
-                  <a:schemeClr val="tx1"/>
-                </a:solidFill>
-                <a:miter lim="800000"/>
-                <a:headEnd/>
-                <a:tailEnd/>
-              </a14:hiddenLine>
-            </a:ext>
-          </a:extLst>
-        </p:spPr>
-      </p:pic>
-      <p:pic>
-        <p:nvPicPr>
-          <p:cNvPr id="5" name="Picture 5"/>
-          <p:cNvPicPr>
-            <a:picLocks noChangeAspect="1" noChangeArrowheads="1"/>
-          </p:cNvPicPr>
-          <p:nvPr/>
-        </p:nvPicPr>
-        <p:blipFill>
-          <a:blip r:embed="rId3">
-            <a:extLst>
-              <a:ext uri="{28A0092B-C50C-407E-A947-70E740481C1C}">
-                <a14:useLocalDpi xmlns:a14="http://schemas.microsoft.com/office/drawing/2010/main" val="0"/>
-              </a:ext>
-            </a:extLst>
-          </a:blip>
-          <a:srcRect/>
-          <a:stretch>
-            <a:fillRect/>
-          </a:stretch>
-        </p:blipFill>
-        <p:spPr bwMode="auto">
-          <a:xfrm>
-            <a:off x="1577959" y="5052664"/>
-            <a:ext cx="6000750" cy="361950"/>
-          </a:xfrm>
-          <a:prstGeom prst="rect">
-            <a:avLst/>
-          </a:prstGeom>
-          <a:noFill/>
-          <a:ln>
-            <a:noFill/>
-          </a:ln>
-          <a:extLst>
-            <a:ext uri="{909E8E84-426E-40DD-AFC4-6F175D3DCCD1}">
-              <a14:hiddenFill xmlns:a14="http://schemas.microsoft.com/office/drawing/2010/main">
-                <a:solidFill>
-                  <a:schemeClr val="accent1"/>
-                </a:solidFill>
-              </a14:hiddenFill>
-            </a:ext>
-            <a:ext uri="{91240B29-F687-4F45-9708-019B960494DF}">
-              <a14:hiddenLine xmlns:a14="http://schemas.microsoft.com/office/drawing/2010/main" w="9525">
-                <a:solidFill>
-                  <a:schemeClr val="tx1"/>
-                </a:solidFill>
-                <a:miter lim="800000"/>
-                <a:headEnd/>
-                <a:tailEnd/>
-              </a14:hiddenLine>
-            </a:ext>
-          </a:extLst>
-        </p:spPr>
-      </p:pic>
-      <p:pic>
-        <p:nvPicPr>
-          <p:cNvPr id="6" name="Picture 6"/>
-          <p:cNvPicPr>
-            <a:picLocks noChangeAspect="1" noChangeArrowheads="1"/>
-          </p:cNvPicPr>
-          <p:nvPr/>
-        </p:nvPicPr>
-        <p:blipFill>
-          <a:blip r:embed="rId4">
-            <a:extLst>
-              <a:ext uri="{28A0092B-C50C-407E-A947-70E740481C1C}">
-                <a14:useLocalDpi xmlns:a14="http://schemas.microsoft.com/office/drawing/2010/main" val="0"/>
-              </a:ext>
-            </a:extLst>
-          </a:blip>
-          <a:srcRect/>
-          <a:stretch>
-            <a:fillRect/>
-          </a:stretch>
-        </p:blipFill>
-        <p:spPr bwMode="auto">
-          <a:xfrm>
-            <a:off x="1576478" y="5498429"/>
-            <a:ext cx="6115050" cy="276225"/>
-          </a:xfrm>
-          <a:prstGeom prst="rect">
-            <a:avLst/>
-          </a:prstGeom>
-          <a:noFill/>
-          <a:ln>
-            <a:noFill/>
-          </a:ln>
-          <a:extLst>
-            <a:ext uri="{909E8E84-426E-40DD-AFC4-6F175D3DCCD1}">
-              <a14:hiddenFill xmlns:a14="http://schemas.microsoft.com/office/drawing/2010/main">
-                <a:solidFill>
-                  <a:schemeClr val="accent1"/>
-                </a:solidFill>
-              </a14:hiddenFill>
-            </a:ext>
-            <a:ext uri="{91240B29-F687-4F45-9708-019B960494DF}">
-              <a14:hiddenLine xmlns:a14="http://schemas.microsoft.com/office/drawing/2010/main" w="9525">
-                <a:solidFill>
-                  <a:schemeClr val="tx1"/>
-                </a:solidFill>
-                <a:miter lim="800000"/>
-                <a:headEnd/>
-                <a:tailEnd/>
-              </a14:hiddenLine>
-            </a:ext>
-          </a:extLst>
-        </p:spPr>
-      </p:pic>
-      <p:pic>
-        <p:nvPicPr>
-          <p:cNvPr id="7" name="Picture 7"/>
-          <p:cNvPicPr>
-            <a:picLocks noChangeAspect="1" noChangeArrowheads="1"/>
-          </p:cNvPicPr>
-          <p:nvPr/>
-        </p:nvPicPr>
-        <p:blipFill>
-          <a:blip r:embed="rId5">
-            <a:extLst>
-              <a:ext uri="{28A0092B-C50C-407E-A947-70E740481C1C}">
-                <a14:useLocalDpi xmlns:a14="http://schemas.microsoft.com/office/drawing/2010/main" val="0"/>
-              </a:ext>
-            </a:extLst>
-          </a:blip>
-          <a:srcRect/>
-          <a:stretch>
-            <a:fillRect/>
-          </a:stretch>
-        </p:blipFill>
-        <p:spPr bwMode="auto">
-          <a:xfrm>
-            <a:off x="1587111" y="5873327"/>
-            <a:ext cx="6162675" cy="333375"/>
-          </a:xfrm>
-          <a:prstGeom prst="rect">
-            <a:avLst/>
-          </a:prstGeom>
-          <a:noFill/>
-          <a:ln>
-            <a:noFill/>
-          </a:ln>
-          <a:extLst>
-            <a:ext uri="{909E8E84-426E-40DD-AFC4-6F175D3DCCD1}">
-              <a14:hiddenFill xmlns:a14="http://schemas.microsoft.com/office/drawing/2010/main">
-                <a:solidFill>
-                  <a:schemeClr val="accent1"/>
-                </a:solidFill>
-              </a14:hiddenFill>
-            </a:ext>
-            <a:ext uri="{91240B29-F687-4F45-9708-019B960494DF}">
-              <a14:hiddenLine xmlns:a14="http://schemas.microsoft.com/office/drawing/2010/main" w="9525">
-                <a:solidFill>
-                  <a:schemeClr val="tx1"/>
-                </a:solidFill>
-                <a:miter lim="800000"/>
-                <a:headEnd/>
-                <a:tailEnd/>
-              </a14:hiddenLine>
-            </a:ext>
-          </a:extLst>
-        </p:spPr>
-      </p:pic>
-      <p:sp>
-        <p:nvSpPr>
-          <p:cNvPr id="8" name="TextBox 7"/>
-          <p:cNvSpPr txBox="1"/>
-          <p:nvPr/>
-        </p:nvSpPr>
-        <p:spPr>
-          <a:xfrm>
-            <a:off x="1511660" y="6240796"/>
-            <a:ext cx="4748039" cy="338554"/>
-          </a:xfrm>
-          <a:prstGeom prst="rect">
-            <a:avLst/>
-          </a:prstGeom>
-          <a:noFill/>
-        </p:spPr>
-        <p:txBody>
-          <a:bodyPr wrap="square" rtlCol="0">
-            <a:spAutoFit/>
-          </a:bodyPr>
-          <a:lstStyle/>
-          <a:p>
-            <a:r>
-              <a:rPr lang="en-US" altLang="ko-KR" sz="1600" b="1" dirty="0">
-                <a:latin typeface="+mn-ea"/>
-                <a:ea typeface="+mn-ea"/>
-                <a:sym typeface="Wingdings" panose="05000000000000000000" pitchFamily="2" charset="2"/>
-              </a:rPr>
-              <a:t> </a:t>
-            </a:r>
-            <a:r>
-              <a:rPr lang="ko-KR" altLang="en-US" sz="1600" b="1" dirty="0">
-                <a:latin typeface="+mn-ea"/>
-                <a:ea typeface="+mn-ea"/>
-                <a:sym typeface="Wingdings" panose="05000000000000000000" pitchFamily="2" charset="2"/>
-              </a:rPr>
-              <a:t>표본 크기가 증가할수록 </a:t>
-            </a:r>
-            <a:r>
-              <a:rPr lang="ko-KR" altLang="en-US" sz="1600" b="1" dirty="0" err="1">
-                <a:latin typeface="+mn-ea"/>
-                <a:ea typeface="+mn-ea"/>
-                <a:sym typeface="Wingdings" panose="05000000000000000000" pitchFamily="2" charset="2"/>
-              </a:rPr>
-              <a:t>검정력이</a:t>
-            </a:r>
-            <a:r>
-              <a:rPr lang="ko-KR" altLang="en-US" sz="1600" b="1" dirty="0">
-                <a:latin typeface="+mn-ea"/>
-                <a:ea typeface="+mn-ea"/>
-                <a:sym typeface="Wingdings" panose="05000000000000000000" pitchFamily="2" charset="2"/>
-              </a:rPr>
-              <a:t> 커짐</a:t>
-            </a:r>
-            <a:endParaRPr lang="ko-KR" altLang="en-US" sz="1600" b="1" dirty="0">
-              <a:latin typeface="+mn-ea"/>
-              <a:ea typeface="+mn-ea"/>
-            </a:endParaRPr>
-          </a:p>
-        </p:txBody>
-      </p:sp>
-      <p:sp>
-        <p:nvSpPr>
-          <p:cNvPr id="9" name="직사각형 8"/>
-          <p:cNvSpPr/>
-          <p:nvPr/>
-        </p:nvSpPr>
-        <p:spPr>
-          <a:xfrm>
-            <a:off x="701570" y="2740857"/>
-            <a:ext cx="7740860" cy="3838493"/>
-          </a:xfrm>
-          <a:prstGeom prst="rect">
-            <a:avLst/>
-          </a:prstGeom>
-          <a:noFill/>
-          <a:ln>
-            <a:solidFill>
-              <a:srgbClr val="00B0F0"/>
-            </a:solidFill>
-          </a:ln>
-        </p:spPr>
-        <p:style>
-          <a:lnRef idx="2">
-            <a:schemeClr val="accent1">
-              <a:shade val="50000"/>
-            </a:schemeClr>
-          </a:lnRef>
-          <a:fillRef idx="1">
-            <a:schemeClr val="accent1"/>
-          </a:fillRef>
-          <a:effectRef idx="0">
-            <a:schemeClr val="accent1"/>
-          </a:effectRef>
-          <a:fontRef idx="minor">
-            <a:schemeClr val="lt1"/>
-          </a:fontRef>
-        </p:style>
-        <p:txBody>
-          <a:bodyPr rtlCol="0" anchor="ctr"/>
-          <a:lstStyle/>
-          <a:p>
-            <a:pPr algn="ctr"/>
-            <a:endParaRPr lang="ko-KR" altLang="en-US"/>
-          </a:p>
-        </p:txBody>
-      </p:sp>
-      <p:pic>
-        <p:nvPicPr>
-          <p:cNvPr id="10" name="Picture 56"/>
-          <p:cNvPicPr>
-            <a:picLocks noChangeAspect="1" noChangeArrowheads="1"/>
-          </p:cNvPicPr>
-          <p:nvPr/>
-        </p:nvPicPr>
-        <p:blipFill>
-          <a:blip r:embed="rId6">
-            <a:extLst>
-              <a:ext uri="{28A0092B-C50C-407E-A947-70E740481C1C}">
-                <a14:useLocalDpi xmlns:a14="http://schemas.microsoft.com/office/drawing/2010/main" val="0"/>
-              </a:ext>
-            </a:extLst>
-          </a:blip>
-          <a:srcRect/>
-          <a:stretch>
-            <a:fillRect/>
-          </a:stretch>
-        </p:blipFill>
-        <p:spPr bwMode="auto">
-          <a:xfrm>
-            <a:off x="1577959" y="2820417"/>
-            <a:ext cx="5707478" cy="1656481"/>
-          </a:xfrm>
-          <a:prstGeom prst="rect">
-            <a:avLst/>
-          </a:prstGeom>
-          <a:noFill/>
-          <a:ln>
-            <a:noFill/>
-          </a:ln>
-          <a:extLst>
-            <a:ext uri="{909E8E84-426E-40DD-AFC4-6F175D3DCCD1}">
-              <a14:hiddenFill xmlns:a14="http://schemas.microsoft.com/office/drawing/2010/main">
-                <a:solidFill>
-                  <a:schemeClr val="accent1"/>
-                </a:solidFill>
-              </a14:hiddenFill>
-            </a:ext>
-            <a:ext uri="{91240B29-F687-4F45-9708-019B960494DF}">
-              <a14:hiddenLine xmlns:a14="http://schemas.microsoft.com/office/drawing/2010/main" w="9525">
-                <a:solidFill>
-                  <a:schemeClr val="tx1"/>
-                </a:solidFill>
-                <a:miter lim="800000"/>
-                <a:headEnd/>
-                <a:tailEnd/>
-              </a14:hiddenLine>
-            </a:ext>
-          </a:extLst>
-        </p:spPr>
-      </p:pic>
-    </p:spTree>
-    <p:extLst>
-      <p:ext uri="{BB962C8B-B14F-4D97-AF65-F5344CB8AC3E}">
-        <p14:creationId xmlns:p14="http://schemas.microsoft.com/office/powerpoint/2010/main" val="103025041"/>
-      </p:ext>
-    </p:extLst>
-  </p:cSld>
-  <p:clrMapOvr>
-    <a:masterClrMapping/>
-  </p:clrMapOvr>
-</p:sld>
-</file>
-
-<file path=ppt/slides/slide37.xml><?xml version="1.0" encoding="utf-8"?>
-<p:sld xmlns:a="http://schemas.openxmlformats.org/drawingml/2006/main" xmlns:r="http://schemas.openxmlformats.org/officeDocument/2006/relationships" xmlns:p="http://schemas.openxmlformats.org/presentationml/2006/main">
-  <p:cSld>
-    <p:spTree>
-      <p:nvGrpSpPr>
-        <p:cNvPr id="1" name=""/>
-        <p:cNvGrpSpPr/>
-        <p:nvPr/>
-      </p:nvGrpSpPr>
-      <p:grpSpPr>
-        <a:xfrm>
-          <a:off x="0" y="0"/>
-          <a:ext cx="0" cy="0"/>
-          <a:chOff x="0" y="0"/>
-          <a:chExt cx="0" cy="0"/>
-        </a:xfrm>
-      </p:grpSpPr>
-      <p:pic>
-        <p:nvPicPr>
-          <p:cNvPr id="4" name="그림 3"/>
-          <p:cNvPicPr>
-            <a:picLocks noChangeAspect="1"/>
-          </p:cNvPicPr>
-          <p:nvPr/>
-        </p:nvPicPr>
-        <p:blipFill>
-          <a:blip r:embed="rId2">
-            <a:extLst>
-              <a:ext uri="{28A0092B-C50C-407E-A947-70E740481C1C}">
-                <a14:useLocalDpi xmlns:a14="http://schemas.microsoft.com/office/drawing/2010/main" val="0"/>
-              </a:ext>
-            </a:extLst>
-          </a:blip>
-          <a:stretch>
-            <a:fillRect/>
-          </a:stretch>
-        </p:blipFill>
-        <p:spPr>
-          <a:xfrm>
-            <a:off x="982947" y="316424"/>
-            <a:ext cx="7261461" cy="6217921"/>
-          </a:xfrm>
-          <a:prstGeom prst="rect">
-            <a:avLst/>
-          </a:prstGeom>
-          <a:ln>
-            <a:noFill/>
-          </a:ln>
-        </p:spPr>
-      </p:pic>
-    </p:spTree>
-    <p:extLst>
-      <p:ext uri="{BB962C8B-B14F-4D97-AF65-F5344CB8AC3E}">
-        <p14:creationId xmlns:p14="http://schemas.microsoft.com/office/powerpoint/2010/main" val="103025041"/>
-      </p:ext>
-    </p:extLst>
-  </p:cSld>
-  <p:clrMapOvr>
-    <a:masterClrMapping/>
-  </p:clrMapOvr>
-</p:sld>
-</file>
-
-<file path=ppt/slides/slide38.xml><?xml version="1.0" encoding="utf-8"?>
-<p:sld xmlns:a="http://schemas.openxmlformats.org/drawingml/2006/main" xmlns:r="http://schemas.openxmlformats.org/officeDocument/2006/relationships" xmlns:p="http://schemas.openxmlformats.org/presentationml/2006/main">
-  <p:cSld>
-    <p:spTree>
-      <p:nvGrpSpPr>
-        <p:cNvPr id="1" name=""/>
-        <p:cNvGrpSpPr/>
-        <p:nvPr/>
-      </p:nvGrpSpPr>
-      <p:grpSpPr>
-        <a:xfrm>
-          <a:off x="0" y="0"/>
-          <a:ext cx="0" cy="0"/>
-          <a:chOff x="0" y="0"/>
-          <a:chExt cx="0" cy="0"/>
-        </a:xfrm>
-      </p:grpSpPr>
-      <p:sp>
-        <p:nvSpPr>
-          <p:cNvPr id="40" name="제목 1"/>
-          <p:cNvSpPr txBox="1">
-            <a:spLocks/>
-          </p:cNvSpPr>
-          <p:nvPr/>
-        </p:nvSpPr>
-        <p:spPr>
-          <a:xfrm>
-            <a:off x="476545" y="368660"/>
-            <a:ext cx="8289630" cy="765086"/>
-          </a:xfrm>
-          <a:prstGeom prst="rect">
-            <a:avLst/>
-          </a:prstGeom>
-        </p:spPr>
-        <p:txBody>
-          <a:bodyPr vert="horz" lIns="91440" tIns="45720" rIns="91440" bIns="45720" rtlCol="0" anchor="ctr">
-            <a:normAutofit/>
-          </a:bodyPr>
-          <a:lstStyle>
-            <a:lvl1pPr algn="l" defTabSz="914400" rtl="0" eaLnBrk="1" latinLnBrk="1" hangingPunct="1">
-              <a:spcBef>
-                <a:spcPct val="0"/>
-              </a:spcBef>
-              <a:buNone/>
-              <a:defRPr sz="3600" b="1" kern="1200">
-                <a:solidFill>
-                  <a:schemeClr val="tx1"/>
-                </a:solidFill>
-                <a:latin typeface="+mj-lt"/>
-                <a:ea typeface="+mj-ea"/>
-                <a:cs typeface="+mj-cs"/>
-              </a:defRPr>
-            </a:lvl1pPr>
-          </a:lstStyle>
-          <a:p>
-            <a:r>
-              <a:rPr lang="en-US" altLang="ko-KR" dirty="0"/>
-              <a:t>6. </a:t>
-            </a:r>
-            <a:r>
-              <a:rPr lang="ko-KR" altLang="en-US" dirty="0"/>
-              <a:t>검사특성곡선</a:t>
-            </a:r>
-          </a:p>
-        </p:txBody>
-      </p:sp>
-      <p:sp>
-        <p:nvSpPr>
-          <p:cNvPr id="4" name="내용 개체 틀 2"/>
-          <p:cNvSpPr txBox="1">
-            <a:spLocks/>
-          </p:cNvSpPr>
-          <p:nvPr/>
-        </p:nvSpPr>
-        <p:spPr>
-          <a:xfrm>
-            <a:off x="476545" y="1314449"/>
-            <a:ext cx="8415338" cy="5129885"/>
-          </a:xfrm>
-          <a:prstGeom prst="rect">
-            <a:avLst/>
-          </a:prstGeom>
-        </p:spPr>
-        <p:txBody>
-          <a:bodyPr vert="horz" lIns="91440" tIns="45720" rIns="91440" bIns="45720" rtlCol="0">
-            <a:normAutofit/>
-          </a:bodyPr>
-          <a:lstStyle>
-            <a:lvl1pPr marL="342900" indent="-342900" algn="l" defTabSz="914400" rtl="0" eaLnBrk="1" latinLnBrk="1" hangingPunct="1">
-              <a:spcBef>
-                <a:spcPct val="20000"/>
-              </a:spcBef>
-              <a:buFont typeface="Arial" pitchFamily="34" charset="0"/>
-              <a:buChar char="•"/>
-              <a:defRPr sz="3200" kern="1200">
-                <a:solidFill>
-                  <a:schemeClr val="tx1"/>
-                </a:solidFill>
-                <a:latin typeface="+mn-lt"/>
-                <a:ea typeface="+mn-ea"/>
-                <a:cs typeface="+mn-cs"/>
-              </a:defRPr>
-            </a:lvl1pPr>
-            <a:lvl2pPr marL="742950" indent="-285750" algn="l" defTabSz="914400" rtl="0" eaLnBrk="1" latinLnBrk="1" hangingPunct="1">
-              <a:spcBef>
-                <a:spcPct val="20000"/>
-              </a:spcBef>
-              <a:buFont typeface="Arial" pitchFamily="34" charset="0"/>
-              <a:buChar char="–"/>
-              <a:defRPr sz="2800" kern="1200">
-                <a:solidFill>
-                  <a:schemeClr val="tx1"/>
-                </a:solidFill>
-                <a:latin typeface="+mn-lt"/>
-                <a:ea typeface="+mn-ea"/>
-                <a:cs typeface="+mn-cs"/>
-              </a:defRPr>
-            </a:lvl2pPr>
-            <a:lvl3pPr marL="1143000" indent="-228600" algn="l" defTabSz="914400" rtl="0" eaLnBrk="1" latinLnBrk="1" hangingPunct="1">
-              <a:spcBef>
-                <a:spcPct val="20000"/>
-              </a:spcBef>
-              <a:buFont typeface="Arial" pitchFamily="34" charset="0"/>
-              <a:buChar char="•"/>
-              <a:defRPr sz="2400" kern="1200">
-                <a:solidFill>
-                  <a:schemeClr val="tx1"/>
-                </a:solidFill>
-                <a:latin typeface="+mn-lt"/>
-                <a:ea typeface="+mn-ea"/>
-                <a:cs typeface="+mn-cs"/>
-              </a:defRPr>
-            </a:lvl3pPr>
-            <a:lvl4pPr marL="1600200" indent="-228600" algn="l" defTabSz="914400" rtl="0" eaLnBrk="1" latinLnBrk="1" hangingPunct="1">
-              <a:spcBef>
-                <a:spcPct val="20000"/>
-              </a:spcBef>
-              <a:buFont typeface="Arial" pitchFamily="34" charset="0"/>
-              <a:buChar char="–"/>
-              <a:defRPr sz="2000" kern="1200">
-                <a:solidFill>
-                  <a:schemeClr val="tx1"/>
-                </a:solidFill>
-                <a:latin typeface="+mn-lt"/>
-                <a:ea typeface="+mn-ea"/>
-                <a:cs typeface="+mn-cs"/>
-              </a:defRPr>
-            </a:lvl4pPr>
-            <a:lvl5pPr marL="2057400" indent="-228600" algn="l" defTabSz="914400" rtl="0" eaLnBrk="1" latinLnBrk="1" hangingPunct="1">
-              <a:spcBef>
-                <a:spcPct val="20000"/>
-              </a:spcBef>
-              <a:buFont typeface="Arial" pitchFamily="34" charset="0"/>
-              <a:buChar char="»"/>
-              <a:defRPr sz="2000" kern="1200">
-                <a:solidFill>
-                  <a:schemeClr val="tx1"/>
-                </a:solidFill>
-                <a:latin typeface="+mn-lt"/>
-                <a:ea typeface="+mn-ea"/>
-                <a:cs typeface="+mn-cs"/>
-              </a:defRPr>
-            </a:lvl5pPr>
-            <a:lvl6pPr marL="2514600" indent="-228600" algn="l" defTabSz="914400" rtl="0" eaLnBrk="1" latinLnBrk="1" hangingPunct="1">
-              <a:spcBef>
-                <a:spcPct val="20000"/>
-              </a:spcBef>
-              <a:buFont typeface="Arial" pitchFamily="34" charset="0"/>
-              <a:buChar char="•"/>
-              <a:defRPr sz="2000" kern="1200">
-                <a:solidFill>
-                  <a:schemeClr val="tx1"/>
-                </a:solidFill>
-                <a:latin typeface="+mn-lt"/>
-                <a:ea typeface="+mn-ea"/>
-                <a:cs typeface="+mn-cs"/>
-              </a:defRPr>
-            </a:lvl6pPr>
-            <a:lvl7pPr marL="2971800" indent="-228600" algn="l" defTabSz="914400" rtl="0" eaLnBrk="1" latinLnBrk="1" hangingPunct="1">
-              <a:spcBef>
-                <a:spcPct val="20000"/>
-              </a:spcBef>
-              <a:buFont typeface="Arial" pitchFamily="34" charset="0"/>
-              <a:buChar char="•"/>
-              <a:defRPr sz="2000" kern="1200">
-                <a:solidFill>
-                  <a:schemeClr val="tx1"/>
-                </a:solidFill>
-                <a:latin typeface="+mn-lt"/>
-                <a:ea typeface="+mn-ea"/>
-                <a:cs typeface="+mn-cs"/>
-              </a:defRPr>
-            </a:lvl7pPr>
-            <a:lvl8pPr marL="3429000" indent="-228600" algn="l" defTabSz="914400" rtl="0" eaLnBrk="1" latinLnBrk="1" hangingPunct="1">
-              <a:spcBef>
-                <a:spcPct val="20000"/>
-              </a:spcBef>
-              <a:buFont typeface="Arial" pitchFamily="34" charset="0"/>
-              <a:buChar char="•"/>
-              <a:defRPr sz="2000" kern="1200">
-                <a:solidFill>
-                  <a:schemeClr val="tx1"/>
-                </a:solidFill>
-                <a:latin typeface="+mn-lt"/>
-                <a:ea typeface="+mn-ea"/>
-                <a:cs typeface="+mn-cs"/>
-              </a:defRPr>
-            </a:lvl8pPr>
-            <a:lvl9pPr marL="3886200" indent="-228600" algn="l" defTabSz="914400" rtl="0" eaLnBrk="1" latinLnBrk="1" hangingPunct="1">
-              <a:spcBef>
-                <a:spcPct val="20000"/>
-              </a:spcBef>
-              <a:buFont typeface="Arial" pitchFamily="34" charset="0"/>
-              <a:buChar char="•"/>
-              <a:defRPr sz="2000" kern="1200">
-                <a:solidFill>
-                  <a:schemeClr val="tx1"/>
-                </a:solidFill>
-                <a:latin typeface="+mn-lt"/>
-                <a:ea typeface="+mn-ea"/>
-                <a:cs typeface="+mn-cs"/>
-              </a:defRPr>
-            </a:lvl9pPr>
-          </a:lstStyle>
-          <a:p>
-            <a:pPr marL="0" lvl="1" indent="0" fontAlgn="auto">
-              <a:spcAft>
-                <a:spcPts val="0"/>
-              </a:spcAft>
-              <a:buNone/>
-            </a:pPr>
-            <a:r>
-              <a:rPr lang="en-US" altLang="ko-KR" sz="2400" dirty="0"/>
-              <a:t>[</a:t>
-            </a:r>
-            <a:r>
-              <a:rPr lang="ko-KR" altLang="en-US" sz="2400" dirty="0"/>
-              <a:t>정의 </a:t>
-            </a:r>
-            <a:r>
-              <a:rPr lang="en-US" altLang="ko-KR" sz="2400" dirty="0"/>
-              <a:t>10-8] </a:t>
-            </a:r>
-            <a:r>
-              <a:rPr lang="ko-KR" altLang="en-US" sz="2400" dirty="0"/>
-              <a:t>검사특성곡선</a:t>
-            </a:r>
-            <a:r>
-              <a:rPr lang="en-US" altLang="ko-KR" sz="2400" dirty="0"/>
-              <a:t>(operating characteristic curve)</a:t>
-            </a:r>
-          </a:p>
-          <a:p>
-            <a:pPr marL="0" lvl="1" indent="0" fontAlgn="auto">
-              <a:spcAft>
-                <a:spcPts val="0"/>
-              </a:spcAft>
-              <a:buNone/>
-            </a:pPr>
-            <a:r>
-              <a:rPr lang="ko-KR" altLang="en-US" sz="2000" dirty="0"/>
-              <a:t>  </a:t>
-            </a:r>
-            <a:r>
-              <a:rPr lang="en-US" altLang="ko-KR" sz="2000" dirty="0"/>
-              <a:t>: </a:t>
-            </a:r>
-            <a:r>
-              <a:rPr lang="ko-KR" altLang="en-US" sz="2000" dirty="0" err="1"/>
-              <a:t>모수값의</a:t>
-            </a:r>
-            <a:r>
-              <a:rPr lang="ko-KR" altLang="en-US" sz="2000" dirty="0"/>
-              <a:t> 변화에 따라 </a:t>
-            </a:r>
-            <a:r>
-              <a:rPr lang="ko-KR" altLang="en-US" sz="2000" dirty="0" err="1"/>
-              <a:t>귀무가설</a:t>
-            </a:r>
-            <a:r>
-              <a:rPr lang="ko-KR" altLang="en-US" sz="2000" dirty="0"/>
-              <a:t> </a:t>
-            </a:r>
-            <a:r>
-              <a:rPr lang="en-US" altLang="ko-KR" sz="2000" dirty="0"/>
-              <a:t>H</a:t>
-            </a:r>
-            <a:r>
-              <a:rPr lang="en-US" altLang="ko-KR" sz="2000" baseline="-25000" dirty="0"/>
-              <a:t>0</a:t>
-            </a:r>
-            <a:r>
-              <a:rPr lang="ko-KR" altLang="en-US" sz="2000" dirty="0"/>
-              <a:t>을 채택할 확률의 함수</a:t>
-            </a:r>
-            <a:endParaRPr lang="en-US" altLang="ko-KR" sz="2000" dirty="0"/>
-          </a:p>
-          <a:p>
-            <a:pPr marL="0" lvl="1" indent="0" fontAlgn="auto">
-              <a:spcAft>
-                <a:spcPts val="0"/>
-              </a:spcAft>
-              <a:buNone/>
-            </a:pPr>
-            <a:endParaRPr lang="en-US" altLang="ko-KR" sz="2000" dirty="0"/>
-          </a:p>
-          <a:p>
-            <a:pPr marL="0" lvl="1" indent="0" fontAlgn="auto">
-              <a:spcAft>
-                <a:spcPts val="0"/>
-              </a:spcAft>
-              <a:buNone/>
-            </a:pPr>
-            <a:endParaRPr lang="en-US" altLang="ko-KR" sz="1400" dirty="0"/>
-          </a:p>
-          <a:p>
-            <a:pPr marL="0" lvl="1" indent="0" fontAlgn="auto">
-              <a:spcAft>
-                <a:spcPts val="0"/>
-              </a:spcAft>
-              <a:buNone/>
-            </a:pPr>
-            <a:r>
-              <a:rPr lang="en-US" altLang="ko-KR" sz="1800" dirty="0">
-                <a:latin typeface="+mn-ea"/>
-              </a:rPr>
-              <a:t>[</a:t>
-            </a:r>
-            <a:r>
-              <a:rPr lang="ko-KR" altLang="en-US" sz="1800" dirty="0">
-                <a:latin typeface="+mn-ea"/>
-              </a:rPr>
-              <a:t>예 </a:t>
-            </a:r>
-            <a:r>
-              <a:rPr lang="en-US" altLang="ko-KR" sz="1800" dirty="0">
-                <a:latin typeface="+mn-ea"/>
-              </a:rPr>
-              <a:t>10-27] </a:t>
-            </a:r>
-            <a:r>
-              <a:rPr lang="ko-KR" altLang="en-US" sz="1800" dirty="0" err="1">
-                <a:latin typeface="+mn-ea"/>
-              </a:rPr>
-              <a:t>모분산</a:t>
-            </a:r>
-            <a:r>
-              <a:rPr lang="ko-KR" altLang="en-US" sz="1800" dirty="0">
-                <a:latin typeface="+mn-ea"/>
-              </a:rPr>
-              <a:t> </a:t>
-            </a:r>
-            <a:r>
-              <a:rPr lang="en-US" altLang="ko-KR" sz="1800" dirty="0">
-                <a:latin typeface="+mn-ea"/>
-              </a:rPr>
-              <a:t>25.0</a:t>
-            </a:r>
-            <a:r>
-              <a:rPr lang="ko-KR" altLang="en-US" sz="1800" dirty="0">
-                <a:latin typeface="+mn-ea"/>
-              </a:rPr>
-              <a:t>인 정규 모집단</a:t>
-            </a:r>
-            <a:r>
-              <a:rPr lang="en-US" altLang="ko-KR" sz="1800" dirty="0">
-                <a:latin typeface="+mn-ea"/>
-              </a:rPr>
-              <a:t>,</a:t>
-            </a:r>
-            <a:r>
-              <a:rPr lang="ko-KR" altLang="en-US" sz="1800" dirty="0">
-                <a:latin typeface="+mn-ea"/>
-              </a:rPr>
-              <a:t> 가설 </a:t>
-            </a:r>
-            <a:r>
-              <a:rPr lang="en-US" altLang="ko-KR" sz="1800" dirty="0">
-                <a:latin typeface="+mn-ea"/>
-              </a:rPr>
-              <a:t>H</a:t>
-            </a:r>
-            <a:r>
-              <a:rPr lang="en-US" altLang="ko-KR" sz="1800" baseline="-25000" dirty="0">
-                <a:latin typeface="+mn-ea"/>
-              </a:rPr>
-              <a:t>0</a:t>
-            </a:r>
-            <a:r>
-              <a:rPr lang="en-US" altLang="ko-KR" sz="1800" dirty="0">
-                <a:latin typeface="+mn-ea"/>
-              </a:rPr>
-              <a:t> : </a:t>
-            </a:r>
-            <a:r>
-              <a:rPr lang="el-GR" altLang="ko-KR" sz="1800" dirty="0">
-                <a:latin typeface="+mn-ea"/>
-              </a:rPr>
-              <a:t>μ</a:t>
-            </a:r>
-            <a:r>
-              <a:rPr lang="en-US" altLang="ko-KR" sz="1800" dirty="0">
-                <a:latin typeface="+mn-ea"/>
-              </a:rPr>
-              <a:t>=100, H</a:t>
-            </a:r>
-            <a:r>
-              <a:rPr lang="en-US" altLang="ko-KR" sz="1800" baseline="-25000" dirty="0">
-                <a:latin typeface="+mn-ea"/>
-              </a:rPr>
-              <a:t>1</a:t>
-            </a:r>
-            <a:r>
-              <a:rPr lang="en-US" altLang="ko-KR" sz="1800" dirty="0">
-                <a:latin typeface="+mn-ea"/>
-              </a:rPr>
-              <a:t> : </a:t>
-            </a:r>
-            <a:r>
-              <a:rPr lang="el-GR" altLang="ko-KR" sz="1800" dirty="0">
-                <a:latin typeface="+mn-ea"/>
-              </a:rPr>
-              <a:t>μ</a:t>
-            </a:r>
-            <a:r>
-              <a:rPr lang="en-US" altLang="ko-KR" sz="1800" dirty="0">
-                <a:latin typeface="+mn-ea"/>
-              </a:rPr>
-              <a:t>&lt;100 </a:t>
-            </a:r>
-            <a:r>
-              <a:rPr lang="ko-KR" altLang="en-US" sz="1800" dirty="0">
-                <a:latin typeface="+mn-ea"/>
-              </a:rPr>
-              <a:t>에 대하여 유의수준 </a:t>
-            </a:r>
-            <a:r>
-              <a:rPr lang="en-US" altLang="ko-KR" sz="1800" dirty="0">
-                <a:latin typeface="+mn-ea"/>
-              </a:rPr>
-              <a:t>5%</a:t>
-            </a:r>
-            <a:r>
-              <a:rPr lang="ko-KR" altLang="en-US" sz="1800" dirty="0">
-                <a:latin typeface="+mn-ea"/>
-              </a:rPr>
-              <a:t>에서 검정</a:t>
-            </a:r>
-            <a:r>
-              <a:rPr lang="en-US" altLang="ko-KR" sz="1800" dirty="0">
-                <a:latin typeface="+mn-ea"/>
-              </a:rPr>
-              <a:t>, </a:t>
-            </a:r>
-            <a:r>
-              <a:rPr lang="ko-KR" altLang="en-US" sz="1800" dirty="0">
-                <a:latin typeface="+mn-ea"/>
-              </a:rPr>
-              <a:t>표본 크기 </a:t>
-            </a:r>
-            <a:r>
-              <a:rPr lang="en-US" altLang="ko-KR" sz="1800" dirty="0">
-                <a:latin typeface="+mn-ea"/>
-              </a:rPr>
-              <a:t>n=10, 30, 50, 100</a:t>
-            </a:r>
-            <a:r>
-              <a:rPr lang="ko-KR" altLang="en-US" sz="1800" dirty="0">
-                <a:latin typeface="+mn-ea"/>
-              </a:rPr>
-              <a:t> 각각에 대하여 </a:t>
-            </a:r>
-            <a:r>
-              <a:rPr lang="en-US" altLang="ko-KR" sz="1800" dirty="0">
-                <a:latin typeface="+mn-ea"/>
-              </a:rPr>
-              <a:t>(1) </a:t>
-            </a:r>
-            <a:r>
-              <a:rPr lang="ko-KR" altLang="en-US" sz="1800" dirty="0">
-                <a:latin typeface="+mn-ea"/>
-              </a:rPr>
-              <a:t>모평균의 참값이 </a:t>
-            </a:r>
-            <a:r>
-              <a:rPr lang="en-US" altLang="ko-KR" sz="1800" dirty="0">
-                <a:latin typeface="+mn-ea"/>
-              </a:rPr>
-              <a:t>98</a:t>
-            </a:r>
-            <a:r>
-              <a:rPr lang="ko-KR" altLang="en-US" sz="1800" dirty="0">
-                <a:latin typeface="+mn-ea"/>
-              </a:rPr>
-              <a:t>일 때 </a:t>
-            </a:r>
-            <a:r>
-              <a:rPr lang="ko-KR" altLang="en-US" sz="1800" dirty="0" err="1">
-                <a:latin typeface="+mn-ea"/>
-              </a:rPr>
-              <a:t>귀무가설이</a:t>
-            </a:r>
-            <a:r>
-              <a:rPr lang="ko-KR" altLang="en-US" sz="1800" dirty="0">
-                <a:latin typeface="+mn-ea"/>
-              </a:rPr>
-              <a:t> 채택될 확률</a:t>
-            </a:r>
-            <a:r>
-              <a:rPr lang="en-US" altLang="ko-KR" sz="1800" dirty="0">
-                <a:latin typeface="+mn-ea"/>
-              </a:rPr>
-              <a:t>, (2) </a:t>
-            </a:r>
-            <a:r>
-              <a:rPr lang="ko-KR" altLang="en-US" sz="1800" dirty="0">
-                <a:latin typeface="+mn-ea"/>
-              </a:rPr>
-              <a:t>검사특성곡선을 작성하여 해석</a:t>
-            </a:r>
-            <a:r>
-              <a:rPr lang="en-US" altLang="ko-KR" sz="1800" dirty="0">
-                <a:latin typeface="+mn-ea"/>
-              </a:rPr>
-              <a:t>.</a:t>
-            </a:r>
-            <a:endParaRPr lang="ko-KR" altLang="en-US" sz="1800" dirty="0">
-              <a:latin typeface="+mn-ea"/>
-            </a:endParaRPr>
-          </a:p>
-          <a:p>
-            <a:pPr marL="0" lvl="1" indent="0" fontAlgn="auto">
-              <a:spcAft>
-                <a:spcPts val="0"/>
-              </a:spcAft>
-              <a:buNone/>
-            </a:pPr>
-            <a:endParaRPr lang="ko-KR" altLang="en-US" sz="2400" dirty="0"/>
-          </a:p>
-          <a:p>
-            <a:pPr marL="0" lvl="1" indent="0" fontAlgn="auto">
-              <a:spcAft>
-                <a:spcPts val="0"/>
-              </a:spcAft>
-              <a:buNone/>
-            </a:pPr>
-            <a:endParaRPr kumimoji="0" lang="en-US" altLang="ko-KR" sz="2400" dirty="0"/>
-          </a:p>
-        </p:txBody>
-      </p:sp>
-      <p:sp>
-        <p:nvSpPr>
-          <p:cNvPr id="7" name="모서리가 둥근 직사각형 6"/>
-          <p:cNvSpPr/>
-          <p:nvPr/>
-        </p:nvSpPr>
-        <p:spPr>
-          <a:xfrm>
-            <a:off x="476545" y="1268761"/>
-            <a:ext cx="8145905" cy="1395154"/>
-          </a:xfrm>
-          <a:prstGeom prst="roundRect">
-            <a:avLst>
-              <a:gd name="adj" fmla="val 11122"/>
-            </a:avLst>
-          </a:prstGeom>
-          <a:noFill/>
-          <a:ln w="38100">
-            <a:solidFill>
-              <a:schemeClr val="accent5">
-                <a:lumMod val="40000"/>
-                <a:lumOff val="60000"/>
-              </a:schemeClr>
-            </a:solidFill>
-          </a:ln>
-        </p:spPr>
-        <p:style>
-          <a:lnRef idx="2">
-            <a:schemeClr val="accent1">
-              <a:shade val="50000"/>
-            </a:schemeClr>
-          </a:lnRef>
-          <a:fillRef idx="1">
-            <a:schemeClr val="accent1"/>
-          </a:fillRef>
-          <a:effectRef idx="0">
-            <a:schemeClr val="accent1"/>
-          </a:effectRef>
-          <a:fontRef idx="minor">
-            <a:schemeClr val="lt1"/>
-          </a:fontRef>
-        </p:style>
-        <p:txBody>
-          <a:bodyPr rtlCol="0" anchor="ctr"/>
-          <a:lstStyle/>
-          <a:p>
-            <a:pPr algn="ctr"/>
-            <a:endParaRPr lang="ko-KR" altLang="en-US" dirty="0"/>
-          </a:p>
-        </p:txBody>
-      </p:sp>
-      <p:graphicFrame>
-        <p:nvGraphicFramePr>
-          <p:cNvPr id="2" name="개체 1"/>
-          <p:cNvGraphicFramePr>
-            <a:graphicFrameLocks noChangeAspect="1"/>
-          </p:cNvGraphicFramePr>
-          <p:nvPr>
-            <p:extLst>
-              <p:ext uri="{D42A27DB-BD31-4B8C-83A1-F6EECF244321}">
-                <p14:modId xmlns:p14="http://schemas.microsoft.com/office/powerpoint/2010/main" val="1177891753"/>
-              </p:ext>
-            </p:extLst>
-          </p:nvPr>
-        </p:nvGraphicFramePr>
-        <p:xfrm>
-          <a:off x="2816805" y="2213865"/>
-          <a:ext cx="3416300" cy="381000"/>
-        </p:xfrm>
-        <a:graphic>
-          <a:graphicData uri="http://schemas.openxmlformats.org/presentationml/2006/ole">
-            <mc:AlternateContent xmlns:mc="http://schemas.openxmlformats.org/markup-compatibility/2006">
-              <mc:Choice xmlns:v="urn:schemas-microsoft-com:vml" Requires="v">
-                <p:oleObj spid="_x0000_s2050" name="Equation" r:id="rId3" imgW="3416040" imgH="380880" progId="Equation.DSMT4">
-                  <p:embed/>
-                </p:oleObj>
-              </mc:Choice>
-              <mc:Fallback>
-                <p:oleObj name="Equation" r:id="rId3" imgW="3416040" imgH="380880" progId="Equation.DSMT4">
-                  <p:embed/>
-                  <p:pic>
-                    <p:nvPicPr>
-                      <p:cNvPr id="2" name="개체 1"/>
-                      <p:cNvPicPr>
-                        <a:picLocks noChangeAspect="1" noChangeArrowheads="1"/>
-                      </p:cNvPicPr>
-                      <p:nvPr/>
-                    </p:nvPicPr>
-                    <p:blipFill>
-                      <a:blip r:embed="rId4">
-                        <a:extLst>
-                          <a:ext uri="{28A0092B-C50C-407E-A947-70E740481C1C}">
-                            <a14:useLocalDpi xmlns:a14="http://schemas.microsoft.com/office/drawing/2010/main" val="0"/>
-                          </a:ext>
-                        </a:extLst>
-                      </a:blip>
-                      <a:srcRect/>
-                      <a:stretch>
-                        <a:fillRect/>
-                      </a:stretch>
-                    </p:blipFill>
-                    <p:spPr bwMode="auto">
-                      <a:xfrm>
-                        <a:off x="2816805" y="2213865"/>
-                        <a:ext cx="3416300" cy="381000"/>
-                      </a:xfrm>
-                      <a:prstGeom prst="rect">
-                        <a:avLst/>
-                      </a:prstGeom>
-                      <a:noFill/>
-                      <a:ln>
-                        <a:noFill/>
-                      </a:ln>
-                      <a:extLst>
-                        <a:ext uri="{909E8E84-426E-40DD-AFC4-6F175D3DCCD1}">
-                          <a14:hiddenFill xmlns:a14="http://schemas.microsoft.com/office/drawing/2010/main">
-                            <a:solidFill>
-                              <a:srgbClr val="FFFFFF"/>
-                            </a:solidFill>
-                          </a14:hiddenFill>
-                        </a:ext>
-                        <a:ext uri="{91240B29-F687-4F45-9708-019B960494DF}">
-                          <a14:hiddenLine xmlns:a14="http://schemas.microsoft.com/office/drawing/2010/main" w="9525">
-                            <a:solidFill>
-                              <a:srgbClr val="000000"/>
-                            </a:solidFill>
-                            <a:miter lim="800000"/>
-                            <a:headEnd/>
-                            <a:tailEnd/>
-                          </a14:hiddenLine>
-                        </a:ext>
-                      </a:extLst>
-                    </p:spPr>
-                  </p:pic>
-                </p:oleObj>
-              </mc:Fallback>
-            </mc:AlternateContent>
-          </a:graphicData>
-        </a:graphic>
-      </p:graphicFrame>
-      <p:pic>
-        <p:nvPicPr>
-          <p:cNvPr id="6" name="Picture 3"/>
-          <p:cNvPicPr>
-            <a:picLocks noChangeAspect="1" noChangeArrowheads="1"/>
-          </p:cNvPicPr>
-          <p:nvPr/>
-        </p:nvPicPr>
-        <p:blipFill>
-          <a:blip r:embed="rId5">
-            <a:extLst>
-              <a:ext uri="{28A0092B-C50C-407E-A947-70E740481C1C}">
-                <a14:useLocalDpi xmlns:a14="http://schemas.microsoft.com/office/drawing/2010/main" val="0"/>
-              </a:ext>
-            </a:extLst>
-          </a:blip>
-          <a:srcRect/>
-          <a:stretch>
-            <a:fillRect/>
-          </a:stretch>
-        </p:blipFill>
-        <p:spPr bwMode="auto">
-          <a:xfrm>
-            <a:off x="1466655" y="4756175"/>
-            <a:ext cx="5745136" cy="282403"/>
-          </a:xfrm>
-          <a:prstGeom prst="rect">
-            <a:avLst/>
-          </a:prstGeom>
-          <a:noFill/>
-          <a:ln>
-            <a:noFill/>
-          </a:ln>
-          <a:extLst>
-            <a:ext uri="{909E8E84-426E-40DD-AFC4-6F175D3DCCD1}">
-              <a14:hiddenFill xmlns:a14="http://schemas.microsoft.com/office/drawing/2010/main">
-                <a:solidFill>
-                  <a:schemeClr val="accent1"/>
-                </a:solidFill>
-              </a14:hiddenFill>
-            </a:ext>
-            <a:ext uri="{91240B29-F687-4F45-9708-019B960494DF}">
-              <a14:hiddenLine xmlns:a14="http://schemas.microsoft.com/office/drawing/2010/main" w="9525">
-                <a:solidFill>
-                  <a:schemeClr val="tx1"/>
-                </a:solidFill>
-                <a:miter lim="800000"/>
-                <a:headEnd/>
-                <a:tailEnd/>
-              </a14:hiddenLine>
-            </a:ext>
-          </a:extLst>
-        </p:spPr>
-      </p:pic>
-      <p:pic>
-        <p:nvPicPr>
-          <p:cNvPr id="8" name="Picture 4"/>
-          <p:cNvPicPr>
-            <a:picLocks noChangeAspect="1" noChangeArrowheads="1"/>
-          </p:cNvPicPr>
-          <p:nvPr/>
-        </p:nvPicPr>
-        <p:blipFill>
-          <a:blip r:embed="rId6">
-            <a:extLst>
-              <a:ext uri="{28A0092B-C50C-407E-A947-70E740481C1C}">
-                <a14:useLocalDpi xmlns:a14="http://schemas.microsoft.com/office/drawing/2010/main" val="0"/>
-              </a:ext>
-            </a:extLst>
-          </a:blip>
-          <a:srcRect/>
-          <a:stretch>
-            <a:fillRect/>
-          </a:stretch>
-        </p:blipFill>
-        <p:spPr bwMode="auto">
-          <a:xfrm>
-            <a:off x="1471320" y="5188223"/>
-            <a:ext cx="5665710" cy="988410"/>
-          </a:xfrm>
-          <a:prstGeom prst="rect">
-            <a:avLst/>
-          </a:prstGeom>
-          <a:noFill/>
-          <a:ln>
-            <a:noFill/>
-          </a:ln>
-          <a:extLst>
-            <a:ext uri="{909E8E84-426E-40DD-AFC4-6F175D3DCCD1}">
-              <a14:hiddenFill xmlns:a14="http://schemas.microsoft.com/office/drawing/2010/main">
-                <a:solidFill>
-                  <a:schemeClr val="accent1"/>
-                </a:solidFill>
-              </a14:hiddenFill>
-            </a:ext>
-            <a:ext uri="{91240B29-F687-4F45-9708-019B960494DF}">
-              <a14:hiddenLine xmlns:a14="http://schemas.microsoft.com/office/drawing/2010/main" w="9525">
-                <a:solidFill>
-                  <a:schemeClr val="tx1"/>
-                </a:solidFill>
-                <a:miter lim="800000"/>
-                <a:headEnd/>
-                <a:tailEnd/>
-              </a14:hiddenLine>
-            </a:ext>
-          </a:extLst>
-        </p:spPr>
-      </p:pic>
-      <p:sp>
-        <p:nvSpPr>
-          <p:cNvPr id="9" name="TextBox 8"/>
-          <p:cNvSpPr txBox="1"/>
-          <p:nvPr/>
-        </p:nvSpPr>
-        <p:spPr>
-          <a:xfrm>
-            <a:off x="1334492" y="6255023"/>
-            <a:ext cx="6837908" cy="338554"/>
-          </a:xfrm>
-          <a:prstGeom prst="rect">
-            <a:avLst/>
-          </a:prstGeom>
-          <a:noFill/>
-        </p:spPr>
-        <p:txBody>
-          <a:bodyPr wrap="square" rtlCol="0">
-            <a:spAutoFit/>
-          </a:bodyPr>
-          <a:lstStyle/>
-          <a:p>
-            <a:r>
-              <a:rPr lang="en-US" altLang="ko-KR" sz="1600" b="1" dirty="0">
-                <a:latin typeface="+mn-ea"/>
-                <a:ea typeface="+mn-ea"/>
-                <a:sym typeface="Wingdings" panose="05000000000000000000" pitchFamily="2" charset="2"/>
-              </a:rPr>
-              <a:t> </a:t>
-            </a:r>
-            <a:r>
-              <a:rPr lang="ko-KR" altLang="en-US" sz="1600" b="1" dirty="0">
-                <a:latin typeface="+mn-ea"/>
-                <a:ea typeface="+mn-ea"/>
-                <a:sym typeface="Wingdings" panose="05000000000000000000" pitchFamily="2" charset="2"/>
-              </a:rPr>
-              <a:t>표본 크기가 증가할수록 검사특성곡선 값이 작아짐</a:t>
-            </a:r>
-            <a:endParaRPr lang="ko-KR" altLang="en-US" sz="1600" b="1" dirty="0">
-              <a:latin typeface="+mn-ea"/>
-              <a:ea typeface="+mn-ea"/>
-            </a:endParaRPr>
-          </a:p>
-        </p:txBody>
-      </p:sp>
-      <p:sp>
-        <p:nvSpPr>
-          <p:cNvPr id="10" name="직사각형 9"/>
-          <p:cNvSpPr/>
-          <p:nvPr/>
-        </p:nvSpPr>
-        <p:spPr>
-          <a:xfrm>
-            <a:off x="701570" y="3734743"/>
-            <a:ext cx="7695855" cy="2889612"/>
-          </a:xfrm>
-          <a:prstGeom prst="rect">
-            <a:avLst/>
-          </a:prstGeom>
-          <a:noFill/>
-          <a:ln>
-            <a:solidFill>
-              <a:srgbClr val="00B0F0"/>
-            </a:solidFill>
-          </a:ln>
-        </p:spPr>
-        <p:style>
-          <a:lnRef idx="2">
-            <a:schemeClr val="accent1">
-              <a:shade val="50000"/>
-            </a:schemeClr>
-          </a:lnRef>
-          <a:fillRef idx="1">
-            <a:schemeClr val="accent1"/>
-          </a:fillRef>
-          <a:effectRef idx="0">
-            <a:schemeClr val="accent1"/>
-          </a:effectRef>
-          <a:fontRef idx="minor">
-            <a:schemeClr val="lt1"/>
-          </a:fontRef>
-        </p:style>
-        <p:txBody>
-          <a:bodyPr rtlCol="0" anchor="ctr"/>
-          <a:lstStyle/>
-          <a:p>
-            <a:pPr algn="ctr"/>
-            <a:endParaRPr lang="ko-KR" altLang="en-US"/>
-          </a:p>
-        </p:txBody>
-      </p:sp>
-      <p:pic>
-        <p:nvPicPr>
-          <p:cNvPr id="11" name="Picture 56"/>
-          <p:cNvPicPr>
-            <a:picLocks noChangeAspect="1" noChangeArrowheads="1"/>
-          </p:cNvPicPr>
-          <p:nvPr/>
-        </p:nvPicPr>
-        <p:blipFill>
-          <a:blip r:embed="rId7">
-            <a:extLst>
-              <a:ext uri="{28A0092B-C50C-407E-A947-70E740481C1C}">
-                <a14:useLocalDpi xmlns:a14="http://schemas.microsoft.com/office/drawing/2010/main" val="0"/>
-              </a:ext>
-            </a:extLst>
-          </a:blip>
-          <a:srcRect/>
-          <a:stretch>
-            <a:fillRect/>
-          </a:stretch>
-        </p:blipFill>
-        <p:spPr bwMode="auto">
-          <a:xfrm>
-            <a:off x="1500470" y="3924055"/>
-            <a:ext cx="5276775" cy="769379"/>
-          </a:xfrm>
-          <a:prstGeom prst="rect">
-            <a:avLst/>
-          </a:prstGeom>
-          <a:noFill/>
-          <a:ln>
-            <a:noFill/>
-          </a:ln>
-          <a:extLst>
-            <a:ext uri="{909E8E84-426E-40DD-AFC4-6F175D3DCCD1}">
-              <a14:hiddenFill xmlns:a14="http://schemas.microsoft.com/office/drawing/2010/main">
-                <a:solidFill>
-                  <a:schemeClr val="accent1"/>
-                </a:solidFill>
-              </a14:hiddenFill>
-            </a:ext>
-            <a:ext uri="{91240B29-F687-4F45-9708-019B960494DF}">
-              <a14:hiddenLine xmlns:a14="http://schemas.microsoft.com/office/drawing/2010/main" w="9525">
-                <a:solidFill>
-                  <a:schemeClr val="tx1"/>
-                </a:solidFill>
-                <a:miter lim="800000"/>
-                <a:headEnd/>
-                <a:tailEnd/>
-              </a14:hiddenLine>
-            </a:ext>
-          </a:extLst>
-        </p:spPr>
-      </p:pic>
-    </p:spTree>
-    <p:extLst>
-      <p:ext uri="{BB962C8B-B14F-4D97-AF65-F5344CB8AC3E}">
-        <p14:creationId xmlns:p14="http://schemas.microsoft.com/office/powerpoint/2010/main" val="3334836506"/>
-      </p:ext>
-    </p:extLst>
-  </p:cSld>
-  <p:clrMapOvr>
-    <a:masterClrMapping/>
-  </p:clrMapOvr>
-</p:sld>
-</file>
-
-<file path=ppt/slides/slide39.xml><?xml version="1.0" encoding="utf-8"?>
-<p:sld xmlns:a="http://schemas.openxmlformats.org/drawingml/2006/main" xmlns:r="http://schemas.openxmlformats.org/officeDocument/2006/relationships" xmlns:p="http://schemas.openxmlformats.org/presentationml/2006/main">
-  <p:cSld>
-    <p:spTree>
-      <p:nvGrpSpPr>
-        <p:cNvPr id="1" name=""/>
-        <p:cNvGrpSpPr/>
-        <p:nvPr/>
-      </p:nvGrpSpPr>
-      <p:grpSpPr>
-        <a:xfrm>
-          <a:off x="0" y="0"/>
-          <a:ext cx="0" cy="0"/>
-          <a:chOff x="0" y="0"/>
-          <a:chExt cx="0" cy="0"/>
-        </a:xfrm>
-      </p:grpSpPr>
-      <p:pic>
-        <p:nvPicPr>
-          <p:cNvPr id="2" name="그림 1"/>
-          <p:cNvPicPr>
-            <a:picLocks noChangeAspect="1"/>
-          </p:cNvPicPr>
-          <p:nvPr/>
-        </p:nvPicPr>
-        <p:blipFill>
-          <a:blip r:embed="rId2">
-            <a:extLst>
-              <a:ext uri="{28A0092B-C50C-407E-A947-70E740481C1C}">
-                <a14:useLocalDpi xmlns:a14="http://schemas.microsoft.com/office/drawing/2010/main" val="0"/>
-              </a:ext>
-            </a:extLst>
-          </a:blip>
-          <a:stretch>
-            <a:fillRect/>
-          </a:stretch>
-        </p:blipFill>
-        <p:spPr>
-          <a:xfrm>
-            <a:off x="982947" y="332655"/>
-            <a:ext cx="7261461" cy="6217921"/>
-          </a:xfrm>
-          <a:prstGeom prst="rect">
-            <a:avLst/>
-          </a:prstGeom>
-          <a:ln>
-            <a:noFill/>
-          </a:ln>
-        </p:spPr>
-      </p:pic>
-    </p:spTree>
-    <p:extLst>
-      <p:ext uri="{BB962C8B-B14F-4D97-AF65-F5344CB8AC3E}">
-        <p14:creationId xmlns:p14="http://schemas.microsoft.com/office/powerpoint/2010/main" val="274853964"/>
       </p:ext>
     </p:extLst>
   </p:cSld>
@@ -19252,568 +14202,6 @@
     <p:extLst>
       <p:ext uri="{BB962C8B-B14F-4D97-AF65-F5344CB8AC3E}">
         <p14:creationId xmlns:p14="http://schemas.microsoft.com/office/powerpoint/2010/main" val="2596886290"/>
-      </p:ext>
-    </p:extLst>
-  </p:cSld>
-  <p:clrMapOvr>
-    <a:masterClrMapping/>
-  </p:clrMapOvr>
-</p:sld>
-</file>
-
-<file path=ppt/slides/slide40.xml><?xml version="1.0" encoding="utf-8"?>
-<p:sld xmlns:a="http://schemas.openxmlformats.org/drawingml/2006/main" xmlns:r="http://schemas.openxmlformats.org/officeDocument/2006/relationships" xmlns:p="http://schemas.openxmlformats.org/presentationml/2006/main">
-  <p:cSld>
-    <p:spTree>
-      <p:nvGrpSpPr>
-        <p:cNvPr id="1" name=""/>
-        <p:cNvGrpSpPr/>
-        <p:nvPr/>
-      </p:nvGrpSpPr>
-      <p:grpSpPr>
-        <a:xfrm>
-          <a:off x="0" y="0"/>
-          <a:ext cx="0" cy="0"/>
-          <a:chOff x="0" y="0"/>
-          <a:chExt cx="0" cy="0"/>
-        </a:xfrm>
-      </p:grpSpPr>
-      <p:sp>
-        <p:nvSpPr>
-          <p:cNvPr id="14339" name="내용 개체 틀 2"/>
-          <p:cNvSpPr>
-            <a:spLocks noGrp="1"/>
-          </p:cNvSpPr>
-          <p:nvPr>
-            <p:ph idx="4294967295"/>
-          </p:nvPr>
-        </p:nvSpPr>
-        <p:spPr>
-          <a:xfrm>
-            <a:off x="476545" y="1314450"/>
-            <a:ext cx="8415338" cy="4781550"/>
-          </a:xfrm>
-        </p:spPr>
-        <p:txBody>
-          <a:bodyPr>
-            <a:normAutofit/>
-          </a:bodyPr>
-          <a:lstStyle/>
-          <a:p>
-            <a:pPr marL="0" indent="0">
-              <a:buNone/>
-            </a:pPr>
-            <a:r>
-              <a:rPr lang="en-US" altLang="ko-KR" sz="2000" dirty="0"/>
-              <a:t>[</a:t>
-            </a:r>
-            <a:r>
-              <a:rPr lang="ko-KR" altLang="en-US" sz="2000" dirty="0"/>
-              <a:t>예 </a:t>
-            </a:r>
-            <a:r>
-              <a:rPr lang="en-US" altLang="ko-KR" sz="2000" dirty="0"/>
-              <a:t>10-28] </a:t>
-            </a:r>
-            <a:r>
-              <a:rPr lang="ko-KR" altLang="en-US" sz="2000" dirty="0" err="1"/>
-              <a:t>모분산</a:t>
-            </a:r>
-            <a:r>
-              <a:rPr lang="ko-KR" altLang="en-US" sz="2000" dirty="0"/>
-              <a:t> </a:t>
-            </a:r>
-            <a:r>
-              <a:rPr lang="en-US" altLang="ko-KR" sz="2000" dirty="0"/>
-              <a:t>25.0</a:t>
-            </a:r>
-            <a:r>
-              <a:rPr lang="ko-KR" altLang="en-US" sz="2000" dirty="0"/>
-              <a:t>인 정규 모집단</a:t>
-            </a:r>
-            <a:r>
-              <a:rPr lang="en-US" altLang="ko-KR" sz="2000" dirty="0"/>
-              <a:t>,</a:t>
-            </a:r>
-            <a:r>
-              <a:rPr lang="ko-KR" altLang="en-US" sz="2000" dirty="0"/>
-              <a:t> 가설 </a:t>
-            </a:r>
-            <a:r>
-              <a:rPr lang="en-US" altLang="ko-KR" sz="2000" dirty="0"/>
-              <a:t>H</a:t>
-            </a:r>
-            <a:r>
-              <a:rPr lang="en-US" altLang="ko-KR" sz="2000" baseline="-25000" dirty="0"/>
-              <a:t>0</a:t>
-            </a:r>
-            <a:r>
-              <a:rPr lang="en-US" altLang="ko-KR" sz="2000" dirty="0"/>
-              <a:t> : </a:t>
-            </a:r>
-            <a:r>
-              <a:rPr lang="el-GR" altLang="ko-KR" sz="2000" dirty="0"/>
-              <a:t>μ</a:t>
-            </a:r>
-            <a:r>
-              <a:rPr lang="en-US" altLang="ko-KR" sz="2000" dirty="0"/>
-              <a:t>=100, H</a:t>
-            </a:r>
-            <a:r>
-              <a:rPr lang="en-US" altLang="ko-KR" sz="2000" baseline="-25000" dirty="0"/>
-              <a:t>1</a:t>
-            </a:r>
-            <a:r>
-              <a:rPr lang="en-US" altLang="ko-KR" sz="2000" dirty="0"/>
-              <a:t> : </a:t>
-            </a:r>
-            <a:r>
-              <a:rPr lang="el-GR" altLang="ko-KR" sz="2000" dirty="0"/>
-              <a:t>μ≠</a:t>
-            </a:r>
-            <a:r>
-              <a:rPr lang="en-US" altLang="ko-KR" sz="2000" dirty="0"/>
-              <a:t>100 </a:t>
-            </a:r>
-            <a:r>
-              <a:rPr lang="ko-KR" altLang="en-US" sz="2000" dirty="0"/>
-              <a:t>에 대하여 유의수준 </a:t>
-            </a:r>
-            <a:r>
-              <a:rPr lang="en-US" altLang="ko-KR" sz="2000" dirty="0"/>
-              <a:t>5%</a:t>
-            </a:r>
-            <a:r>
-              <a:rPr lang="ko-KR" altLang="en-US" sz="2000" dirty="0"/>
-              <a:t>에서 검정</a:t>
-            </a:r>
-            <a:r>
-              <a:rPr lang="en-US" altLang="ko-KR" sz="2000" dirty="0"/>
-              <a:t>, </a:t>
-            </a:r>
-            <a:r>
-              <a:rPr lang="ko-KR" altLang="en-US" sz="2000" dirty="0"/>
-              <a:t>표본 크기 </a:t>
-            </a:r>
-            <a:r>
-              <a:rPr lang="en-US" altLang="ko-KR" sz="2000" dirty="0"/>
-              <a:t>n=10, 30, 50, 100</a:t>
-            </a:r>
-            <a:r>
-              <a:rPr lang="ko-KR" altLang="en-US" sz="2000" dirty="0"/>
-              <a:t> 각각에 대하여 </a:t>
-            </a:r>
-            <a:r>
-              <a:rPr lang="en-US" altLang="ko-KR" sz="2000" dirty="0"/>
-              <a:t>(1) </a:t>
-            </a:r>
-            <a:r>
-              <a:rPr lang="ko-KR" altLang="en-US" sz="2000" dirty="0"/>
-              <a:t>모평균의 참값이 </a:t>
-            </a:r>
-            <a:r>
-              <a:rPr lang="en-US" altLang="ko-KR" sz="2000" dirty="0"/>
-              <a:t>102</a:t>
-            </a:r>
-            <a:r>
-              <a:rPr lang="ko-KR" altLang="en-US" sz="2000" dirty="0"/>
-              <a:t>일 때 </a:t>
-            </a:r>
-            <a:r>
-              <a:rPr lang="ko-KR" altLang="en-US" sz="2000" dirty="0" err="1"/>
-              <a:t>귀무가설이</a:t>
-            </a:r>
-            <a:r>
-              <a:rPr lang="ko-KR" altLang="en-US" sz="2000" dirty="0"/>
-              <a:t> 기각될 확률</a:t>
-            </a:r>
-            <a:r>
-              <a:rPr lang="en-US" altLang="ko-KR" sz="2000" dirty="0"/>
-              <a:t>, (2) </a:t>
-            </a:r>
-            <a:r>
-              <a:rPr lang="ko-KR" altLang="en-US" sz="2000" dirty="0"/>
-              <a:t>검사특성곡선을 작성하여 해석</a:t>
-            </a:r>
-            <a:r>
-              <a:rPr lang="en-US" altLang="ko-KR" sz="2000" dirty="0"/>
-              <a:t>.</a:t>
-            </a:r>
-            <a:endParaRPr lang="ko-KR" altLang="en-US" sz="2000" dirty="0"/>
-          </a:p>
-        </p:txBody>
-      </p:sp>
-      <p:sp>
-        <p:nvSpPr>
-          <p:cNvPr id="40" name="제목 1"/>
-          <p:cNvSpPr txBox="1">
-            <a:spLocks/>
-          </p:cNvSpPr>
-          <p:nvPr/>
-        </p:nvSpPr>
-        <p:spPr>
-          <a:xfrm>
-            <a:off x="476545" y="368660"/>
-            <a:ext cx="8289630" cy="765086"/>
-          </a:xfrm>
-          <a:prstGeom prst="rect">
-            <a:avLst/>
-          </a:prstGeom>
-        </p:spPr>
-        <p:txBody>
-          <a:bodyPr vert="horz" lIns="91440" tIns="45720" rIns="91440" bIns="45720" rtlCol="0" anchor="ctr">
-            <a:normAutofit/>
-          </a:bodyPr>
-          <a:lstStyle>
-            <a:lvl1pPr algn="l" defTabSz="914400" rtl="0" eaLnBrk="1" latinLnBrk="1" hangingPunct="1">
-              <a:spcBef>
-                <a:spcPct val="0"/>
-              </a:spcBef>
-              <a:buNone/>
-              <a:defRPr sz="3600" b="1" kern="1200">
-                <a:solidFill>
-                  <a:schemeClr val="tx1"/>
-                </a:solidFill>
-                <a:latin typeface="+mj-lt"/>
-                <a:ea typeface="+mj-ea"/>
-                <a:cs typeface="+mj-cs"/>
-              </a:defRPr>
-            </a:lvl1pPr>
-          </a:lstStyle>
-          <a:p>
-            <a:r>
-              <a:rPr lang="en-US" altLang="ko-KR"/>
-              <a:t>6. </a:t>
-            </a:r>
-            <a:r>
-              <a:rPr lang="ko-KR" altLang="en-US" dirty="0"/>
-              <a:t>검사특성곡선</a:t>
-            </a:r>
-          </a:p>
-        </p:txBody>
-      </p:sp>
-      <p:sp>
-        <p:nvSpPr>
-          <p:cNvPr id="4" name="TextBox 3"/>
-          <p:cNvSpPr txBox="1"/>
-          <p:nvPr/>
-        </p:nvSpPr>
-        <p:spPr>
-          <a:xfrm>
-            <a:off x="1379497" y="6240796"/>
-            <a:ext cx="6837908" cy="338554"/>
-          </a:xfrm>
-          <a:prstGeom prst="rect">
-            <a:avLst/>
-          </a:prstGeom>
-          <a:noFill/>
-        </p:spPr>
-        <p:txBody>
-          <a:bodyPr wrap="square" rtlCol="0">
-            <a:spAutoFit/>
-          </a:bodyPr>
-          <a:lstStyle/>
-          <a:p>
-            <a:r>
-              <a:rPr lang="en-US" altLang="ko-KR" sz="1600" b="1" dirty="0">
-                <a:latin typeface="+mn-ea"/>
-                <a:ea typeface="+mn-ea"/>
-                <a:sym typeface="Wingdings" panose="05000000000000000000" pitchFamily="2" charset="2"/>
-              </a:rPr>
-              <a:t> </a:t>
-            </a:r>
-            <a:r>
-              <a:rPr lang="ko-KR" altLang="en-US" sz="1600" b="1" dirty="0">
-                <a:latin typeface="+mn-ea"/>
-                <a:ea typeface="+mn-ea"/>
-                <a:sym typeface="Wingdings" panose="05000000000000000000" pitchFamily="2" charset="2"/>
-              </a:rPr>
-              <a:t>표본 크기가 증가할수록 검사특성곡선 값이 작아짐</a:t>
-            </a:r>
-            <a:endParaRPr lang="ko-KR" altLang="en-US" sz="1600" b="1" dirty="0">
-              <a:latin typeface="+mn-ea"/>
-              <a:ea typeface="+mn-ea"/>
-            </a:endParaRPr>
-          </a:p>
-        </p:txBody>
-      </p:sp>
-      <p:sp>
-        <p:nvSpPr>
-          <p:cNvPr id="5" name="직사각형 4"/>
-          <p:cNvSpPr/>
-          <p:nvPr/>
-        </p:nvSpPr>
-        <p:spPr>
-          <a:xfrm>
-            <a:off x="701570" y="2888940"/>
-            <a:ext cx="7650850" cy="3780420"/>
-          </a:xfrm>
-          <a:prstGeom prst="rect">
-            <a:avLst/>
-          </a:prstGeom>
-          <a:noFill/>
-          <a:ln>
-            <a:solidFill>
-              <a:srgbClr val="00B0F0"/>
-            </a:solidFill>
-          </a:ln>
-        </p:spPr>
-        <p:style>
-          <a:lnRef idx="2">
-            <a:schemeClr val="accent1">
-              <a:shade val="50000"/>
-            </a:schemeClr>
-          </a:lnRef>
-          <a:fillRef idx="1">
-            <a:schemeClr val="accent1"/>
-          </a:fillRef>
-          <a:effectRef idx="0">
-            <a:schemeClr val="accent1"/>
-          </a:effectRef>
-          <a:fontRef idx="minor">
-            <a:schemeClr val="lt1"/>
-          </a:fontRef>
-        </p:style>
-        <p:txBody>
-          <a:bodyPr rtlCol="0" anchor="ctr"/>
-          <a:lstStyle/>
-          <a:p>
-            <a:pPr algn="ctr"/>
-            <a:endParaRPr lang="ko-KR" altLang="en-US"/>
-          </a:p>
-        </p:txBody>
-      </p:sp>
-      <p:pic>
-        <p:nvPicPr>
-          <p:cNvPr id="6" name="Picture 38"/>
-          <p:cNvPicPr>
-            <a:picLocks noChangeAspect="1" noChangeArrowheads="1"/>
-          </p:cNvPicPr>
-          <p:nvPr/>
-        </p:nvPicPr>
-        <p:blipFill>
-          <a:blip r:embed="rId2">
-            <a:extLst>
-              <a:ext uri="{28A0092B-C50C-407E-A947-70E740481C1C}">
-                <a14:useLocalDpi xmlns:a14="http://schemas.microsoft.com/office/drawing/2010/main" val="0"/>
-              </a:ext>
-            </a:extLst>
-          </a:blip>
-          <a:srcRect/>
-          <a:stretch>
-            <a:fillRect/>
-          </a:stretch>
-        </p:blipFill>
-        <p:spPr bwMode="auto">
-          <a:xfrm>
-            <a:off x="1396183" y="4788151"/>
-            <a:ext cx="6326167" cy="1003585"/>
-          </a:xfrm>
-          <a:prstGeom prst="rect">
-            <a:avLst/>
-          </a:prstGeom>
-          <a:noFill/>
-          <a:ln>
-            <a:noFill/>
-          </a:ln>
-          <a:extLst>
-            <a:ext uri="{909E8E84-426E-40DD-AFC4-6F175D3DCCD1}">
-              <a14:hiddenFill xmlns:a14="http://schemas.microsoft.com/office/drawing/2010/main">
-                <a:solidFill>
-                  <a:schemeClr val="accent1"/>
-                </a:solidFill>
-              </a14:hiddenFill>
-            </a:ext>
-            <a:ext uri="{91240B29-F687-4F45-9708-019B960494DF}">
-              <a14:hiddenLine xmlns:a14="http://schemas.microsoft.com/office/drawing/2010/main" w="9525">
-                <a:solidFill>
-                  <a:schemeClr val="tx1"/>
-                </a:solidFill>
-                <a:miter lim="800000"/>
-                <a:headEnd/>
-                <a:tailEnd/>
-              </a14:hiddenLine>
-            </a:ext>
-          </a:extLst>
-        </p:spPr>
-      </p:pic>
-      <p:pic>
-        <p:nvPicPr>
-          <p:cNvPr id="7" name="Picture 39"/>
-          <p:cNvPicPr>
-            <a:picLocks noChangeAspect="1" noChangeArrowheads="1"/>
-          </p:cNvPicPr>
-          <p:nvPr/>
-        </p:nvPicPr>
-        <p:blipFill>
-          <a:blip r:embed="rId3">
-            <a:extLst>
-              <a:ext uri="{28A0092B-C50C-407E-A947-70E740481C1C}">
-                <a14:useLocalDpi xmlns:a14="http://schemas.microsoft.com/office/drawing/2010/main" val="0"/>
-              </a:ext>
-            </a:extLst>
-          </a:blip>
-          <a:srcRect/>
-          <a:stretch>
-            <a:fillRect/>
-          </a:stretch>
-        </p:blipFill>
-        <p:spPr bwMode="auto">
-          <a:xfrm>
-            <a:off x="1448653" y="5896729"/>
-            <a:ext cx="5985665" cy="322581"/>
-          </a:xfrm>
-          <a:prstGeom prst="rect">
-            <a:avLst/>
-          </a:prstGeom>
-          <a:noFill/>
-          <a:ln>
-            <a:noFill/>
-          </a:ln>
-          <a:extLst>
-            <a:ext uri="{909E8E84-426E-40DD-AFC4-6F175D3DCCD1}">
-              <a14:hiddenFill xmlns:a14="http://schemas.microsoft.com/office/drawing/2010/main">
-                <a:solidFill>
-                  <a:schemeClr val="accent1"/>
-                </a:solidFill>
-              </a14:hiddenFill>
-            </a:ext>
-            <a:ext uri="{91240B29-F687-4F45-9708-019B960494DF}">
-              <a14:hiddenLine xmlns:a14="http://schemas.microsoft.com/office/drawing/2010/main" w="9525">
-                <a:solidFill>
-                  <a:schemeClr val="tx1"/>
-                </a:solidFill>
-                <a:miter lim="800000"/>
-                <a:headEnd/>
-                <a:tailEnd/>
-              </a14:hiddenLine>
-            </a:ext>
-          </a:extLst>
-        </p:spPr>
-      </p:pic>
-      <p:pic>
-        <p:nvPicPr>
-          <p:cNvPr id="8" name="Picture 58"/>
-          <p:cNvPicPr>
-            <a:picLocks noChangeAspect="1" noChangeArrowheads="1"/>
-          </p:cNvPicPr>
-          <p:nvPr/>
-        </p:nvPicPr>
-        <p:blipFill>
-          <a:blip r:embed="rId4">
-            <a:extLst>
-              <a:ext uri="{28A0092B-C50C-407E-A947-70E740481C1C}">
-                <a14:useLocalDpi xmlns:a14="http://schemas.microsoft.com/office/drawing/2010/main" val="0"/>
-              </a:ext>
-            </a:extLst>
-          </a:blip>
-          <a:srcRect/>
-          <a:stretch>
-            <a:fillRect/>
-          </a:stretch>
-        </p:blipFill>
-        <p:spPr bwMode="auto">
-          <a:xfrm>
-            <a:off x="817347" y="3068960"/>
-            <a:ext cx="5644863" cy="1569318"/>
-          </a:xfrm>
-          <a:prstGeom prst="rect">
-            <a:avLst/>
-          </a:prstGeom>
-          <a:noFill/>
-          <a:ln>
-            <a:noFill/>
-          </a:ln>
-          <a:extLst>
-            <a:ext uri="{909E8E84-426E-40DD-AFC4-6F175D3DCCD1}">
-              <a14:hiddenFill xmlns:a14="http://schemas.microsoft.com/office/drawing/2010/main">
-                <a:solidFill>
-                  <a:schemeClr val="accent1"/>
-                </a:solidFill>
-              </a14:hiddenFill>
-            </a:ext>
-            <a:ext uri="{91240B29-F687-4F45-9708-019B960494DF}">
-              <a14:hiddenLine xmlns:a14="http://schemas.microsoft.com/office/drawing/2010/main" w="9525">
-                <a:solidFill>
-                  <a:schemeClr val="tx1"/>
-                </a:solidFill>
-                <a:miter lim="800000"/>
-                <a:headEnd/>
-                <a:tailEnd/>
-              </a14:hiddenLine>
-            </a:ext>
-          </a:extLst>
-        </p:spPr>
-      </p:pic>
-    </p:spTree>
-    <p:extLst>
-      <p:ext uri="{BB962C8B-B14F-4D97-AF65-F5344CB8AC3E}">
-        <p14:creationId xmlns:p14="http://schemas.microsoft.com/office/powerpoint/2010/main" val="855670583"/>
-      </p:ext>
-    </p:extLst>
-  </p:cSld>
-  <p:clrMapOvr>
-    <a:masterClrMapping/>
-  </p:clrMapOvr>
-</p:sld>
-</file>
-
-<file path=ppt/slides/slide41.xml><?xml version="1.0" encoding="utf-8"?>
-<p:sld xmlns:a="http://schemas.openxmlformats.org/drawingml/2006/main" xmlns:r="http://schemas.openxmlformats.org/officeDocument/2006/relationships" xmlns:p="http://schemas.openxmlformats.org/presentationml/2006/main">
-  <p:cSld>
-    <p:spTree>
-      <p:nvGrpSpPr>
-        <p:cNvPr id="1" name=""/>
-        <p:cNvGrpSpPr/>
-        <p:nvPr/>
-      </p:nvGrpSpPr>
-      <p:grpSpPr>
-        <a:xfrm>
-          <a:off x="0" y="0"/>
-          <a:ext cx="0" cy="0"/>
-          <a:chOff x="0" y="0"/>
-          <a:chExt cx="0" cy="0"/>
-        </a:xfrm>
-      </p:grpSpPr>
-      <p:pic>
-        <p:nvPicPr>
-          <p:cNvPr id="5" name="그림 4"/>
-          <p:cNvPicPr>
-            <a:picLocks noChangeAspect="1"/>
-          </p:cNvPicPr>
-          <p:nvPr/>
-        </p:nvPicPr>
-        <p:blipFill>
-          <a:blip r:embed="rId2">
-            <a:extLst>
-              <a:ext uri="{28A0092B-C50C-407E-A947-70E740481C1C}">
-                <a14:useLocalDpi xmlns:a14="http://schemas.microsoft.com/office/drawing/2010/main" val="0"/>
-              </a:ext>
-            </a:extLst>
-          </a:blip>
-          <a:stretch>
-            <a:fillRect/>
-          </a:stretch>
-        </p:blipFill>
-        <p:spPr>
-          <a:xfrm>
-            <a:off x="982947" y="307423"/>
-            <a:ext cx="7261461" cy="6217921"/>
-          </a:xfrm>
-          <a:prstGeom prst="rect">
-            <a:avLst/>
-          </a:prstGeom>
-          <a:ln>
-            <a:solidFill>
-              <a:schemeClr val="accent1"/>
-            </a:solidFill>
-          </a:ln>
-        </p:spPr>
-      </p:pic>
-    </p:spTree>
-    <p:extLst>
-      <p:ext uri="{BB962C8B-B14F-4D97-AF65-F5344CB8AC3E}">
-        <p14:creationId xmlns:p14="http://schemas.microsoft.com/office/powerpoint/2010/main" val="457396585"/>
       </p:ext>
     </p:extLst>
   </p:cSld>
